--- a/doc/introduction/images/dist_part/dist_part.pptx
+++ b/doc/introduction/images/dist_part/dist_part.pptx
@@ -217,7 +217,7 @@
           <a:p>
             <a:fld id="{E61F3277-4CCB-4D43-BAC1-37AC883EB584}" type="datetimeFigureOut">
               <a:rPr lang="fr-FR" smtClean="0"/>
-              <a:t>24/05/2022</a:t>
+              <a:t>31/05/2022</a:t>
             </a:fld>
             <a:endParaRPr lang="fr-FR"/>
           </a:p>
@@ -1506,7 +1506,7 @@
           <a:p>
             <a:fld id="{BBB401EE-740F-4031-A9F5-271D47C6AA99}" type="datetimeFigureOut">
               <a:rPr lang="fr-FR" smtClean="0"/>
-              <a:t>24/05/2022</a:t>
+              <a:t>31/05/2022</a:t>
             </a:fld>
             <a:endParaRPr lang="fr-FR"/>
           </a:p>
@@ -1676,7 +1676,7 @@
           <a:p>
             <a:fld id="{BBB401EE-740F-4031-A9F5-271D47C6AA99}" type="datetimeFigureOut">
               <a:rPr lang="fr-FR" smtClean="0"/>
-              <a:t>24/05/2022</a:t>
+              <a:t>31/05/2022</a:t>
             </a:fld>
             <a:endParaRPr lang="fr-FR"/>
           </a:p>
@@ -1856,7 +1856,7 @@
           <a:p>
             <a:fld id="{BBB401EE-740F-4031-A9F5-271D47C6AA99}" type="datetimeFigureOut">
               <a:rPr lang="fr-FR" smtClean="0"/>
-              <a:t>24/05/2022</a:t>
+              <a:t>31/05/2022</a:t>
             </a:fld>
             <a:endParaRPr lang="fr-FR"/>
           </a:p>
@@ -2026,7 +2026,7 @@
           <a:p>
             <a:fld id="{BBB401EE-740F-4031-A9F5-271D47C6AA99}" type="datetimeFigureOut">
               <a:rPr lang="fr-FR" smtClean="0"/>
-              <a:t>24/05/2022</a:t>
+              <a:t>31/05/2022</a:t>
             </a:fld>
             <a:endParaRPr lang="fr-FR"/>
           </a:p>
@@ -2272,7 +2272,7 @@
           <a:p>
             <a:fld id="{BBB401EE-740F-4031-A9F5-271D47C6AA99}" type="datetimeFigureOut">
               <a:rPr lang="fr-FR" smtClean="0"/>
-              <a:t>24/05/2022</a:t>
+              <a:t>31/05/2022</a:t>
             </a:fld>
             <a:endParaRPr lang="fr-FR"/>
           </a:p>
@@ -2560,7 +2560,7 @@
           <a:p>
             <a:fld id="{BBB401EE-740F-4031-A9F5-271D47C6AA99}" type="datetimeFigureOut">
               <a:rPr lang="fr-FR" smtClean="0"/>
-              <a:t>24/05/2022</a:t>
+              <a:t>31/05/2022</a:t>
             </a:fld>
             <a:endParaRPr lang="fr-FR"/>
           </a:p>
@@ -2982,7 +2982,7 @@
           <a:p>
             <a:fld id="{BBB401EE-740F-4031-A9F5-271D47C6AA99}" type="datetimeFigureOut">
               <a:rPr lang="fr-FR" smtClean="0"/>
-              <a:t>24/05/2022</a:t>
+              <a:t>31/05/2022</a:t>
             </a:fld>
             <a:endParaRPr lang="fr-FR"/>
           </a:p>
@@ -3100,7 +3100,7 @@
           <a:p>
             <a:fld id="{BBB401EE-740F-4031-A9F5-271D47C6AA99}" type="datetimeFigureOut">
               <a:rPr lang="fr-FR" smtClean="0"/>
-              <a:t>24/05/2022</a:t>
+              <a:t>31/05/2022</a:t>
             </a:fld>
             <a:endParaRPr lang="fr-FR"/>
           </a:p>
@@ -3195,7 +3195,7 @@
           <a:p>
             <a:fld id="{BBB401EE-740F-4031-A9F5-271D47C6AA99}" type="datetimeFigureOut">
               <a:rPr lang="fr-FR" smtClean="0"/>
-              <a:t>24/05/2022</a:t>
+              <a:t>31/05/2022</a:t>
             </a:fld>
             <a:endParaRPr lang="fr-FR"/>
           </a:p>
@@ -3472,7 +3472,7 @@
           <a:p>
             <a:fld id="{BBB401EE-740F-4031-A9F5-271D47C6AA99}" type="datetimeFigureOut">
               <a:rPr lang="fr-FR" smtClean="0"/>
-              <a:t>24/05/2022</a:t>
+              <a:t>31/05/2022</a:t>
             </a:fld>
             <a:endParaRPr lang="fr-FR"/>
           </a:p>
@@ -3725,7 +3725,7 @@
           <a:p>
             <a:fld id="{BBB401EE-740F-4031-A9F5-271D47C6AA99}" type="datetimeFigureOut">
               <a:rPr lang="fr-FR" smtClean="0"/>
-              <a:t>24/05/2022</a:t>
+              <a:t>31/05/2022</a:t>
             </a:fld>
             <a:endParaRPr lang="fr-FR"/>
           </a:p>
@@ -3938,7 +3938,7 @@
           <a:p>
             <a:fld id="{BBB401EE-740F-4031-A9F5-271D47C6AA99}" type="datetimeFigureOut">
               <a:rPr lang="fr-FR" smtClean="0"/>
-              <a:t>24/05/2022</a:t>
+              <a:t>31/05/2022</a:t>
             </a:fld>
             <a:endParaRPr lang="fr-FR"/>
           </a:p>
@@ -4370,7 +4370,7 @@
           <a:effectLst/>
           <a:extLst>
             <a:ext uri="{AF507438-7753-43e0-B8FC-AC1667EBCBE1}">
-              <a14:hiddenEffects xmlns:a14="http://schemas.microsoft.com/office/drawing/2010/main" xmlns="">
+              <a14:hiddenEffects xmlns="" xmlns:a14="http://schemas.microsoft.com/office/drawing/2010/main">
                 <a:effectLst>
                   <a:outerShdw blurRad="63500" dist="38099" dir="2700000" algn="ctr" rotWithShape="0">
                     <a:schemeClr val="bg2">
@@ -4448,7 +4448,7 @@
           <a:effectLst/>
           <a:extLst>
             <a:ext uri="{AF507438-7753-43e0-B8FC-AC1667EBCBE1}">
-              <a14:hiddenEffects xmlns:a14="http://schemas.microsoft.com/office/drawing/2010/main" xmlns="">
+              <a14:hiddenEffects xmlns="" xmlns:a14="http://schemas.microsoft.com/office/drawing/2010/main">
                 <a:effectLst>
                   <a:outerShdw blurRad="63500" dist="38099" dir="2700000" algn="ctr" rotWithShape="0">
                     <a:schemeClr val="bg2">
@@ -4526,7 +4526,7 @@
           <a:effectLst/>
           <a:extLst>
             <a:ext uri="{AF507438-7753-43e0-B8FC-AC1667EBCBE1}">
-              <a14:hiddenEffects xmlns:a14="http://schemas.microsoft.com/office/drawing/2010/main" xmlns="">
+              <a14:hiddenEffects xmlns="" xmlns:a14="http://schemas.microsoft.com/office/drawing/2010/main">
                 <a:effectLst>
                   <a:outerShdw blurRad="63500" dist="38099" dir="2700000" algn="ctr" rotWithShape="0">
                     <a:schemeClr val="bg2">
@@ -4604,7 +4604,7 @@
           <a:effectLst/>
           <a:extLst>
             <a:ext uri="{AF507438-7753-43e0-B8FC-AC1667EBCBE1}">
-              <a14:hiddenEffects xmlns:a14="http://schemas.microsoft.com/office/drawing/2010/main" xmlns="">
+              <a14:hiddenEffects xmlns="" xmlns:a14="http://schemas.microsoft.com/office/drawing/2010/main">
                 <a:effectLst>
                   <a:outerShdw blurRad="63500" dist="38099" dir="2700000" algn="ctr" rotWithShape="0">
                     <a:schemeClr val="bg2">
@@ -4682,7 +4682,7 @@
           <a:effectLst/>
           <a:extLst>
             <a:ext uri="{AF507438-7753-43e0-B8FC-AC1667EBCBE1}">
-              <a14:hiddenEffects xmlns:a14="http://schemas.microsoft.com/office/drawing/2010/main" xmlns="">
+              <a14:hiddenEffects xmlns="" xmlns:a14="http://schemas.microsoft.com/office/drawing/2010/main">
                 <a:effectLst>
                   <a:outerShdw blurRad="63500" dist="38099" dir="2700000" algn="ctr" rotWithShape="0">
                     <a:schemeClr val="bg2">
@@ -4760,7 +4760,7 @@
           <a:effectLst/>
           <a:extLst>
             <a:ext uri="{AF507438-7753-43e0-B8FC-AC1667EBCBE1}">
-              <a14:hiddenEffects xmlns:a14="http://schemas.microsoft.com/office/drawing/2010/main" xmlns="">
+              <a14:hiddenEffects xmlns="" xmlns:a14="http://schemas.microsoft.com/office/drawing/2010/main">
                 <a:effectLst>
                   <a:outerShdw blurRad="63500" dist="38099" dir="2700000" algn="ctr" rotWithShape="0">
                     <a:schemeClr val="bg2">
@@ -4838,7 +4838,7 @@
           <a:effectLst/>
           <a:extLst>
             <a:ext uri="{AF507438-7753-43e0-B8FC-AC1667EBCBE1}">
-              <a14:hiddenEffects xmlns:a14="http://schemas.microsoft.com/office/drawing/2010/main" xmlns="">
+              <a14:hiddenEffects xmlns="" xmlns:a14="http://schemas.microsoft.com/office/drawing/2010/main">
                 <a:effectLst>
                   <a:outerShdw blurRad="63500" dist="38099" dir="2700000" algn="ctr" rotWithShape="0">
                     <a:schemeClr val="bg2">
@@ -4897,7 +4897,7 @@
         </p:nvSpPr>
         <p:spPr bwMode="auto">
           <a:xfrm>
-            <a:off x="2104849" y="1897058"/>
+            <a:off x="2104849" y="2457782"/>
             <a:ext cx="216024" cy="216024"/>
           </a:xfrm>
           <a:prstGeom prst="rect">
@@ -4916,7 +4916,7 @@
           <a:effectLst/>
           <a:extLst>
             <a:ext uri="{AF507438-7753-43e0-B8FC-AC1667EBCBE1}">
-              <a14:hiddenEffects xmlns:a14="http://schemas.microsoft.com/office/drawing/2010/main" xmlns="">
+              <a14:hiddenEffects xmlns="" xmlns:a14="http://schemas.microsoft.com/office/drawing/2010/main">
                 <a:effectLst>
                   <a:outerShdw blurRad="63500" dist="38099" dir="2700000" algn="ctr" rotWithShape="0">
                     <a:schemeClr val="bg2">
@@ -4975,7 +4975,7 @@
         </p:nvSpPr>
         <p:spPr bwMode="auto">
           <a:xfrm>
-            <a:off x="2926157" y="1897058"/>
+            <a:off x="2926157" y="2457782"/>
             <a:ext cx="216024" cy="216024"/>
           </a:xfrm>
           <a:prstGeom prst="rect">
@@ -4994,7 +4994,7 @@
           <a:effectLst/>
           <a:extLst>
             <a:ext uri="{AF507438-7753-43e0-B8FC-AC1667EBCBE1}">
-              <a14:hiddenEffects xmlns:a14="http://schemas.microsoft.com/office/drawing/2010/main" xmlns="">
+              <a14:hiddenEffects xmlns="" xmlns:a14="http://schemas.microsoft.com/office/drawing/2010/main">
                 <a:effectLst>
                   <a:outerShdw blurRad="63500" dist="38099" dir="2700000" algn="ctr" rotWithShape="0">
                     <a:schemeClr val="bg2">
@@ -5053,7 +5053,7 @@
         </p:nvSpPr>
         <p:spPr bwMode="auto">
           <a:xfrm>
-            <a:off x="2515503" y="1897058"/>
+            <a:off x="2515503" y="2457782"/>
             <a:ext cx="216024" cy="216024"/>
           </a:xfrm>
           <a:prstGeom prst="rect">
@@ -5072,7 +5072,7 @@
           <a:effectLst/>
           <a:extLst>
             <a:ext uri="{AF507438-7753-43e0-B8FC-AC1667EBCBE1}">
-              <a14:hiddenEffects xmlns:a14="http://schemas.microsoft.com/office/drawing/2010/main" xmlns="">
+              <a14:hiddenEffects xmlns="" xmlns:a14="http://schemas.microsoft.com/office/drawing/2010/main">
                 <a:effectLst>
                   <a:outerShdw blurRad="63500" dist="38099" dir="2700000" algn="ctr" rotWithShape="0">
                     <a:schemeClr val="bg2">
@@ -5125,23 +5125,23 @@
       </p:sp>
       <p:sp>
         <p:nvSpPr>
-          <p:cNvPr id="165" name="Rectangle 164"/>
+          <p:cNvPr id="168" name="Ellipse 167"/>
           <p:cNvSpPr/>
           <p:nvPr/>
         </p:nvSpPr>
         <p:spPr bwMode="auto">
           <a:xfrm>
-            <a:off x="3336810" y="1897058"/>
+            <a:off x="4509640" y="2457782"/>
             <a:ext cx="216024" cy="216024"/>
           </a:xfrm>
-          <a:prstGeom prst="rect">
-            <a:avLst/>
-          </a:prstGeom>
-          <a:noFill/>
-          <a:ln w="19050" cap="flat" cmpd="sng" algn="ctr">
-            <a:solidFill>
-              <a:srgbClr val="F1C40F"/>
-            </a:solidFill>
+          <a:prstGeom prst="ellipse">
+            <a:avLst/>
+          </a:prstGeom>
+          <a:solidFill>
+            <a:srgbClr val="343E50"/>
+          </a:solidFill>
+          <a:ln w="9525" cap="flat" cmpd="sng" algn="ctr">
+            <a:noFill/>
             <a:prstDash val="solid"/>
             <a:round/>
             <a:headEnd type="none" w="med" len="med"/>
@@ -5150,7 +5150,7 @@
           <a:effectLst/>
           <a:extLst>
             <a:ext uri="{AF507438-7753-43e0-B8FC-AC1667EBCBE1}">
-              <a14:hiddenEffects xmlns:a14="http://schemas.microsoft.com/office/drawing/2010/main" xmlns="">
+              <a14:hiddenEffects xmlns="" xmlns:a14="http://schemas.microsoft.com/office/drawing/2010/main">
                 <a:effectLst>
                   <a:outerShdw blurRad="63500" dist="38099" dir="2700000" algn="ctr" rotWithShape="0">
                     <a:schemeClr val="bg2">
@@ -5203,23 +5203,23 @@
       </p:sp>
       <p:sp>
         <p:nvSpPr>
-          <p:cNvPr id="167" name="Ellipse 166"/>
+          <p:cNvPr id="169" name="Ellipse 168"/>
           <p:cNvSpPr/>
           <p:nvPr/>
         </p:nvSpPr>
         <p:spPr bwMode="auto">
           <a:xfrm>
-            <a:off x="4871948" y="1897058"/>
+            <a:off x="4147331" y="2457782"/>
             <a:ext cx="216024" cy="216024"/>
           </a:xfrm>
           <a:prstGeom prst="ellipse">
             <a:avLst/>
           </a:prstGeom>
-          <a:noFill/>
-          <a:ln w="19050" cap="flat" cmpd="sng" algn="ctr">
-            <a:solidFill>
-              <a:srgbClr val="3498DB"/>
-            </a:solidFill>
+          <a:solidFill>
+            <a:srgbClr val="E67E22"/>
+          </a:solidFill>
+          <a:ln w="9525" cap="flat" cmpd="sng" algn="ctr">
+            <a:noFill/>
             <a:prstDash val="solid"/>
             <a:round/>
             <a:headEnd type="none" w="med" len="med"/>
@@ -5228,7 +5228,7 @@
           <a:effectLst/>
           <a:extLst>
             <a:ext uri="{AF507438-7753-43e0-B8FC-AC1667EBCBE1}">
-              <a14:hiddenEffects xmlns:a14="http://schemas.microsoft.com/office/drawing/2010/main" xmlns="">
+              <a14:hiddenEffects xmlns="" xmlns:a14="http://schemas.microsoft.com/office/drawing/2010/main">
                 <a:effectLst>
                   <a:outerShdw blurRad="63500" dist="38099" dir="2700000" algn="ctr" rotWithShape="0">
                     <a:schemeClr val="bg2">
@@ -5281,20 +5281,380 @@
       </p:sp>
       <p:sp>
         <p:nvSpPr>
-          <p:cNvPr id="168" name="Ellipse 167"/>
+          <p:cNvPr id="7" name="ZoneTexte 6"/>
+          <p:cNvSpPr txBox="1"/>
+          <p:nvPr/>
+        </p:nvSpPr>
+        <p:spPr>
+          <a:xfrm>
+            <a:off x="28546" y="6381328"/>
+            <a:ext cx="4680520" cy="369332"/>
+          </a:xfrm>
+          <a:prstGeom prst="rect">
+            <a:avLst/>
+          </a:prstGeom>
+          <a:noFill/>
+        </p:spPr>
+        <p:txBody>
+          <a:bodyPr wrap="square" rtlCol="0">
+            <a:spAutoFit/>
+          </a:bodyPr>
+          <a:lstStyle/>
+          <a:p>
+            <a:r>
+              <a:rPr lang="fr-FR" dirty="0"/>
+              <a:t>Palette : https://flatuicolors.com/palette/defo</a:t>
+            </a:r>
+          </a:p>
+        </p:txBody>
+      </p:sp>
+      <p:sp>
+        <p:nvSpPr>
+          <p:cNvPr id="170" name="ZoneTexte 169"/>
+          <p:cNvSpPr txBox="1"/>
+          <p:nvPr/>
+        </p:nvSpPr>
+        <p:spPr>
+          <a:xfrm>
+            <a:off x="304026" y="1088699"/>
+            <a:ext cx="1294585" cy="369332"/>
+          </a:xfrm>
+          <a:prstGeom prst="rect">
+            <a:avLst/>
+          </a:prstGeom>
+          <a:noFill/>
+        </p:spPr>
+        <p:txBody>
+          <a:bodyPr wrap="none" rtlCol="0">
+            <a:spAutoFit/>
+          </a:bodyPr>
+          <a:lstStyle/>
+          <a:p>
+            <a:r>
+              <a:rPr lang="fr-FR" dirty="0" smtClean="0"/>
+              <a:t>Distribution</a:t>
+            </a:r>
+            <a:endParaRPr lang="fr-FR" dirty="0"/>
+          </a:p>
+        </p:txBody>
+      </p:sp>
+      <p:sp>
+        <p:nvSpPr>
+          <p:cNvPr id="171" name="ZoneTexte 170"/>
+          <p:cNvSpPr txBox="1"/>
+          <p:nvPr/>
+        </p:nvSpPr>
+        <p:spPr>
+          <a:xfrm>
+            <a:off x="3426620" y="622150"/>
+            <a:ext cx="216024" cy="261610"/>
+          </a:xfrm>
+          <a:prstGeom prst="rect">
+            <a:avLst/>
+          </a:prstGeom>
+          <a:noFill/>
+        </p:spPr>
+        <p:txBody>
+          <a:bodyPr wrap="square" rtlCol="0" anchor="ctr">
+            <a:spAutoFit/>
+          </a:bodyPr>
+          <a:lstStyle/>
+          <a:p>
+            <a:pPr algn="ctr"/>
+            <a:r>
+              <a:rPr lang="fr-FR" sz="1100" dirty="0" smtClean="0">
+                <a:solidFill>
+                  <a:schemeClr val="bg1">
+                    <a:lumMod val="65000"/>
+                  </a:schemeClr>
+                </a:solidFill>
+              </a:rPr>
+              <a:t>1 </a:t>
+            </a:r>
+            <a:endParaRPr lang="fr-FR" sz="1100" dirty="0">
+              <a:solidFill>
+                <a:schemeClr val="bg1">
+                  <a:lumMod val="65000"/>
+                </a:schemeClr>
+              </a:solidFill>
+            </a:endParaRPr>
+          </a:p>
+        </p:txBody>
+      </p:sp>
+      <p:sp>
+        <p:nvSpPr>
+          <p:cNvPr id="172" name="ZoneTexte 171"/>
+          <p:cNvSpPr txBox="1"/>
+          <p:nvPr/>
+        </p:nvSpPr>
+        <p:spPr>
+          <a:xfrm>
+            <a:off x="3823554" y="622150"/>
+            <a:ext cx="216024" cy="261610"/>
+          </a:xfrm>
+          <a:prstGeom prst="rect">
+            <a:avLst/>
+          </a:prstGeom>
+          <a:noFill/>
+        </p:spPr>
+        <p:txBody>
+          <a:bodyPr wrap="square" rtlCol="0" anchor="ctr">
+            <a:spAutoFit/>
+          </a:bodyPr>
+          <a:lstStyle/>
+          <a:p>
+            <a:pPr algn="ctr"/>
+            <a:r>
+              <a:rPr lang="fr-FR" sz="1100" dirty="0" smtClean="0">
+                <a:solidFill>
+                  <a:schemeClr val="bg1">
+                    <a:lumMod val="65000"/>
+                  </a:schemeClr>
+                </a:solidFill>
+              </a:rPr>
+              <a:t>2 </a:t>
+            </a:r>
+            <a:endParaRPr lang="fr-FR" sz="1100" dirty="0">
+              <a:solidFill>
+                <a:schemeClr val="bg1">
+                  <a:lumMod val="65000"/>
+                </a:schemeClr>
+              </a:solidFill>
+            </a:endParaRPr>
+          </a:p>
+        </p:txBody>
+      </p:sp>
+      <p:sp>
+        <p:nvSpPr>
+          <p:cNvPr id="173" name="ZoneTexte 172"/>
+          <p:cNvSpPr txBox="1"/>
+          <p:nvPr/>
+        </p:nvSpPr>
+        <p:spPr>
+          <a:xfrm>
+            <a:off x="4228670" y="622150"/>
+            <a:ext cx="216024" cy="261610"/>
+          </a:xfrm>
+          <a:prstGeom prst="rect">
+            <a:avLst/>
+          </a:prstGeom>
+          <a:noFill/>
+        </p:spPr>
+        <p:txBody>
+          <a:bodyPr wrap="square" rtlCol="0" anchor="ctr">
+            <a:spAutoFit/>
+          </a:bodyPr>
+          <a:lstStyle/>
+          <a:p>
+            <a:pPr algn="ctr"/>
+            <a:r>
+              <a:rPr lang="fr-FR" sz="1100" dirty="0" smtClean="0">
+                <a:solidFill>
+                  <a:schemeClr val="bg1">
+                    <a:lumMod val="65000"/>
+                  </a:schemeClr>
+                </a:solidFill>
+              </a:rPr>
+              <a:t>3 </a:t>
+            </a:r>
+            <a:endParaRPr lang="fr-FR" sz="1100" dirty="0">
+              <a:solidFill>
+                <a:schemeClr val="bg1">
+                  <a:lumMod val="65000"/>
+                </a:schemeClr>
+              </a:solidFill>
+            </a:endParaRPr>
+          </a:p>
+        </p:txBody>
+      </p:sp>
+      <p:sp>
+        <p:nvSpPr>
+          <p:cNvPr id="175" name="ZoneTexte 174"/>
+          <p:cNvSpPr txBox="1"/>
+          <p:nvPr/>
+        </p:nvSpPr>
+        <p:spPr>
+          <a:xfrm>
+            <a:off x="4629695" y="622150"/>
+            <a:ext cx="216024" cy="261610"/>
+          </a:xfrm>
+          <a:prstGeom prst="rect">
+            <a:avLst/>
+          </a:prstGeom>
+          <a:noFill/>
+        </p:spPr>
+        <p:txBody>
+          <a:bodyPr wrap="square" rtlCol="0" anchor="ctr">
+            <a:spAutoFit/>
+          </a:bodyPr>
+          <a:lstStyle/>
+          <a:p>
+            <a:pPr algn="ctr"/>
+            <a:r>
+              <a:rPr lang="fr-FR" sz="1100" dirty="0" smtClean="0">
+                <a:solidFill>
+                  <a:schemeClr val="bg1">
+                    <a:lumMod val="65000"/>
+                  </a:schemeClr>
+                </a:solidFill>
+              </a:rPr>
+              <a:t>4 </a:t>
+            </a:r>
+            <a:endParaRPr lang="fr-FR" sz="1100" dirty="0">
+              <a:solidFill>
+                <a:schemeClr val="bg1">
+                  <a:lumMod val="65000"/>
+                </a:schemeClr>
+              </a:solidFill>
+            </a:endParaRPr>
+          </a:p>
+        </p:txBody>
+      </p:sp>
+      <p:sp>
+        <p:nvSpPr>
+          <p:cNvPr id="178" name="ZoneTexte 177"/>
+          <p:cNvSpPr txBox="1"/>
+          <p:nvPr/>
+        </p:nvSpPr>
+        <p:spPr>
+          <a:xfrm>
+            <a:off x="5032859" y="622150"/>
+            <a:ext cx="216024" cy="261610"/>
+          </a:xfrm>
+          <a:prstGeom prst="rect">
+            <a:avLst/>
+          </a:prstGeom>
+          <a:noFill/>
+        </p:spPr>
+        <p:txBody>
+          <a:bodyPr wrap="square" rtlCol="0" anchor="ctr">
+            <a:spAutoFit/>
+          </a:bodyPr>
+          <a:lstStyle/>
+          <a:p>
+            <a:pPr algn="ctr"/>
+            <a:r>
+              <a:rPr lang="fr-FR" sz="1100" dirty="0" smtClean="0">
+                <a:solidFill>
+                  <a:schemeClr val="bg1">
+                    <a:lumMod val="65000"/>
+                  </a:schemeClr>
+                </a:solidFill>
+              </a:rPr>
+              <a:t>5 </a:t>
+            </a:r>
+            <a:endParaRPr lang="fr-FR" sz="1100" dirty="0">
+              <a:solidFill>
+                <a:schemeClr val="bg1">
+                  <a:lumMod val="65000"/>
+                </a:schemeClr>
+              </a:solidFill>
+            </a:endParaRPr>
+          </a:p>
+        </p:txBody>
+      </p:sp>
+      <p:sp>
+        <p:nvSpPr>
+          <p:cNvPr id="179" name="ZoneTexte 178"/>
+          <p:cNvSpPr txBox="1"/>
+          <p:nvPr/>
+        </p:nvSpPr>
+        <p:spPr>
+          <a:xfrm>
+            <a:off x="5431745" y="622150"/>
+            <a:ext cx="216024" cy="261610"/>
+          </a:xfrm>
+          <a:prstGeom prst="rect">
+            <a:avLst/>
+          </a:prstGeom>
+          <a:noFill/>
+        </p:spPr>
+        <p:txBody>
+          <a:bodyPr wrap="square" rtlCol="0" anchor="ctr">
+            <a:spAutoFit/>
+          </a:bodyPr>
+          <a:lstStyle/>
+          <a:p>
+            <a:pPr algn="ctr"/>
+            <a:r>
+              <a:rPr lang="fr-FR" sz="1100" dirty="0" smtClean="0">
+                <a:solidFill>
+                  <a:schemeClr val="bg1">
+                    <a:lumMod val="65000"/>
+                  </a:schemeClr>
+                </a:solidFill>
+              </a:rPr>
+              <a:t>6 </a:t>
+            </a:r>
+            <a:endParaRPr lang="fr-FR" sz="1100" dirty="0">
+              <a:solidFill>
+                <a:schemeClr val="bg1">
+                  <a:lumMod val="65000"/>
+                </a:schemeClr>
+              </a:solidFill>
+            </a:endParaRPr>
+          </a:p>
+        </p:txBody>
+      </p:sp>
+      <p:sp>
+        <p:nvSpPr>
+          <p:cNvPr id="180" name="ZoneTexte 179"/>
+          <p:cNvSpPr txBox="1"/>
+          <p:nvPr/>
+        </p:nvSpPr>
+        <p:spPr>
+          <a:xfrm>
+            <a:off x="5832768" y="622150"/>
+            <a:ext cx="216024" cy="261610"/>
+          </a:xfrm>
+          <a:prstGeom prst="rect">
+            <a:avLst/>
+          </a:prstGeom>
+          <a:noFill/>
+        </p:spPr>
+        <p:txBody>
+          <a:bodyPr wrap="square" rtlCol="0" anchor="ctr">
+            <a:spAutoFit/>
+          </a:bodyPr>
+          <a:lstStyle/>
+          <a:p>
+            <a:pPr algn="ctr"/>
+            <a:r>
+              <a:rPr lang="fr-FR" sz="1100" dirty="0" smtClean="0">
+                <a:solidFill>
+                  <a:schemeClr val="bg1">
+                    <a:lumMod val="65000"/>
+                  </a:schemeClr>
+                </a:solidFill>
+              </a:rPr>
+              <a:t>7 </a:t>
+            </a:r>
+            <a:endParaRPr lang="fr-FR" sz="1100" dirty="0">
+              <a:solidFill>
+                <a:schemeClr val="bg1">
+                  <a:lumMod val="65000"/>
+                </a:schemeClr>
+              </a:solidFill>
+            </a:endParaRPr>
+          </a:p>
+        </p:txBody>
+      </p:sp>
+      <p:sp>
+        <p:nvSpPr>
+          <p:cNvPr id="181" name="Rectangle 180"/>
           <p:cNvSpPr/>
           <p:nvPr/>
         </p:nvSpPr>
         <p:spPr bwMode="auto">
           <a:xfrm>
-            <a:off x="4509640" y="1897058"/>
+            <a:off x="1889084" y="1196752"/>
             <a:ext cx="216024" cy="216024"/>
           </a:xfrm>
-          <a:prstGeom prst="ellipse">
+          <a:prstGeom prst="rect">
             <a:avLst/>
           </a:prstGeom>
           <a:solidFill>
-            <a:srgbClr val="343E50"/>
+            <a:srgbClr val="C0392B"/>
           </a:solidFill>
           <a:ln w="9525" cap="flat" cmpd="sng" algn="ctr">
             <a:noFill/>
@@ -5306,7 +5666,85 @@
           <a:effectLst/>
           <a:extLst>
             <a:ext uri="{AF507438-7753-43e0-B8FC-AC1667EBCBE1}">
-              <a14:hiddenEffects xmlns:a14="http://schemas.microsoft.com/office/drawing/2010/main" xmlns="">
+              <a14:hiddenEffects xmlns="" xmlns:a14="http://schemas.microsoft.com/office/drawing/2010/main">
+                <a:effectLst>
+                  <a:outerShdw blurRad="63500" dist="38099" dir="2700000" algn="ctr" rotWithShape="0">
+                    <a:schemeClr val="bg2">
+                      <a:alpha val="74998"/>
+                    </a:schemeClr>
+                  </a:outerShdw>
+                </a:effectLst>
+              </a14:hiddenEffects>
+            </a:ext>
+          </a:extLst>
+        </p:spPr>
+        <p:txBody>
+          <a:bodyPr vert="horz" wrap="square" lIns="91440" tIns="45720" rIns="91440" bIns="45720" numCol="1" rtlCol="0" anchor="t" anchorCtr="0" compatLnSpc="1">
+            <a:prstTxWarp prst="textNoShape">
+              <a:avLst/>
+            </a:prstTxWarp>
+          </a:bodyPr>
+          <a:lstStyle/>
+          <a:p>
+            <a:pPr marL="0" marR="0" indent="0" algn="l" defTabSz="914400" rtl="0" eaLnBrk="0" fontAlgn="base" latinLnBrk="0" hangingPunct="0">
+              <a:lnSpc>
+                <a:spcPct val="100000"/>
+              </a:lnSpc>
+              <a:spcBef>
+                <a:spcPct val="0"/>
+              </a:spcBef>
+              <a:spcAft>
+                <a:spcPct val="0"/>
+              </a:spcAft>
+              <a:buClrTx/>
+              <a:buSzTx/>
+              <a:buFontTx/>
+              <a:buNone/>
+              <a:tabLst/>
+            </a:pPr>
+            <a:endParaRPr kumimoji="0" lang="fr-FR" sz="2400" b="0" i="0" u="none" strike="noStrike" cap="none" normalizeH="0" baseline="0">
+              <a:ln>
+                <a:noFill/>
+              </a:ln>
+              <a:solidFill>
+                <a:srgbClr val="C00000"/>
+              </a:solidFill>
+              <a:effectLst/>
+              <a:latin typeface="Arial" charset="0"/>
+              <a:ea typeface="ＭＳ Ｐゴシック" charset="0"/>
+              <a:cs typeface="Geneva" charset="0"/>
+            </a:endParaRPr>
+          </a:p>
+        </p:txBody>
+      </p:sp>
+      <p:sp>
+        <p:nvSpPr>
+          <p:cNvPr id="183" name="Rectangle 182"/>
+          <p:cNvSpPr/>
+          <p:nvPr/>
+        </p:nvSpPr>
+        <p:spPr bwMode="auto">
+          <a:xfrm>
+            <a:off x="3450895" y="1196752"/>
+            <a:ext cx="216024" cy="216024"/>
+          </a:xfrm>
+          <a:prstGeom prst="rect">
+            <a:avLst/>
+          </a:prstGeom>
+          <a:solidFill>
+            <a:srgbClr val="27AE60"/>
+          </a:solidFill>
+          <a:ln w="9525" cap="flat" cmpd="sng" algn="ctr">
+            <a:noFill/>
+            <a:prstDash val="solid"/>
+            <a:round/>
+            <a:headEnd type="none" w="med" len="med"/>
+            <a:tailEnd type="none" w="med" len="med"/>
+          </a:ln>
+          <a:effectLst/>
+          <a:extLst>
+            <a:ext uri="{AF507438-7753-43e0-B8FC-AC1667EBCBE1}">
+              <a14:hiddenEffects xmlns="" xmlns:a14="http://schemas.microsoft.com/office/drawing/2010/main">
                 <a:effectLst>
                   <a:outerShdw blurRad="63500" dist="38099" dir="2700000" algn="ctr" rotWithShape="0">
                     <a:schemeClr val="bg2">
@@ -5359,20 +5797,20 @@
       </p:sp>
       <p:sp>
         <p:nvSpPr>
-          <p:cNvPr id="169" name="Ellipse 168"/>
+          <p:cNvPr id="185" name="Rectangle 184"/>
           <p:cNvSpPr/>
           <p:nvPr/>
         </p:nvSpPr>
         <p:spPr bwMode="auto">
           <a:xfrm>
-            <a:off x="4147331" y="1897058"/>
+            <a:off x="4603025" y="1196752"/>
             <a:ext cx="216024" cy="216024"/>
           </a:xfrm>
-          <a:prstGeom prst="ellipse">
+          <a:prstGeom prst="rect">
             <a:avLst/>
           </a:prstGeom>
           <a:solidFill>
-            <a:srgbClr val="E67E22"/>
+            <a:srgbClr val="8E44AD"/>
           </a:solidFill>
           <a:ln w="9525" cap="flat" cmpd="sng" algn="ctr">
             <a:noFill/>
@@ -5384,7 +5822,7 @@
           <a:effectLst/>
           <a:extLst>
             <a:ext uri="{AF507438-7753-43e0-B8FC-AC1667EBCBE1}">
-              <a14:hiddenEffects xmlns:a14="http://schemas.microsoft.com/office/drawing/2010/main" xmlns="">
+              <a14:hiddenEffects xmlns="" xmlns:a14="http://schemas.microsoft.com/office/drawing/2010/main">
                 <a:effectLst>
                   <a:outerShdw blurRad="63500" dist="38099" dir="2700000" algn="ctr" rotWithShape="0">
                     <a:schemeClr val="bg2">
@@ -5437,14 +5875,626 @@
       </p:sp>
       <p:sp>
         <p:nvSpPr>
-          <p:cNvPr id="7" name="ZoneTexte 6"/>
+          <p:cNvPr id="186" name="Rectangle 185"/>
+          <p:cNvSpPr/>
+          <p:nvPr/>
+        </p:nvSpPr>
+        <p:spPr bwMode="auto">
+          <a:xfrm>
+            <a:off x="2691134" y="1196752"/>
+            <a:ext cx="216024" cy="216024"/>
+          </a:xfrm>
+          <a:prstGeom prst="rect">
+            <a:avLst/>
+          </a:prstGeom>
+          <a:noFill/>
+          <a:ln w="19050" cap="flat" cmpd="sng" algn="ctr">
+            <a:solidFill>
+              <a:srgbClr val="F1C40F"/>
+            </a:solidFill>
+            <a:prstDash val="solid"/>
+            <a:round/>
+            <a:headEnd type="none" w="med" len="med"/>
+            <a:tailEnd type="none" w="med" len="med"/>
+          </a:ln>
+          <a:effectLst/>
+          <a:extLst>
+            <a:ext uri="{AF507438-7753-43e0-B8FC-AC1667EBCBE1}">
+              <a14:hiddenEffects xmlns="" xmlns:a14="http://schemas.microsoft.com/office/drawing/2010/main">
+                <a:effectLst>
+                  <a:outerShdw blurRad="63500" dist="38099" dir="2700000" algn="ctr" rotWithShape="0">
+                    <a:schemeClr val="bg2">
+                      <a:alpha val="74998"/>
+                    </a:schemeClr>
+                  </a:outerShdw>
+                </a:effectLst>
+              </a14:hiddenEffects>
+            </a:ext>
+          </a:extLst>
+        </p:spPr>
+        <p:txBody>
+          <a:bodyPr vert="horz" wrap="square" lIns="91440" tIns="45720" rIns="91440" bIns="45720" numCol="1" rtlCol="0" anchor="t" anchorCtr="0" compatLnSpc="1">
+            <a:prstTxWarp prst="textNoShape">
+              <a:avLst/>
+            </a:prstTxWarp>
+          </a:bodyPr>
+          <a:lstStyle/>
+          <a:p>
+            <a:pPr marL="0" marR="0" indent="0" algn="l" defTabSz="914400" rtl="0" eaLnBrk="0" fontAlgn="base" latinLnBrk="0" hangingPunct="0">
+              <a:lnSpc>
+                <a:spcPct val="100000"/>
+              </a:lnSpc>
+              <a:spcBef>
+                <a:spcPct val="0"/>
+              </a:spcBef>
+              <a:spcAft>
+                <a:spcPct val="0"/>
+              </a:spcAft>
+              <a:buClrTx/>
+              <a:buSzTx/>
+              <a:buFontTx/>
+              <a:buNone/>
+              <a:tabLst/>
+            </a:pPr>
+            <a:endParaRPr kumimoji="0" lang="fr-FR" sz="2400" b="0" i="0" u="none" strike="noStrike" cap="none" normalizeH="0" baseline="0">
+              <a:ln>
+                <a:noFill/>
+              </a:ln>
+              <a:solidFill>
+                <a:srgbClr val="000000"/>
+              </a:solidFill>
+              <a:effectLst/>
+              <a:latin typeface="Arial" charset="0"/>
+              <a:ea typeface="ＭＳ Ｐゴシック" charset="0"/>
+              <a:cs typeface="Geneva" charset="0"/>
+            </a:endParaRPr>
+          </a:p>
+        </p:txBody>
+      </p:sp>
+      <p:sp>
+        <p:nvSpPr>
+          <p:cNvPr id="187" name="Ellipse 186"/>
+          <p:cNvSpPr/>
+          <p:nvPr/>
+        </p:nvSpPr>
+        <p:spPr bwMode="auto">
+          <a:xfrm>
+            <a:off x="3851920" y="1196752"/>
+            <a:ext cx="216024" cy="216024"/>
+          </a:xfrm>
+          <a:prstGeom prst="ellipse">
+            <a:avLst/>
+          </a:prstGeom>
+          <a:noFill/>
+          <a:ln w="19050" cap="flat" cmpd="sng" algn="ctr">
+            <a:solidFill>
+              <a:srgbClr val="3498DB"/>
+            </a:solidFill>
+            <a:prstDash val="solid"/>
+            <a:round/>
+            <a:headEnd type="none" w="med" len="med"/>
+            <a:tailEnd type="none" w="med" len="med"/>
+          </a:ln>
+          <a:effectLst/>
+          <a:extLst>
+            <a:ext uri="{AF507438-7753-43e0-B8FC-AC1667EBCBE1}">
+              <a14:hiddenEffects xmlns="" xmlns:a14="http://schemas.microsoft.com/office/drawing/2010/main">
+                <a:effectLst>
+                  <a:outerShdw blurRad="63500" dist="38099" dir="2700000" algn="ctr" rotWithShape="0">
+                    <a:schemeClr val="bg2">
+                      <a:alpha val="74998"/>
+                    </a:schemeClr>
+                  </a:outerShdw>
+                </a:effectLst>
+              </a14:hiddenEffects>
+            </a:ext>
+          </a:extLst>
+        </p:spPr>
+        <p:txBody>
+          <a:bodyPr vert="horz" wrap="square" lIns="91440" tIns="45720" rIns="91440" bIns="45720" numCol="1" rtlCol="0" anchor="t" anchorCtr="0" compatLnSpc="1">
+            <a:prstTxWarp prst="textNoShape">
+              <a:avLst/>
+            </a:prstTxWarp>
+          </a:bodyPr>
+          <a:lstStyle/>
+          <a:p>
+            <a:pPr marL="0" marR="0" indent="0" algn="l" defTabSz="914400" rtl="0" eaLnBrk="0" fontAlgn="base" latinLnBrk="0" hangingPunct="0">
+              <a:lnSpc>
+                <a:spcPct val="100000"/>
+              </a:lnSpc>
+              <a:spcBef>
+                <a:spcPct val="0"/>
+              </a:spcBef>
+              <a:spcAft>
+                <a:spcPct val="0"/>
+              </a:spcAft>
+              <a:buClrTx/>
+              <a:buSzTx/>
+              <a:buFontTx/>
+              <a:buNone/>
+              <a:tabLst/>
+            </a:pPr>
+            <a:endParaRPr kumimoji="0" lang="fr-FR" sz="2400" b="0" i="0" u="none" strike="noStrike" cap="none" normalizeH="0" baseline="0">
+              <a:ln>
+                <a:noFill/>
+              </a:ln>
+              <a:solidFill>
+                <a:srgbClr val="000000"/>
+              </a:solidFill>
+              <a:effectLst/>
+              <a:latin typeface="Arial" charset="0"/>
+              <a:ea typeface="ＭＳ Ｐゴシック" charset="0"/>
+              <a:cs typeface="Geneva" charset="0"/>
+            </a:endParaRPr>
+          </a:p>
+        </p:txBody>
+      </p:sp>
+      <p:sp>
+        <p:nvSpPr>
+          <p:cNvPr id="193" name="Ellipse 192"/>
+          <p:cNvSpPr/>
+          <p:nvPr/>
+        </p:nvSpPr>
+        <p:spPr bwMode="auto">
+          <a:xfrm>
+            <a:off x="5004048" y="1196752"/>
+            <a:ext cx="216024" cy="216024"/>
+          </a:xfrm>
+          <a:prstGeom prst="ellipse">
+            <a:avLst/>
+          </a:prstGeom>
+          <a:solidFill>
+            <a:srgbClr val="343E50"/>
+          </a:solidFill>
+          <a:ln w="9525" cap="flat" cmpd="sng" algn="ctr">
+            <a:noFill/>
+            <a:prstDash val="solid"/>
+            <a:round/>
+            <a:headEnd type="none" w="med" len="med"/>
+            <a:tailEnd type="none" w="med" len="med"/>
+          </a:ln>
+          <a:effectLst/>
+          <a:extLst>
+            <a:ext uri="{AF507438-7753-43e0-B8FC-AC1667EBCBE1}">
+              <a14:hiddenEffects xmlns="" xmlns:a14="http://schemas.microsoft.com/office/drawing/2010/main">
+                <a:effectLst>
+                  <a:outerShdw blurRad="63500" dist="38099" dir="2700000" algn="ctr" rotWithShape="0">
+                    <a:schemeClr val="bg2">
+                      <a:alpha val="74998"/>
+                    </a:schemeClr>
+                  </a:outerShdw>
+                </a:effectLst>
+              </a14:hiddenEffects>
+            </a:ext>
+          </a:extLst>
+        </p:spPr>
+        <p:txBody>
+          <a:bodyPr vert="horz" wrap="square" lIns="91440" tIns="45720" rIns="91440" bIns="45720" numCol="1" rtlCol="0" anchor="t" anchorCtr="0" compatLnSpc="1">
+            <a:prstTxWarp prst="textNoShape">
+              <a:avLst/>
+            </a:prstTxWarp>
+          </a:bodyPr>
+          <a:lstStyle/>
+          <a:p>
+            <a:pPr marL="0" marR="0" indent="0" algn="l" defTabSz="914400" rtl="0" eaLnBrk="0" fontAlgn="base" latinLnBrk="0" hangingPunct="0">
+              <a:lnSpc>
+                <a:spcPct val="100000"/>
+              </a:lnSpc>
+              <a:spcBef>
+                <a:spcPct val="0"/>
+              </a:spcBef>
+              <a:spcAft>
+                <a:spcPct val="0"/>
+              </a:spcAft>
+              <a:buClrTx/>
+              <a:buSzTx/>
+              <a:buFontTx/>
+              <a:buNone/>
+              <a:tabLst/>
+            </a:pPr>
+            <a:endParaRPr kumimoji="0" lang="fr-FR" sz="2400" b="0" i="0" u="none" strike="noStrike" cap="none" normalizeH="0" baseline="0">
+              <a:ln>
+                <a:noFill/>
+              </a:ln>
+              <a:solidFill>
+                <a:srgbClr val="000000"/>
+              </a:solidFill>
+              <a:effectLst/>
+              <a:latin typeface="Arial" charset="0"/>
+              <a:ea typeface="ＭＳ Ｐゴシック" charset="0"/>
+              <a:cs typeface="Geneva" charset="0"/>
+            </a:endParaRPr>
+          </a:p>
+        </p:txBody>
+      </p:sp>
+      <p:sp>
+        <p:nvSpPr>
+          <p:cNvPr id="194" name="Ellipse 193"/>
+          <p:cNvSpPr/>
+          <p:nvPr/>
+        </p:nvSpPr>
+        <p:spPr bwMode="auto">
+          <a:xfrm>
+            <a:off x="2290109" y="1196752"/>
+            <a:ext cx="216024" cy="216024"/>
+          </a:xfrm>
+          <a:prstGeom prst="ellipse">
+            <a:avLst/>
+          </a:prstGeom>
+          <a:solidFill>
+            <a:srgbClr val="E67E22"/>
+          </a:solidFill>
+          <a:ln w="9525" cap="flat" cmpd="sng" algn="ctr">
+            <a:noFill/>
+            <a:prstDash val="solid"/>
+            <a:round/>
+            <a:headEnd type="none" w="med" len="med"/>
+            <a:tailEnd type="none" w="med" len="med"/>
+          </a:ln>
+          <a:effectLst/>
+          <a:extLst>
+            <a:ext uri="{AF507438-7753-43e0-B8FC-AC1667EBCBE1}">
+              <a14:hiddenEffects xmlns="" xmlns:a14="http://schemas.microsoft.com/office/drawing/2010/main">
+                <a:effectLst>
+                  <a:outerShdw blurRad="63500" dist="38099" dir="2700000" algn="ctr" rotWithShape="0">
+                    <a:schemeClr val="bg2">
+                      <a:alpha val="74998"/>
+                    </a:schemeClr>
+                  </a:outerShdw>
+                </a:effectLst>
+              </a14:hiddenEffects>
+            </a:ext>
+          </a:extLst>
+        </p:spPr>
+        <p:txBody>
+          <a:bodyPr vert="horz" wrap="square" lIns="91440" tIns="45720" rIns="91440" bIns="45720" numCol="1" rtlCol="0" anchor="t" anchorCtr="0" compatLnSpc="1">
+            <a:prstTxWarp prst="textNoShape">
+              <a:avLst/>
+            </a:prstTxWarp>
+          </a:bodyPr>
+          <a:lstStyle/>
+          <a:p>
+            <a:pPr marL="0" marR="0" indent="0" algn="l" defTabSz="914400" rtl="0" eaLnBrk="0" fontAlgn="base" latinLnBrk="0" hangingPunct="0">
+              <a:lnSpc>
+                <a:spcPct val="100000"/>
+              </a:lnSpc>
+              <a:spcBef>
+                <a:spcPct val="0"/>
+              </a:spcBef>
+              <a:spcAft>
+                <a:spcPct val="0"/>
+              </a:spcAft>
+              <a:buClrTx/>
+              <a:buSzTx/>
+              <a:buFontTx/>
+              <a:buNone/>
+              <a:tabLst/>
+            </a:pPr>
+            <a:endParaRPr kumimoji="0" lang="fr-FR" sz="2400" b="0" i="0" u="none" strike="noStrike" cap="none" normalizeH="0" baseline="0">
+              <a:ln>
+                <a:noFill/>
+              </a:ln>
+              <a:solidFill>
+                <a:srgbClr val="000000"/>
+              </a:solidFill>
+              <a:effectLst/>
+              <a:latin typeface="Arial" charset="0"/>
+              <a:ea typeface="ＭＳ Ｐゴシック" charset="0"/>
+              <a:cs typeface="Geneva" charset="0"/>
+            </a:endParaRPr>
+          </a:p>
+        </p:txBody>
+      </p:sp>
+      <p:cxnSp>
+        <p:nvCxnSpPr>
+          <p:cNvPr id="12" name="Connecteur droit 11"/>
+          <p:cNvCxnSpPr/>
+          <p:nvPr/>
+        </p:nvCxnSpPr>
+        <p:spPr>
+          <a:xfrm>
+            <a:off x="3188993" y="1088699"/>
+            <a:ext cx="0" cy="432048"/>
+          </a:xfrm>
+          <a:prstGeom prst="line">
+            <a:avLst/>
+          </a:prstGeom>
+          <a:ln>
+            <a:solidFill>
+              <a:srgbClr val="95A5A6"/>
+            </a:solidFill>
+            <a:prstDash val="sysDash"/>
+          </a:ln>
+        </p:spPr>
+        <p:style>
+          <a:lnRef idx="1">
+            <a:schemeClr val="accent1"/>
+          </a:lnRef>
+          <a:fillRef idx="0">
+            <a:schemeClr val="accent1"/>
+          </a:fillRef>
+          <a:effectRef idx="0">
+            <a:schemeClr val="accent1"/>
+          </a:effectRef>
+          <a:fontRef idx="minor">
+            <a:schemeClr val="tx1"/>
+          </a:fontRef>
+        </p:style>
+      </p:cxnSp>
+      <p:cxnSp>
+        <p:nvCxnSpPr>
+          <p:cNvPr id="195" name="Connecteur droit 194"/>
+          <p:cNvCxnSpPr/>
+          <p:nvPr/>
+        </p:nvCxnSpPr>
+        <p:spPr>
+          <a:xfrm>
+            <a:off x="4339309" y="1088699"/>
+            <a:ext cx="0" cy="432048"/>
+          </a:xfrm>
+          <a:prstGeom prst="line">
+            <a:avLst/>
+          </a:prstGeom>
+          <a:ln>
+            <a:solidFill>
+              <a:srgbClr val="95A5A6"/>
+            </a:solidFill>
+            <a:prstDash val="sysDash"/>
+          </a:ln>
+        </p:spPr>
+        <p:style>
+          <a:lnRef idx="1">
+            <a:schemeClr val="accent1"/>
+          </a:lnRef>
+          <a:fillRef idx="0">
+            <a:schemeClr val="accent1"/>
+          </a:fillRef>
+          <a:effectRef idx="0">
+            <a:schemeClr val="accent1"/>
+          </a:effectRef>
+          <a:fontRef idx="minor">
+            <a:schemeClr val="tx1"/>
+          </a:fontRef>
+        </p:style>
+      </p:cxnSp>
+      <p:cxnSp>
+        <p:nvCxnSpPr>
+          <p:cNvPr id="196" name="Connecteur droit 195"/>
+          <p:cNvCxnSpPr/>
+          <p:nvPr/>
+        </p:nvCxnSpPr>
+        <p:spPr>
+          <a:xfrm>
+            <a:off x="3851661" y="2349770"/>
+            <a:ext cx="0" cy="432048"/>
+          </a:xfrm>
+          <a:prstGeom prst="line">
+            <a:avLst/>
+          </a:prstGeom>
+          <a:ln>
+            <a:solidFill>
+              <a:srgbClr val="95A5A6"/>
+            </a:solidFill>
+            <a:prstDash val="sysDash"/>
+          </a:ln>
+        </p:spPr>
+        <p:style>
+          <a:lnRef idx="1">
+            <a:schemeClr val="accent1"/>
+          </a:lnRef>
+          <a:fillRef idx="0">
+            <a:schemeClr val="accent1"/>
+          </a:fillRef>
+          <a:effectRef idx="0">
+            <a:schemeClr val="accent1"/>
+          </a:effectRef>
+          <a:fontRef idx="minor">
+            <a:schemeClr val="tx1"/>
+          </a:fontRef>
+        </p:style>
+      </p:cxnSp>
+      <p:cxnSp>
+        <p:nvCxnSpPr>
+          <p:cNvPr id="197" name="Connecteur droit 196"/>
+          <p:cNvCxnSpPr/>
+          <p:nvPr/>
+        </p:nvCxnSpPr>
+        <p:spPr>
+          <a:xfrm>
+            <a:off x="5363829" y="2349770"/>
+            <a:ext cx="0" cy="432048"/>
+          </a:xfrm>
+          <a:prstGeom prst="line">
+            <a:avLst/>
+          </a:prstGeom>
+          <a:ln>
+            <a:solidFill>
+              <a:srgbClr val="95A5A6"/>
+            </a:solidFill>
+            <a:prstDash val="sysDash"/>
+          </a:ln>
+        </p:spPr>
+        <p:style>
+          <a:lnRef idx="1">
+            <a:schemeClr val="accent1"/>
+          </a:lnRef>
+          <a:fillRef idx="0">
+            <a:schemeClr val="accent1"/>
+          </a:fillRef>
+          <a:effectRef idx="0">
+            <a:schemeClr val="accent1"/>
+          </a:effectRef>
+          <a:fontRef idx="minor">
+            <a:schemeClr val="tx1"/>
+          </a:fontRef>
+        </p:style>
+      </p:cxnSp>
+      <p:sp>
+        <p:nvSpPr>
+          <p:cNvPr id="198" name="Rectangle 197"/>
+          <p:cNvSpPr/>
+          <p:nvPr/>
+        </p:nvSpPr>
+        <p:spPr bwMode="auto">
+          <a:xfrm>
+            <a:off x="5640887" y="2457782"/>
+            <a:ext cx="216024" cy="216024"/>
+          </a:xfrm>
+          <a:prstGeom prst="rect">
+            <a:avLst/>
+          </a:prstGeom>
+          <a:noFill/>
+          <a:ln w="19050" cap="flat" cmpd="sng" algn="ctr">
+            <a:solidFill>
+              <a:srgbClr val="F1C40F"/>
+            </a:solidFill>
+            <a:prstDash val="solid"/>
+            <a:round/>
+            <a:headEnd type="none" w="med" len="med"/>
+            <a:tailEnd type="none" w="med" len="med"/>
+          </a:ln>
+          <a:effectLst/>
+          <a:extLst>
+            <a:ext uri="{AF507438-7753-43e0-B8FC-AC1667EBCBE1}">
+              <a14:hiddenEffects xmlns="" xmlns:a14="http://schemas.microsoft.com/office/drawing/2010/main">
+                <a:effectLst>
+                  <a:outerShdw blurRad="63500" dist="38099" dir="2700000" algn="ctr" rotWithShape="0">
+                    <a:schemeClr val="bg2">
+                      <a:alpha val="74998"/>
+                    </a:schemeClr>
+                  </a:outerShdw>
+                </a:effectLst>
+              </a14:hiddenEffects>
+            </a:ext>
+          </a:extLst>
+        </p:spPr>
+        <p:txBody>
+          <a:bodyPr vert="horz" wrap="square" lIns="91440" tIns="45720" rIns="91440" bIns="45720" numCol="1" rtlCol="0" anchor="t" anchorCtr="0" compatLnSpc="1">
+            <a:prstTxWarp prst="textNoShape">
+              <a:avLst/>
+            </a:prstTxWarp>
+          </a:bodyPr>
+          <a:lstStyle/>
+          <a:p>
+            <a:pPr marL="0" marR="0" indent="0" algn="l" defTabSz="914400" rtl="0" eaLnBrk="0" fontAlgn="base" latinLnBrk="0" hangingPunct="0">
+              <a:lnSpc>
+                <a:spcPct val="100000"/>
+              </a:lnSpc>
+              <a:spcBef>
+                <a:spcPct val="0"/>
+              </a:spcBef>
+              <a:spcAft>
+                <a:spcPct val="0"/>
+              </a:spcAft>
+              <a:buClrTx/>
+              <a:buSzTx/>
+              <a:buFontTx/>
+              <a:buNone/>
+              <a:tabLst/>
+            </a:pPr>
+            <a:endParaRPr kumimoji="0" lang="fr-FR" sz="2400" b="0" i="0" u="none" strike="noStrike" cap="none" normalizeH="0" baseline="0">
+              <a:ln>
+                <a:noFill/>
+              </a:ln>
+              <a:solidFill>
+                <a:srgbClr val="000000"/>
+              </a:solidFill>
+              <a:effectLst/>
+              <a:latin typeface="Arial" charset="0"/>
+              <a:ea typeface="ＭＳ Ｐゴシック" charset="0"/>
+              <a:cs typeface="Geneva" charset="0"/>
+            </a:endParaRPr>
+          </a:p>
+        </p:txBody>
+      </p:sp>
+      <p:sp>
+        <p:nvSpPr>
+          <p:cNvPr id="199" name="Ellipse 198"/>
+          <p:cNvSpPr/>
+          <p:nvPr/>
+        </p:nvSpPr>
+        <p:spPr bwMode="auto">
+          <a:xfrm>
+            <a:off x="6026855" y="2457782"/>
+            <a:ext cx="216024" cy="216024"/>
+          </a:xfrm>
+          <a:prstGeom prst="ellipse">
+            <a:avLst/>
+          </a:prstGeom>
+          <a:noFill/>
+          <a:ln w="19050" cap="flat" cmpd="sng" algn="ctr">
+            <a:solidFill>
+              <a:srgbClr val="3498DB"/>
+            </a:solidFill>
+            <a:prstDash val="solid"/>
+            <a:round/>
+            <a:headEnd type="none" w="med" len="med"/>
+            <a:tailEnd type="none" w="med" len="med"/>
+          </a:ln>
+          <a:effectLst/>
+          <a:extLst>
+            <a:ext uri="{AF507438-7753-43e0-B8FC-AC1667EBCBE1}">
+              <a14:hiddenEffects xmlns="" xmlns:a14="http://schemas.microsoft.com/office/drawing/2010/main">
+                <a:effectLst>
+                  <a:outerShdw blurRad="63500" dist="38099" dir="2700000" algn="ctr" rotWithShape="0">
+                    <a:schemeClr val="bg2">
+                      <a:alpha val="74998"/>
+                    </a:schemeClr>
+                  </a:outerShdw>
+                </a:effectLst>
+              </a14:hiddenEffects>
+            </a:ext>
+          </a:extLst>
+        </p:spPr>
+        <p:txBody>
+          <a:bodyPr vert="horz" wrap="square" lIns="91440" tIns="45720" rIns="91440" bIns="45720" numCol="1" rtlCol="0" anchor="t" anchorCtr="0" compatLnSpc="1">
+            <a:prstTxWarp prst="textNoShape">
+              <a:avLst/>
+            </a:prstTxWarp>
+          </a:bodyPr>
+          <a:lstStyle/>
+          <a:p>
+            <a:pPr marL="0" marR="0" indent="0" algn="l" defTabSz="914400" rtl="0" eaLnBrk="0" fontAlgn="base" latinLnBrk="0" hangingPunct="0">
+              <a:lnSpc>
+                <a:spcPct val="100000"/>
+              </a:lnSpc>
+              <a:spcBef>
+                <a:spcPct val="0"/>
+              </a:spcBef>
+              <a:spcAft>
+                <a:spcPct val="0"/>
+              </a:spcAft>
+              <a:buClrTx/>
+              <a:buSzTx/>
+              <a:buFontTx/>
+              <a:buNone/>
+              <a:tabLst/>
+            </a:pPr>
+            <a:endParaRPr kumimoji="0" lang="fr-FR" sz="2400" b="0" i="0" u="none" strike="noStrike" cap="none" normalizeH="0" baseline="0">
+              <a:ln>
+                <a:noFill/>
+              </a:ln>
+              <a:solidFill>
+                <a:srgbClr val="000000"/>
+              </a:solidFill>
+              <a:effectLst/>
+              <a:latin typeface="Arial" charset="0"/>
+              <a:ea typeface="ＭＳ Ｐゴシック" charset="0"/>
+              <a:cs typeface="Geneva" charset="0"/>
+            </a:endParaRPr>
+          </a:p>
+        </p:txBody>
+      </p:sp>
+      <p:sp>
+        <p:nvSpPr>
+          <p:cNvPr id="200" name="ZoneTexte 199"/>
           <p:cNvSpPr txBox="1"/>
           <p:nvPr/>
         </p:nvSpPr>
         <p:spPr>
           <a:xfrm>
-            <a:off x="28546" y="6381328"/>
-            <a:ext cx="4680520" cy="369332"/>
+            <a:off x="304026" y="2331747"/>
+            <a:ext cx="1726114" cy="369332"/>
           </a:xfrm>
           <a:prstGeom prst="rect">
             <a:avLst/>
@@ -5452,27 +6502,28 @@
           <a:noFill/>
         </p:spPr>
         <p:txBody>
-          <a:bodyPr wrap="square" rtlCol="0">
+          <a:bodyPr wrap="none" rtlCol="0">
             <a:spAutoFit/>
           </a:bodyPr>
           <a:lstStyle/>
           <a:p>
             <a:r>
-              <a:rPr lang="fr-FR" dirty="0"/>
-              <a:t>Palette : https://flatuicolors.com/palette/defo</a:t>
+              <a:rPr lang="fr-FR" dirty="0" smtClean="0"/>
+              <a:t>Partitionnement</a:t>
             </a:r>
-          </a:p>
-        </p:txBody>
-      </p:sp>
-      <p:sp>
-        <p:nvSpPr>
-          <p:cNvPr id="170" name="ZoneTexte 169"/>
+            <a:endParaRPr lang="fr-FR" dirty="0"/>
+          </a:p>
+        </p:txBody>
+      </p:sp>
+      <p:sp>
+        <p:nvSpPr>
+          <p:cNvPr id="209" name="ZoneTexte 208"/>
           <p:cNvSpPr txBox="1"/>
           <p:nvPr/>
         </p:nvSpPr>
         <p:spPr>
           <a:xfrm>
-            <a:off x="304026" y="1088699"/>
+            <a:off x="304026" y="4744092"/>
             <a:ext cx="1294585" cy="369332"/>
           </a:xfrm>
           <a:prstGeom prst="rect">
@@ -5496,324 +6547,13 @@
       </p:sp>
       <p:sp>
         <p:nvSpPr>
-          <p:cNvPr id="171" name="ZoneTexte 170"/>
-          <p:cNvSpPr txBox="1"/>
-          <p:nvPr/>
-        </p:nvSpPr>
-        <p:spPr>
-          <a:xfrm>
-            <a:off x="3426620" y="622150"/>
-            <a:ext cx="216024" cy="261610"/>
-          </a:xfrm>
-          <a:prstGeom prst="rect">
-            <a:avLst/>
-          </a:prstGeom>
-          <a:noFill/>
-        </p:spPr>
-        <p:txBody>
-          <a:bodyPr wrap="square" rtlCol="0" anchor="ctr">
-            <a:spAutoFit/>
-          </a:bodyPr>
-          <a:lstStyle/>
-          <a:p>
-            <a:pPr algn="ctr"/>
-            <a:r>
-              <a:rPr lang="fr-FR" sz="1100" dirty="0" smtClean="0">
-                <a:solidFill>
-                  <a:schemeClr val="bg1">
-                    <a:lumMod val="65000"/>
-                  </a:schemeClr>
-                </a:solidFill>
-              </a:rPr>
-              <a:t>1 </a:t>
-            </a:r>
-            <a:endParaRPr lang="fr-FR" sz="1100" dirty="0">
-              <a:solidFill>
-                <a:schemeClr val="bg1">
-                  <a:lumMod val="65000"/>
-                </a:schemeClr>
-              </a:solidFill>
-            </a:endParaRPr>
-          </a:p>
-        </p:txBody>
-      </p:sp>
-      <p:sp>
-        <p:nvSpPr>
-          <p:cNvPr id="172" name="ZoneTexte 171"/>
-          <p:cNvSpPr txBox="1"/>
-          <p:nvPr/>
-        </p:nvSpPr>
-        <p:spPr>
-          <a:xfrm>
-            <a:off x="3823554" y="622150"/>
-            <a:ext cx="216024" cy="261610"/>
-          </a:xfrm>
-          <a:prstGeom prst="rect">
-            <a:avLst/>
-          </a:prstGeom>
-          <a:noFill/>
-        </p:spPr>
-        <p:txBody>
-          <a:bodyPr wrap="square" rtlCol="0" anchor="ctr">
-            <a:spAutoFit/>
-          </a:bodyPr>
-          <a:lstStyle/>
-          <a:p>
-            <a:pPr algn="ctr"/>
-            <a:r>
-              <a:rPr lang="fr-FR" sz="1100" dirty="0" smtClean="0">
-                <a:solidFill>
-                  <a:schemeClr val="bg1">
-                    <a:lumMod val="65000"/>
-                  </a:schemeClr>
-                </a:solidFill>
-              </a:rPr>
-              <a:t>2</a:t>
-            </a:r>
-            <a:r>
-              <a:rPr lang="fr-FR" sz="1100" dirty="0" smtClean="0">
-                <a:solidFill>
-                  <a:schemeClr val="bg1">
-                    <a:lumMod val="65000"/>
-                  </a:schemeClr>
-                </a:solidFill>
-              </a:rPr>
-              <a:t> </a:t>
-            </a:r>
-            <a:endParaRPr lang="fr-FR" sz="1100" dirty="0">
-              <a:solidFill>
-                <a:schemeClr val="bg1">
-                  <a:lumMod val="65000"/>
-                </a:schemeClr>
-              </a:solidFill>
-            </a:endParaRPr>
-          </a:p>
-        </p:txBody>
-      </p:sp>
-      <p:sp>
-        <p:nvSpPr>
-          <p:cNvPr id="173" name="ZoneTexte 172"/>
-          <p:cNvSpPr txBox="1"/>
-          <p:nvPr/>
-        </p:nvSpPr>
-        <p:spPr>
-          <a:xfrm>
-            <a:off x="4228670" y="622150"/>
-            <a:ext cx="216024" cy="261610"/>
-          </a:xfrm>
-          <a:prstGeom prst="rect">
-            <a:avLst/>
-          </a:prstGeom>
-          <a:noFill/>
-        </p:spPr>
-        <p:txBody>
-          <a:bodyPr wrap="square" rtlCol="0" anchor="ctr">
-            <a:spAutoFit/>
-          </a:bodyPr>
-          <a:lstStyle/>
-          <a:p>
-            <a:pPr algn="ctr"/>
-            <a:r>
-              <a:rPr lang="fr-FR" sz="1100" dirty="0" smtClean="0">
-                <a:solidFill>
-                  <a:schemeClr val="bg1">
-                    <a:lumMod val="65000"/>
-                  </a:schemeClr>
-                </a:solidFill>
-              </a:rPr>
-              <a:t>3 </a:t>
-            </a:r>
-            <a:endParaRPr lang="fr-FR" sz="1100" dirty="0">
-              <a:solidFill>
-                <a:schemeClr val="bg1">
-                  <a:lumMod val="65000"/>
-                </a:schemeClr>
-              </a:solidFill>
-            </a:endParaRPr>
-          </a:p>
-        </p:txBody>
-      </p:sp>
-      <p:sp>
-        <p:nvSpPr>
-          <p:cNvPr id="175" name="ZoneTexte 174"/>
-          <p:cNvSpPr txBox="1"/>
-          <p:nvPr/>
-        </p:nvSpPr>
-        <p:spPr>
-          <a:xfrm>
-            <a:off x="4629695" y="622150"/>
-            <a:ext cx="216024" cy="261610"/>
-          </a:xfrm>
-          <a:prstGeom prst="rect">
-            <a:avLst/>
-          </a:prstGeom>
-          <a:noFill/>
-        </p:spPr>
-        <p:txBody>
-          <a:bodyPr wrap="square" rtlCol="0" anchor="ctr">
-            <a:spAutoFit/>
-          </a:bodyPr>
-          <a:lstStyle/>
-          <a:p>
-            <a:pPr algn="ctr"/>
-            <a:r>
-              <a:rPr lang="fr-FR" sz="1100" dirty="0" smtClean="0">
-                <a:solidFill>
-                  <a:schemeClr val="bg1">
-                    <a:lumMod val="65000"/>
-                  </a:schemeClr>
-                </a:solidFill>
-              </a:rPr>
-              <a:t>4 </a:t>
-            </a:r>
-            <a:endParaRPr lang="fr-FR" sz="1100" dirty="0">
-              <a:solidFill>
-                <a:schemeClr val="bg1">
-                  <a:lumMod val="65000"/>
-                </a:schemeClr>
-              </a:solidFill>
-            </a:endParaRPr>
-          </a:p>
-        </p:txBody>
-      </p:sp>
-      <p:sp>
-        <p:nvSpPr>
-          <p:cNvPr id="178" name="ZoneTexte 177"/>
-          <p:cNvSpPr txBox="1"/>
-          <p:nvPr/>
-        </p:nvSpPr>
-        <p:spPr>
-          <a:xfrm>
-            <a:off x="5032859" y="622150"/>
-            <a:ext cx="216024" cy="261610"/>
-          </a:xfrm>
-          <a:prstGeom prst="rect">
-            <a:avLst/>
-          </a:prstGeom>
-          <a:noFill/>
-        </p:spPr>
-        <p:txBody>
-          <a:bodyPr wrap="square" rtlCol="0" anchor="ctr">
-            <a:spAutoFit/>
-          </a:bodyPr>
-          <a:lstStyle/>
-          <a:p>
-            <a:pPr algn="ctr"/>
-            <a:r>
-              <a:rPr lang="fr-FR" sz="1100" dirty="0" smtClean="0">
-                <a:solidFill>
-                  <a:schemeClr val="bg1">
-                    <a:lumMod val="65000"/>
-                  </a:schemeClr>
-                </a:solidFill>
-              </a:rPr>
-              <a:t>5 </a:t>
-            </a:r>
-            <a:endParaRPr lang="fr-FR" sz="1100" dirty="0">
-              <a:solidFill>
-                <a:schemeClr val="bg1">
-                  <a:lumMod val="65000"/>
-                </a:schemeClr>
-              </a:solidFill>
-            </a:endParaRPr>
-          </a:p>
-        </p:txBody>
-      </p:sp>
-      <p:sp>
-        <p:nvSpPr>
-          <p:cNvPr id="179" name="ZoneTexte 178"/>
-          <p:cNvSpPr txBox="1"/>
-          <p:nvPr/>
-        </p:nvSpPr>
-        <p:spPr>
-          <a:xfrm>
-            <a:off x="5431745" y="622150"/>
-            <a:ext cx="216024" cy="261610"/>
-          </a:xfrm>
-          <a:prstGeom prst="rect">
-            <a:avLst/>
-          </a:prstGeom>
-          <a:noFill/>
-        </p:spPr>
-        <p:txBody>
-          <a:bodyPr wrap="square" rtlCol="0" anchor="ctr">
-            <a:spAutoFit/>
-          </a:bodyPr>
-          <a:lstStyle/>
-          <a:p>
-            <a:pPr algn="ctr"/>
-            <a:r>
-              <a:rPr lang="fr-FR" sz="1100" dirty="0" smtClean="0">
-                <a:solidFill>
-                  <a:schemeClr val="bg1">
-                    <a:lumMod val="65000"/>
-                  </a:schemeClr>
-                </a:solidFill>
-              </a:rPr>
-              <a:t>6 </a:t>
-            </a:r>
-            <a:endParaRPr lang="fr-FR" sz="1100" dirty="0">
-              <a:solidFill>
-                <a:schemeClr val="bg1">
-                  <a:lumMod val="65000"/>
-                </a:schemeClr>
-              </a:solidFill>
-            </a:endParaRPr>
-          </a:p>
-        </p:txBody>
-      </p:sp>
-      <p:sp>
-        <p:nvSpPr>
-          <p:cNvPr id="180" name="ZoneTexte 179"/>
-          <p:cNvSpPr txBox="1"/>
-          <p:nvPr/>
-        </p:nvSpPr>
-        <p:spPr>
-          <a:xfrm>
-            <a:off x="5832768" y="622150"/>
-            <a:ext cx="216024" cy="261610"/>
-          </a:xfrm>
-          <a:prstGeom prst="rect">
-            <a:avLst/>
-          </a:prstGeom>
-          <a:noFill/>
-        </p:spPr>
-        <p:txBody>
-          <a:bodyPr wrap="square" rtlCol="0" anchor="ctr">
-            <a:spAutoFit/>
-          </a:bodyPr>
-          <a:lstStyle/>
-          <a:p>
-            <a:pPr algn="ctr"/>
-            <a:r>
-              <a:rPr lang="fr-FR" sz="1100" dirty="0" smtClean="0">
-                <a:solidFill>
-                  <a:schemeClr val="bg1">
-                    <a:lumMod val="65000"/>
-                  </a:schemeClr>
-                </a:solidFill>
-              </a:rPr>
-              <a:t>7 </a:t>
-            </a:r>
-            <a:endParaRPr lang="fr-FR" sz="1100" dirty="0">
-              <a:solidFill>
-                <a:schemeClr val="bg1">
-                  <a:lumMod val="65000"/>
-                </a:schemeClr>
-              </a:solidFill>
-            </a:endParaRPr>
-          </a:p>
-        </p:txBody>
-      </p:sp>
-      <p:sp>
-        <p:nvSpPr>
-          <p:cNvPr id="181" name="Rectangle 180"/>
+          <p:cNvPr id="210" name="Rectangle 209"/>
           <p:cNvSpPr/>
           <p:nvPr/>
         </p:nvSpPr>
         <p:spPr bwMode="auto">
           <a:xfrm>
-            <a:off x="1889084" y="1196752"/>
+            <a:off x="1889084" y="4852145"/>
             <a:ext cx="216024" cy="216024"/>
           </a:xfrm>
           <a:prstGeom prst="rect">
@@ -5832,7 +6572,7 @@
           <a:effectLst/>
           <a:extLst>
             <a:ext uri="{AF507438-7753-43e0-B8FC-AC1667EBCBE1}">
-              <a14:hiddenEffects xmlns:a14="http://schemas.microsoft.com/office/drawing/2010/main" xmlns="">
+              <a14:hiddenEffects xmlns="" xmlns:a14="http://schemas.microsoft.com/office/drawing/2010/main">
                 <a:effectLst>
                   <a:outerShdw blurRad="63500" dist="38099" dir="2700000" algn="ctr" rotWithShape="0">
                     <a:schemeClr val="bg2">
@@ -5885,13 +6625,13 @@
       </p:sp>
       <p:sp>
         <p:nvSpPr>
-          <p:cNvPr id="183" name="Rectangle 182"/>
+          <p:cNvPr id="211" name="Rectangle 210"/>
           <p:cNvSpPr/>
           <p:nvPr/>
         </p:nvSpPr>
         <p:spPr bwMode="auto">
           <a:xfrm>
-            <a:off x="3450895" y="1196752"/>
+            <a:off x="3450895" y="4852145"/>
             <a:ext cx="216024" cy="216024"/>
           </a:xfrm>
           <a:prstGeom prst="rect">
@@ -5910,7 +6650,7 @@
           <a:effectLst/>
           <a:extLst>
             <a:ext uri="{AF507438-7753-43e0-B8FC-AC1667EBCBE1}">
-              <a14:hiddenEffects xmlns:a14="http://schemas.microsoft.com/office/drawing/2010/main" xmlns="">
+              <a14:hiddenEffects xmlns="" xmlns:a14="http://schemas.microsoft.com/office/drawing/2010/main">
                 <a:effectLst>
                   <a:outerShdw blurRad="63500" dist="38099" dir="2700000" algn="ctr" rotWithShape="0">
                     <a:schemeClr val="bg2">
@@ -5963,13 +6703,13 @@
       </p:sp>
       <p:sp>
         <p:nvSpPr>
-          <p:cNvPr id="185" name="Rectangle 184"/>
+          <p:cNvPr id="212" name="Rectangle 211"/>
           <p:cNvSpPr/>
           <p:nvPr/>
         </p:nvSpPr>
         <p:spPr bwMode="auto">
           <a:xfrm>
-            <a:off x="4603025" y="1196752"/>
+            <a:off x="4603025" y="4852145"/>
             <a:ext cx="216024" cy="216024"/>
           </a:xfrm>
           <a:prstGeom prst="rect">
@@ -5988,7 +6728,7 @@
           <a:effectLst/>
           <a:extLst>
             <a:ext uri="{AF507438-7753-43e0-B8FC-AC1667EBCBE1}">
-              <a14:hiddenEffects xmlns:a14="http://schemas.microsoft.com/office/drawing/2010/main" xmlns="">
+              <a14:hiddenEffects xmlns="" xmlns:a14="http://schemas.microsoft.com/office/drawing/2010/main">
                 <a:effectLst>
                   <a:outerShdw blurRad="63500" dist="38099" dir="2700000" algn="ctr" rotWithShape="0">
                     <a:schemeClr val="bg2">
@@ -6041,13 +6781,13 @@
       </p:sp>
       <p:sp>
         <p:nvSpPr>
-          <p:cNvPr id="186" name="Rectangle 185"/>
+          <p:cNvPr id="213" name="Rectangle 212"/>
           <p:cNvSpPr/>
           <p:nvPr/>
         </p:nvSpPr>
         <p:spPr bwMode="auto">
           <a:xfrm>
-            <a:off x="2691134" y="1196752"/>
+            <a:off x="2691134" y="4852145"/>
             <a:ext cx="216024" cy="216024"/>
           </a:xfrm>
           <a:prstGeom prst="rect">
@@ -6066,7 +6806,7 @@
           <a:effectLst/>
           <a:extLst>
             <a:ext uri="{AF507438-7753-43e0-B8FC-AC1667EBCBE1}">
-              <a14:hiddenEffects xmlns:a14="http://schemas.microsoft.com/office/drawing/2010/main" xmlns="">
+              <a14:hiddenEffects xmlns="" xmlns:a14="http://schemas.microsoft.com/office/drawing/2010/main">
                 <a:effectLst>
                   <a:outerShdw blurRad="63500" dist="38099" dir="2700000" algn="ctr" rotWithShape="0">
                     <a:schemeClr val="bg2">
@@ -6119,13 +6859,13 @@
       </p:sp>
       <p:sp>
         <p:nvSpPr>
-          <p:cNvPr id="187" name="Ellipse 186"/>
+          <p:cNvPr id="214" name="Ellipse 213"/>
           <p:cNvSpPr/>
           <p:nvPr/>
         </p:nvSpPr>
         <p:spPr bwMode="auto">
           <a:xfrm>
-            <a:off x="3851920" y="1196752"/>
+            <a:off x="3851920" y="4852145"/>
             <a:ext cx="216024" cy="216024"/>
           </a:xfrm>
           <a:prstGeom prst="ellipse">
@@ -6144,7 +6884,7 @@
           <a:effectLst/>
           <a:extLst>
             <a:ext uri="{AF507438-7753-43e0-B8FC-AC1667EBCBE1}">
-              <a14:hiddenEffects xmlns:a14="http://schemas.microsoft.com/office/drawing/2010/main" xmlns="">
+              <a14:hiddenEffects xmlns="" xmlns:a14="http://schemas.microsoft.com/office/drawing/2010/main">
                 <a:effectLst>
                   <a:outerShdw blurRad="63500" dist="38099" dir="2700000" algn="ctr" rotWithShape="0">
                     <a:schemeClr val="bg2">
@@ -6197,13 +6937,13 @@
       </p:sp>
       <p:sp>
         <p:nvSpPr>
-          <p:cNvPr id="193" name="Ellipse 192"/>
+          <p:cNvPr id="215" name="Ellipse 214"/>
           <p:cNvSpPr/>
           <p:nvPr/>
         </p:nvSpPr>
         <p:spPr bwMode="auto">
           <a:xfrm>
-            <a:off x="5004048" y="1196752"/>
+            <a:off x="5004048" y="4852145"/>
             <a:ext cx="216024" cy="216024"/>
           </a:xfrm>
           <a:prstGeom prst="ellipse">
@@ -6222,7 +6962,7 @@
           <a:effectLst/>
           <a:extLst>
             <a:ext uri="{AF507438-7753-43e0-B8FC-AC1667EBCBE1}">
-              <a14:hiddenEffects xmlns:a14="http://schemas.microsoft.com/office/drawing/2010/main" xmlns="">
+              <a14:hiddenEffects xmlns="" xmlns:a14="http://schemas.microsoft.com/office/drawing/2010/main">
                 <a:effectLst>
                   <a:outerShdw blurRad="63500" dist="38099" dir="2700000" algn="ctr" rotWithShape="0">
                     <a:schemeClr val="bg2">
@@ -6275,13 +7015,13 @@
       </p:sp>
       <p:sp>
         <p:nvSpPr>
-          <p:cNvPr id="194" name="Ellipse 193"/>
+          <p:cNvPr id="216" name="Ellipse 215"/>
           <p:cNvSpPr/>
           <p:nvPr/>
         </p:nvSpPr>
         <p:spPr bwMode="auto">
           <a:xfrm>
-            <a:off x="2290109" y="1196752"/>
+            <a:off x="2290109" y="4852145"/>
             <a:ext cx="216024" cy="216024"/>
           </a:xfrm>
           <a:prstGeom prst="ellipse">
@@ -6300,7 +7040,7 @@
           <a:effectLst/>
           <a:extLst>
             <a:ext uri="{AF507438-7753-43e0-B8FC-AC1667EBCBE1}">
-              <a14:hiddenEffects xmlns:a14="http://schemas.microsoft.com/office/drawing/2010/main" xmlns="">
+              <a14:hiddenEffects xmlns="" xmlns:a14="http://schemas.microsoft.com/office/drawing/2010/main">
                 <a:effectLst>
                   <a:outerShdw blurRad="63500" dist="38099" dir="2700000" algn="ctr" rotWithShape="0">
                     <a:schemeClr val="bg2">
@@ -6353,919 +7093,13 @@
       </p:sp>
       <p:cxnSp>
         <p:nvCxnSpPr>
-          <p:cNvPr id="12" name="Connecteur droit 11"/>
-          <p:cNvCxnSpPr/>
-          <p:nvPr/>
-        </p:nvCxnSpPr>
-        <p:spPr>
-          <a:xfrm>
-            <a:off x="3188993" y="1088699"/>
-            <a:ext cx="0" cy="432048"/>
-          </a:xfrm>
-          <a:prstGeom prst="line">
-            <a:avLst/>
-          </a:prstGeom>
-          <a:ln>
-            <a:solidFill>
-              <a:srgbClr val="95A5A6"/>
-            </a:solidFill>
-            <a:prstDash val="sysDash"/>
-          </a:ln>
-        </p:spPr>
-        <p:style>
-          <a:lnRef idx="1">
-            <a:schemeClr val="accent1"/>
-          </a:lnRef>
-          <a:fillRef idx="0">
-            <a:schemeClr val="accent1"/>
-          </a:fillRef>
-          <a:effectRef idx="0">
-            <a:schemeClr val="accent1"/>
-          </a:effectRef>
-          <a:fontRef idx="minor">
-            <a:schemeClr val="tx1"/>
-          </a:fontRef>
-        </p:style>
-      </p:cxnSp>
-      <p:cxnSp>
-        <p:nvCxnSpPr>
-          <p:cNvPr id="195" name="Connecteur droit 194"/>
-          <p:cNvCxnSpPr/>
-          <p:nvPr/>
-        </p:nvCxnSpPr>
-        <p:spPr>
-          <a:xfrm>
-            <a:off x="4339309" y="1088699"/>
-            <a:ext cx="0" cy="432048"/>
-          </a:xfrm>
-          <a:prstGeom prst="line">
-            <a:avLst/>
-          </a:prstGeom>
-          <a:ln>
-            <a:solidFill>
-              <a:srgbClr val="95A5A6"/>
-            </a:solidFill>
-            <a:prstDash val="sysDash"/>
-          </a:ln>
-        </p:spPr>
-        <p:style>
-          <a:lnRef idx="1">
-            <a:schemeClr val="accent1"/>
-          </a:lnRef>
-          <a:fillRef idx="0">
-            <a:schemeClr val="accent1"/>
-          </a:fillRef>
-          <a:effectRef idx="0">
-            <a:schemeClr val="accent1"/>
-          </a:effectRef>
-          <a:fontRef idx="minor">
-            <a:schemeClr val="tx1"/>
-          </a:fontRef>
-        </p:style>
-      </p:cxnSp>
-      <p:cxnSp>
-        <p:nvCxnSpPr>
-          <p:cNvPr id="196" name="Connecteur droit 195"/>
-          <p:cNvCxnSpPr/>
-          <p:nvPr/>
-        </p:nvCxnSpPr>
-        <p:spPr>
-          <a:xfrm>
-            <a:off x="3851661" y="1789046"/>
-            <a:ext cx="0" cy="432048"/>
-          </a:xfrm>
-          <a:prstGeom prst="line">
-            <a:avLst/>
-          </a:prstGeom>
-          <a:ln>
-            <a:solidFill>
-              <a:srgbClr val="95A5A6"/>
-            </a:solidFill>
-            <a:prstDash val="sysDash"/>
-          </a:ln>
-        </p:spPr>
-        <p:style>
-          <a:lnRef idx="1">
-            <a:schemeClr val="accent1"/>
-          </a:lnRef>
-          <a:fillRef idx="0">
-            <a:schemeClr val="accent1"/>
-          </a:fillRef>
-          <a:effectRef idx="0">
-            <a:schemeClr val="accent1"/>
-          </a:effectRef>
-          <a:fontRef idx="minor">
-            <a:schemeClr val="tx1"/>
-          </a:fontRef>
-        </p:style>
-      </p:cxnSp>
-      <p:cxnSp>
-        <p:nvCxnSpPr>
-          <p:cNvPr id="197" name="Connecteur droit 196"/>
-          <p:cNvCxnSpPr/>
-          <p:nvPr/>
-        </p:nvCxnSpPr>
-        <p:spPr>
-          <a:xfrm>
-            <a:off x="5363829" y="1789046"/>
-            <a:ext cx="0" cy="432048"/>
-          </a:xfrm>
-          <a:prstGeom prst="line">
-            <a:avLst/>
-          </a:prstGeom>
-          <a:ln>
-            <a:solidFill>
-              <a:srgbClr val="95A5A6"/>
-            </a:solidFill>
-            <a:prstDash val="sysDash"/>
-          </a:ln>
-        </p:spPr>
-        <p:style>
-          <a:lnRef idx="1">
-            <a:schemeClr val="accent1"/>
-          </a:lnRef>
-          <a:fillRef idx="0">
-            <a:schemeClr val="accent1"/>
-          </a:fillRef>
-          <a:effectRef idx="0">
-            <a:schemeClr val="accent1"/>
-          </a:effectRef>
-          <a:fontRef idx="minor">
-            <a:schemeClr val="tx1"/>
-          </a:fontRef>
-        </p:style>
-      </p:cxnSp>
-      <p:sp>
-        <p:nvSpPr>
-          <p:cNvPr id="198" name="Rectangle 197"/>
-          <p:cNvSpPr/>
-          <p:nvPr/>
-        </p:nvSpPr>
-        <p:spPr bwMode="auto">
-          <a:xfrm>
-            <a:off x="5640887" y="1897058"/>
-            <a:ext cx="216024" cy="216024"/>
-          </a:xfrm>
-          <a:prstGeom prst="rect">
-            <a:avLst/>
-          </a:prstGeom>
-          <a:noFill/>
-          <a:ln w="19050" cap="flat" cmpd="sng" algn="ctr">
-            <a:solidFill>
-              <a:srgbClr val="F1C40F"/>
-            </a:solidFill>
-            <a:prstDash val="solid"/>
-            <a:round/>
-            <a:headEnd type="none" w="med" len="med"/>
-            <a:tailEnd type="none" w="med" len="med"/>
-          </a:ln>
-          <a:effectLst/>
-          <a:extLst>
-            <a:ext uri="{AF507438-7753-43e0-B8FC-AC1667EBCBE1}">
-              <a14:hiddenEffects xmlns:a14="http://schemas.microsoft.com/office/drawing/2010/main" xmlns="">
-                <a:effectLst>
-                  <a:outerShdw blurRad="63500" dist="38099" dir="2700000" algn="ctr" rotWithShape="0">
-                    <a:schemeClr val="bg2">
-                      <a:alpha val="74998"/>
-                    </a:schemeClr>
-                  </a:outerShdw>
-                </a:effectLst>
-              </a14:hiddenEffects>
-            </a:ext>
-          </a:extLst>
-        </p:spPr>
-        <p:txBody>
-          <a:bodyPr vert="horz" wrap="square" lIns="91440" tIns="45720" rIns="91440" bIns="45720" numCol="1" rtlCol="0" anchor="t" anchorCtr="0" compatLnSpc="1">
-            <a:prstTxWarp prst="textNoShape">
-              <a:avLst/>
-            </a:prstTxWarp>
-          </a:bodyPr>
-          <a:lstStyle/>
-          <a:p>
-            <a:pPr marL="0" marR="0" indent="0" algn="l" defTabSz="914400" rtl="0" eaLnBrk="0" fontAlgn="base" latinLnBrk="0" hangingPunct="0">
-              <a:lnSpc>
-                <a:spcPct val="100000"/>
-              </a:lnSpc>
-              <a:spcBef>
-                <a:spcPct val="0"/>
-              </a:spcBef>
-              <a:spcAft>
-                <a:spcPct val="0"/>
-              </a:spcAft>
-              <a:buClrTx/>
-              <a:buSzTx/>
-              <a:buFontTx/>
-              <a:buNone/>
-              <a:tabLst/>
-            </a:pPr>
-            <a:endParaRPr kumimoji="0" lang="fr-FR" sz="2400" b="0" i="0" u="none" strike="noStrike" cap="none" normalizeH="0" baseline="0">
-              <a:ln>
-                <a:noFill/>
-              </a:ln>
-              <a:solidFill>
-                <a:srgbClr val="000000"/>
-              </a:solidFill>
-              <a:effectLst/>
-              <a:latin typeface="Arial" charset="0"/>
-              <a:ea typeface="ＭＳ Ｐゴシック" charset="0"/>
-              <a:cs typeface="Geneva" charset="0"/>
-            </a:endParaRPr>
-          </a:p>
-        </p:txBody>
-      </p:sp>
-      <p:sp>
-        <p:nvSpPr>
-          <p:cNvPr id="199" name="Ellipse 198"/>
-          <p:cNvSpPr/>
-          <p:nvPr/>
-        </p:nvSpPr>
-        <p:spPr bwMode="auto">
-          <a:xfrm>
-            <a:off x="6026855" y="1897058"/>
-            <a:ext cx="216024" cy="216024"/>
-          </a:xfrm>
-          <a:prstGeom prst="ellipse">
-            <a:avLst/>
-          </a:prstGeom>
-          <a:noFill/>
-          <a:ln w="19050" cap="flat" cmpd="sng" algn="ctr">
-            <a:solidFill>
-              <a:srgbClr val="3498DB"/>
-            </a:solidFill>
-            <a:prstDash val="solid"/>
-            <a:round/>
-            <a:headEnd type="none" w="med" len="med"/>
-            <a:tailEnd type="none" w="med" len="med"/>
-          </a:ln>
-          <a:effectLst/>
-          <a:extLst>
-            <a:ext uri="{AF507438-7753-43e0-B8FC-AC1667EBCBE1}">
-              <a14:hiddenEffects xmlns:a14="http://schemas.microsoft.com/office/drawing/2010/main" xmlns="">
-                <a:effectLst>
-                  <a:outerShdw blurRad="63500" dist="38099" dir="2700000" algn="ctr" rotWithShape="0">
-                    <a:schemeClr val="bg2">
-                      <a:alpha val="74998"/>
-                    </a:schemeClr>
-                  </a:outerShdw>
-                </a:effectLst>
-              </a14:hiddenEffects>
-            </a:ext>
-          </a:extLst>
-        </p:spPr>
-        <p:txBody>
-          <a:bodyPr vert="horz" wrap="square" lIns="91440" tIns="45720" rIns="91440" bIns="45720" numCol="1" rtlCol="0" anchor="t" anchorCtr="0" compatLnSpc="1">
-            <a:prstTxWarp prst="textNoShape">
-              <a:avLst/>
-            </a:prstTxWarp>
-          </a:bodyPr>
-          <a:lstStyle/>
-          <a:p>
-            <a:pPr marL="0" marR="0" indent="0" algn="l" defTabSz="914400" rtl="0" eaLnBrk="0" fontAlgn="base" latinLnBrk="0" hangingPunct="0">
-              <a:lnSpc>
-                <a:spcPct val="100000"/>
-              </a:lnSpc>
-              <a:spcBef>
-                <a:spcPct val="0"/>
-              </a:spcBef>
-              <a:spcAft>
-                <a:spcPct val="0"/>
-              </a:spcAft>
-              <a:buClrTx/>
-              <a:buSzTx/>
-              <a:buFontTx/>
-              <a:buNone/>
-              <a:tabLst/>
-            </a:pPr>
-            <a:endParaRPr kumimoji="0" lang="fr-FR" sz="2400" b="0" i="0" u="none" strike="noStrike" cap="none" normalizeH="0" baseline="0">
-              <a:ln>
-                <a:noFill/>
-              </a:ln>
-              <a:solidFill>
-                <a:srgbClr val="000000"/>
-              </a:solidFill>
-              <a:effectLst/>
-              <a:latin typeface="Arial" charset="0"/>
-              <a:ea typeface="ＭＳ Ｐゴシック" charset="0"/>
-              <a:cs typeface="Geneva" charset="0"/>
-            </a:endParaRPr>
-          </a:p>
-        </p:txBody>
-      </p:sp>
-      <p:sp>
-        <p:nvSpPr>
-          <p:cNvPr id="200" name="ZoneTexte 199"/>
-          <p:cNvSpPr txBox="1"/>
-          <p:nvPr/>
-        </p:nvSpPr>
-        <p:spPr>
-          <a:xfrm>
-            <a:off x="304026" y="1771023"/>
-            <a:ext cx="1726114" cy="369332"/>
-          </a:xfrm>
-          <a:prstGeom prst="rect">
-            <a:avLst/>
-          </a:prstGeom>
-          <a:noFill/>
-        </p:spPr>
-        <p:txBody>
-          <a:bodyPr wrap="none" rtlCol="0">
-            <a:spAutoFit/>
-          </a:bodyPr>
-          <a:lstStyle/>
-          <a:p>
-            <a:r>
-              <a:rPr lang="fr-FR" dirty="0" smtClean="0"/>
-              <a:t>Partitionnement</a:t>
-            </a:r>
-            <a:endParaRPr lang="fr-FR" dirty="0"/>
-          </a:p>
-        </p:txBody>
-      </p:sp>
-      <p:sp>
-        <p:nvSpPr>
-          <p:cNvPr id="209" name="ZoneTexte 208"/>
-          <p:cNvSpPr txBox="1"/>
-          <p:nvPr/>
-        </p:nvSpPr>
-        <p:spPr>
-          <a:xfrm>
-            <a:off x="304026" y="2455176"/>
-            <a:ext cx="1294585" cy="369332"/>
-          </a:xfrm>
-          <a:prstGeom prst="rect">
-            <a:avLst/>
-          </a:prstGeom>
-          <a:noFill/>
-        </p:spPr>
-        <p:txBody>
-          <a:bodyPr wrap="none" rtlCol="0">
-            <a:spAutoFit/>
-          </a:bodyPr>
-          <a:lstStyle/>
-          <a:p>
-            <a:r>
-              <a:rPr lang="fr-FR" dirty="0" smtClean="0"/>
-              <a:t>Distribution</a:t>
-            </a:r>
-            <a:endParaRPr lang="fr-FR" dirty="0"/>
-          </a:p>
-        </p:txBody>
-      </p:sp>
-      <p:sp>
-        <p:nvSpPr>
-          <p:cNvPr id="210" name="Rectangle 209"/>
-          <p:cNvSpPr/>
-          <p:nvPr/>
-        </p:nvSpPr>
-        <p:spPr bwMode="auto">
-          <a:xfrm>
-            <a:off x="1889084" y="2563229"/>
-            <a:ext cx="216024" cy="216024"/>
-          </a:xfrm>
-          <a:prstGeom prst="rect">
-            <a:avLst/>
-          </a:prstGeom>
-          <a:solidFill>
-            <a:srgbClr val="C0392B"/>
-          </a:solidFill>
-          <a:ln w="9525" cap="flat" cmpd="sng" algn="ctr">
-            <a:noFill/>
-            <a:prstDash val="solid"/>
-            <a:round/>
-            <a:headEnd type="none" w="med" len="med"/>
-            <a:tailEnd type="none" w="med" len="med"/>
-          </a:ln>
-          <a:effectLst/>
-          <a:extLst>
-            <a:ext uri="{AF507438-7753-43e0-B8FC-AC1667EBCBE1}">
-              <a14:hiddenEffects xmlns:a14="http://schemas.microsoft.com/office/drawing/2010/main" xmlns="">
-                <a:effectLst>
-                  <a:outerShdw blurRad="63500" dist="38099" dir="2700000" algn="ctr" rotWithShape="0">
-                    <a:schemeClr val="bg2">
-                      <a:alpha val="74998"/>
-                    </a:schemeClr>
-                  </a:outerShdw>
-                </a:effectLst>
-              </a14:hiddenEffects>
-            </a:ext>
-          </a:extLst>
-        </p:spPr>
-        <p:txBody>
-          <a:bodyPr vert="horz" wrap="square" lIns="91440" tIns="45720" rIns="91440" bIns="45720" numCol="1" rtlCol="0" anchor="t" anchorCtr="0" compatLnSpc="1">
-            <a:prstTxWarp prst="textNoShape">
-              <a:avLst/>
-            </a:prstTxWarp>
-          </a:bodyPr>
-          <a:lstStyle/>
-          <a:p>
-            <a:pPr marL="0" marR="0" indent="0" algn="l" defTabSz="914400" rtl="0" eaLnBrk="0" fontAlgn="base" latinLnBrk="0" hangingPunct="0">
-              <a:lnSpc>
-                <a:spcPct val="100000"/>
-              </a:lnSpc>
-              <a:spcBef>
-                <a:spcPct val="0"/>
-              </a:spcBef>
-              <a:spcAft>
-                <a:spcPct val="0"/>
-              </a:spcAft>
-              <a:buClrTx/>
-              <a:buSzTx/>
-              <a:buFontTx/>
-              <a:buNone/>
-              <a:tabLst/>
-            </a:pPr>
-            <a:endParaRPr kumimoji="0" lang="fr-FR" sz="2400" b="0" i="0" u="none" strike="noStrike" cap="none" normalizeH="0" baseline="0">
-              <a:ln>
-                <a:noFill/>
-              </a:ln>
-              <a:solidFill>
-                <a:srgbClr val="C00000"/>
-              </a:solidFill>
-              <a:effectLst/>
-              <a:latin typeface="Arial" charset="0"/>
-              <a:ea typeface="ＭＳ Ｐゴシック" charset="0"/>
-              <a:cs typeface="Geneva" charset="0"/>
-            </a:endParaRPr>
-          </a:p>
-        </p:txBody>
-      </p:sp>
-      <p:sp>
-        <p:nvSpPr>
-          <p:cNvPr id="211" name="Rectangle 210"/>
-          <p:cNvSpPr/>
-          <p:nvPr/>
-        </p:nvSpPr>
-        <p:spPr bwMode="auto">
-          <a:xfrm>
-            <a:off x="3450895" y="2563229"/>
-            <a:ext cx="216024" cy="216024"/>
-          </a:xfrm>
-          <a:prstGeom prst="rect">
-            <a:avLst/>
-          </a:prstGeom>
-          <a:solidFill>
-            <a:srgbClr val="27AE60"/>
-          </a:solidFill>
-          <a:ln w="9525" cap="flat" cmpd="sng" algn="ctr">
-            <a:noFill/>
-            <a:prstDash val="solid"/>
-            <a:round/>
-            <a:headEnd type="none" w="med" len="med"/>
-            <a:tailEnd type="none" w="med" len="med"/>
-          </a:ln>
-          <a:effectLst/>
-          <a:extLst>
-            <a:ext uri="{AF507438-7753-43e0-B8FC-AC1667EBCBE1}">
-              <a14:hiddenEffects xmlns:a14="http://schemas.microsoft.com/office/drawing/2010/main" xmlns="">
-                <a:effectLst>
-                  <a:outerShdw blurRad="63500" dist="38099" dir="2700000" algn="ctr" rotWithShape="0">
-                    <a:schemeClr val="bg2">
-                      <a:alpha val="74998"/>
-                    </a:schemeClr>
-                  </a:outerShdw>
-                </a:effectLst>
-              </a14:hiddenEffects>
-            </a:ext>
-          </a:extLst>
-        </p:spPr>
-        <p:txBody>
-          <a:bodyPr vert="horz" wrap="square" lIns="91440" tIns="45720" rIns="91440" bIns="45720" numCol="1" rtlCol="0" anchor="t" anchorCtr="0" compatLnSpc="1">
-            <a:prstTxWarp prst="textNoShape">
-              <a:avLst/>
-            </a:prstTxWarp>
-          </a:bodyPr>
-          <a:lstStyle/>
-          <a:p>
-            <a:pPr marL="0" marR="0" indent="0" algn="l" defTabSz="914400" rtl="0" eaLnBrk="0" fontAlgn="base" latinLnBrk="0" hangingPunct="0">
-              <a:lnSpc>
-                <a:spcPct val="100000"/>
-              </a:lnSpc>
-              <a:spcBef>
-                <a:spcPct val="0"/>
-              </a:spcBef>
-              <a:spcAft>
-                <a:spcPct val="0"/>
-              </a:spcAft>
-              <a:buClrTx/>
-              <a:buSzTx/>
-              <a:buFontTx/>
-              <a:buNone/>
-              <a:tabLst/>
-            </a:pPr>
-            <a:endParaRPr kumimoji="0" lang="fr-FR" sz="2400" b="0" i="0" u="none" strike="noStrike" cap="none" normalizeH="0" baseline="0">
-              <a:ln>
-                <a:noFill/>
-              </a:ln>
-              <a:solidFill>
-                <a:srgbClr val="000000"/>
-              </a:solidFill>
-              <a:effectLst/>
-              <a:latin typeface="Arial" charset="0"/>
-              <a:ea typeface="ＭＳ Ｐゴシック" charset="0"/>
-              <a:cs typeface="Geneva" charset="0"/>
-            </a:endParaRPr>
-          </a:p>
-        </p:txBody>
-      </p:sp>
-      <p:sp>
-        <p:nvSpPr>
-          <p:cNvPr id="212" name="Rectangle 211"/>
-          <p:cNvSpPr/>
-          <p:nvPr/>
-        </p:nvSpPr>
-        <p:spPr bwMode="auto">
-          <a:xfrm>
-            <a:off x="4603025" y="2563229"/>
-            <a:ext cx="216024" cy="216024"/>
-          </a:xfrm>
-          <a:prstGeom prst="rect">
-            <a:avLst/>
-          </a:prstGeom>
-          <a:solidFill>
-            <a:srgbClr val="8E44AD"/>
-          </a:solidFill>
-          <a:ln w="9525" cap="flat" cmpd="sng" algn="ctr">
-            <a:noFill/>
-            <a:prstDash val="solid"/>
-            <a:round/>
-            <a:headEnd type="none" w="med" len="med"/>
-            <a:tailEnd type="none" w="med" len="med"/>
-          </a:ln>
-          <a:effectLst/>
-          <a:extLst>
-            <a:ext uri="{AF507438-7753-43e0-B8FC-AC1667EBCBE1}">
-              <a14:hiddenEffects xmlns:a14="http://schemas.microsoft.com/office/drawing/2010/main" xmlns="">
-                <a:effectLst>
-                  <a:outerShdw blurRad="63500" dist="38099" dir="2700000" algn="ctr" rotWithShape="0">
-                    <a:schemeClr val="bg2">
-                      <a:alpha val="74998"/>
-                    </a:schemeClr>
-                  </a:outerShdw>
-                </a:effectLst>
-              </a14:hiddenEffects>
-            </a:ext>
-          </a:extLst>
-        </p:spPr>
-        <p:txBody>
-          <a:bodyPr vert="horz" wrap="square" lIns="91440" tIns="45720" rIns="91440" bIns="45720" numCol="1" rtlCol="0" anchor="t" anchorCtr="0" compatLnSpc="1">
-            <a:prstTxWarp prst="textNoShape">
-              <a:avLst/>
-            </a:prstTxWarp>
-          </a:bodyPr>
-          <a:lstStyle/>
-          <a:p>
-            <a:pPr marL="0" marR="0" indent="0" algn="l" defTabSz="914400" rtl="0" eaLnBrk="0" fontAlgn="base" latinLnBrk="0" hangingPunct="0">
-              <a:lnSpc>
-                <a:spcPct val="100000"/>
-              </a:lnSpc>
-              <a:spcBef>
-                <a:spcPct val="0"/>
-              </a:spcBef>
-              <a:spcAft>
-                <a:spcPct val="0"/>
-              </a:spcAft>
-              <a:buClrTx/>
-              <a:buSzTx/>
-              <a:buFontTx/>
-              <a:buNone/>
-              <a:tabLst/>
-            </a:pPr>
-            <a:endParaRPr kumimoji="0" lang="fr-FR" sz="2400" b="0" i="0" u="none" strike="noStrike" cap="none" normalizeH="0" baseline="0">
-              <a:ln>
-                <a:noFill/>
-              </a:ln>
-              <a:solidFill>
-                <a:srgbClr val="000000"/>
-              </a:solidFill>
-              <a:effectLst/>
-              <a:latin typeface="Arial" charset="0"/>
-              <a:ea typeface="ＭＳ Ｐゴシック" charset="0"/>
-              <a:cs typeface="Geneva" charset="0"/>
-            </a:endParaRPr>
-          </a:p>
-        </p:txBody>
-      </p:sp>
-      <p:sp>
-        <p:nvSpPr>
-          <p:cNvPr id="213" name="Rectangle 212"/>
-          <p:cNvSpPr/>
-          <p:nvPr/>
-        </p:nvSpPr>
-        <p:spPr bwMode="auto">
-          <a:xfrm>
-            <a:off x="2691134" y="2563229"/>
-            <a:ext cx="216024" cy="216024"/>
-          </a:xfrm>
-          <a:prstGeom prst="rect">
-            <a:avLst/>
-          </a:prstGeom>
-          <a:noFill/>
-          <a:ln w="19050" cap="flat" cmpd="sng" algn="ctr">
-            <a:solidFill>
-              <a:srgbClr val="F1C40F"/>
-            </a:solidFill>
-            <a:prstDash val="solid"/>
-            <a:round/>
-            <a:headEnd type="none" w="med" len="med"/>
-            <a:tailEnd type="none" w="med" len="med"/>
-          </a:ln>
-          <a:effectLst/>
-          <a:extLst>
-            <a:ext uri="{AF507438-7753-43e0-B8FC-AC1667EBCBE1}">
-              <a14:hiddenEffects xmlns:a14="http://schemas.microsoft.com/office/drawing/2010/main" xmlns="">
-                <a:effectLst>
-                  <a:outerShdw blurRad="63500" dist="38099" dir="2700000" algn="ctr" rotWithShape="0">
-                    <a:schemeClr val="bg2">
-                      <a:alpha val="74998"/>
-                    </a:schemeClr>
-                  </a:outerShdw>
-                </a:effectLst>
-              </a14:hiddenEffects>
-            </a:ext>
-          </a:extLst>
-        </p:spPr>
-        <p:txBody>
-          <a:bodyPr vert="horz" wrap="square" lIns="91440" tIns="45720" rIns="91440" bIns="45720" numCol="1" rtlCol="0" anchor="t" anchorCtr="0" compatLnSpc="1">
-            <a:prstTxWarp prst="textNoShape">
-              <a:avLst/>
-            </a:prstTxWarp>
-          </a:bodyPr>
-          <a:lstStyle/>
-          <a:p>
-            <a:pPr marL="0" marR="0" indent="0" algn="l" defTabSz="914400" rtl="0" eaLnBrk="0" fontAlgn="base" latinLnBrk="0" hangingPunct="0">
-              <a:lnSpc>
-                <a:spcPct val="100000"/>
-              </a:lnSpc>
-              <a:spcBef>
-                <a:spcPct val="0"/>
-              </a:spcBef>
-              <a:spcAft>
-                <a:spcPct val="0"/>
-              </a:spcAft>
-              <a:buClrTx/>
-              <a:buSzTx/>
-              <a:buFontTx/>
-              <a:buNone/>
-              <a:tabLst/>
-            </a:pPr>
-            <a:endParaRPr kumimoji="0" lang="fr-FR" sz="2400" b="0" i="0" u="none" strike="noStrike" cap="none" normalizeH="0" baseline="0">
-              <a:ln>
-                <a:noFill/>
-              </a:ln>
-              <a:solidFill>
-                <a:srgbClr val="000000"/>
-              </a:solidFill>
-              <a:effectLst/>
-              <a:latin typeface="Arial" charset="0"/>
-              <a:ea typeface="ＭＳ Ｐゴシック" charset="0"/>
-              <a:cs typeface="Geneva" charset="0"/>
-            </a:endParaRPr>
-          </a:p>
-        </p:txBody>
-      </p:sp>
-      <p:sp>
-        <p:nvSpPr>
-          <p:cNvPr id="214" name="Ellipse 213"/>
-          <p:cNvSpPr/>
-          <p:nvPr/>
-        </p:nvSpPr>
-        <p:spPr bwMode="auto">
-          <a:xfrm>
-            <a:off x="3851920" y="2563229"/>
-            <a:ext cx="216024" cy="216024"/>
-          </a:xfrm>
-          <a:prstGeom prst="ellipse">
-            <a:avLst/>
-          </a:prstGeom>
-          <a:noFill/>
-          <a:ln w="19050" cap="flat" cmpd="sng" algn="ctr">
-            <a:solidFill>
-              <a:srgbClr val="3498DB"/>
-            </a:solidFill>
-            <a:prstDash val="solid"/>
-            <a:round/>
-            <a:headEnd type="none" w="med" len="med"/>
-            <a:tailEnd type="none" w="med" len="med"/>
-          </a:ln>
-          <a:effectLst/>
-          <a:extLst>
-            <a:ext uri="{AF507438-7753-43e0-B8FC-AC1667EBCBE1}">
-              <a14:hiddenEffects xmlns:a14="http://schemas.microsoft.com/office/drawing/2010/main" xmlns="">
-                <a:effectLst>
-                  <a:outerShdw blurRad="63500" dist="38099" dir="2700000" algn="ctr" rotWithShape="0">
-                    <a:schemeClr val="bg2">
-                      <a:alpha val="74998"/>
-                    </a:schemeClr>
-                  </a:outerShdw>
-                </a:effectLst>
-              </a14:hiddenEffects>
-            </a:ext>
-          </a:extLst>
-        </p:spPr>
-        <p:txBody>
-          <a:bodyPr vert="horz" wrap="square" lIns="91440" tIns="45720" rIns="91440" bIns="45720" numCol="1" rtlCol="0" anchor="t" anchorCtr="0" compatLnSpc="1">
-            <a:prstTxWarp prst="textNoShape">
-              <a:avLst/>
-            </a:prstTxWarp>
-          </a:bodyPr>
-          <a:lstStyle/>
-          <a:p>
-            <a:pPr marL="0" marR="0" indent="0" algn="l" defTabSz="914400" rtl="0" eaLnBrk="0" fontAlgn="base" latinLnBrk="0" hangingPunct="0">
-              <a:lnSpc>
-                <a:spcPct val="100000"/>
-              </a:lnSpc>
-              <a:spcBef>
-                <a:spcPct val="0"/>
-              </a:spcBef>
-              <a:spcAft>
-                <a:spcPct val="0"/>
-              </a:spcAft>
-              <a:buClrTx/>
-              <a:buSzTx/>
-              <a:buFontTx/>
-              <a:buNone/>
-              <a:tabLst/>
-            </a:pPr>
-            <a:endParaRPr kumimoji="0" lang="fr-FR" sz="2400" b="0" i="0" u="none" strike="noStrike" cap="none" normalizeH="0" baseline="0">
-              <a:ln>
-                <a:noFill/>
-              </a:ln>
-              <a:solidFill>
-                <a:srgbClr val="000000"/>
-              </a:solidFill>
-              <a:effectLst/>
-              <a:latin typeface="Arial" charset="0"/>
-              <a:ea typeface="ＭＳ Ｐゴシック" charset="0"/>
-              <a:cs typeface="Geneva" charset="0"/>
-            </a:endParaRPr>
-          </a:p>
-        </p:txBody>
-      </p:sp>
-      <p:sp>
-        <p:nvSpPr>
-          <p:cNvPr id="215" name="Ellipse 214"/>
-          <p:cNvSpPr/>
-          <p:nvPr/>
-        </p:nvSpPr>
-        <p:spPr bwMode="auto">
-          <a:xfrm>
-            <a:off x="5004048" y="2563229"/>
-            <a:ext cx="216024" cy="216024"/>
-          </a:xfrm>
-          <a:prstGeom prst="ellipse">
-            <a:avLst/>
-          </a:prstGeom>
-          <a:solidFill>
-            <a:srgbClr val="343E50"/>
-          </a:solidFill>
-          <a:ln w="9525" cap="flat" cmpd="sng" algn="ctr">
-            <a:noFill/>
-            <a:prstDash val="solid"/>
-            <a:round/>
-            <a:headEnd type="none" w="med" len="med"/>
-            <a:tailEnd type="none" w="med" len="med"/>
-          </a:ln>
-          <a:effectLst/>
-          <a:extLst>
-            <a:ext uri="{AF507438-7753-43e0-B8FC-AC1667EBCBE1}">
-              <a14:hiddenEffects xmlns:a14="http://schemas.microsoft.com/office/drawing/2010/main" xmlns="">
-                <a:effectLst>
-                  <a:outerShdw blurRad="63500" dist="38099" dir="2700000" algn="ctr" rotWithShape="0">
-                    <a:schemeClr val="bg2">
-                      <a:alpha val="74998"/>
-                    </a:schemeClr>
-                  </a:outerShdw>
-                </a:effectLst>
-              </a14:hiddenEffects>
-            </a:ext>
-          </a:extLst>
-        </p:spPr>
-        <p:txBody>
-          <a:bodyPr vert="horz" wrap="square" lIns="91440" tIns="45720" rIns="91440" bIns="45720" numCol="1" rtlCol="0" anchor="t" anchorCtr="0" compatLnSpc="1">
-            <a:prstTxWarp prst="textNoShape">
-              <a:avLst/>
-            </a:prstTxWarp>
-          </a:bodyPr>
-          <a:lstStyle/>
-          <a:p>
-            <a:pPr marL="0" marR="0" indent="0" algn="l" defTabSz="914400" rtl="0" eaLnBrk="0" fontAlgn="base" latinLnBrk="0" hangingPunct="0">
-              <a:lnSpc>
-                <a:spcPct val="100000"/>
-              </a:lnSpc>
-              <a:spcBef>
-                <a:spcPct val="0"/>
-              </a:spcBef>
-              <a:spcAft>
-                <a:spcPct val="0"/>
-              </a:spcAft>
-              <a:buClrTx/>
-              <a:buSzTx/>
-              <a:buFontTx/>
-              <a:buNone/>
-              <a:tabLst/>
-            </a:pPr>
-            <a:endParaRPr kumimoji="0" lang="fr-FR" sz="2400" b="0" i="0" u="none" strike="noStrike" cap="none" normalizeH="0" baseline="0">
-              <a:ln>
-                <a:noFill/>
-              </a:ln>
-              <a:solidFill>
-                <a:srgbClr val="000000"/>
-              </a:solidFill>
-              <a:effectLst/>
-              <a:latin typeface="Arial" charset="0"/>
-              <a:ea typeface="ＭＳ Ｐゴシック" charset="0"/>
-              <a:cs typeface="Geneva" charset="0"/>
-            </a:endParaRPr>
-          </a:p>
-        </p:txBody>
-      </p:sp>
-      <p:sp>
-        <p:nvSpPr>
-          <p:cNvPr id="216" name="Ellipse 215"/>
-          <p:cNvSpPr/>
-          <p:nvPr/>
-        </p:nvSpPr>
-        <p:spPr bwMode="auto">
-          <a:xfrm>
-            <a:off x="2290109" y="2563229"/>
-            <a:ext cx="216024" cy="216024"/>
-          </a:xfrm>
-          <a:prstGeom prst="ellipse">
-            <a:avLst/>
-          </a:prstGeom>
-          <a:solidFill>
-            <a:srgbClr val="E67E22"/>
-          </a:solidFill>
-          <a:ln w="9525" cap="flat" cmpd="sng" algn="ctr">
-            <a:noFill/>
-            <a:prstDash val="solid"/>
-            <a:round/>
-            <a:headEnd type="none" w="med" len="med"/>
-            <a:tailEnd type="none" w="med" len="med"/>
-          </a:ln>
-          <a:effectLst/>
-          <a:extLst>
-            <a:ext uri="{AF507438-7753-43e0-B8FC-AC1667EBCBE1}">
-              <a14:hiddenEffects xmlns:a14="http://schemas.microsoft.com/office/drawing/2010/main" xmlns="">
-                <a:effectLst>
-                  <a:outerShdw blurRad="63500" dist="38099" dir="2700000" algn="ctr" rotWithShape="0">
-                    <a:schemeClr val="bg2">
-                      <a:alpha val="74998"/>
-                    </a:schemeClr>
-                  </a:outerShdw>
-                </a:effectLst>
-              </a14:hiddenEffects>
-            </a:ext>
-          </a:extLst>
-        </p:spPr>
-        <p:txBody>
-          <a:bodyPr vert="horz" wrap="square" lIns="91440" tIns="45720" rIns="91440" bIns="45720" numCol="1" rtlCol="0" anchor="t" anchorCtr="0" compatLnSpc="1">
-            <a:prstTxWarp prst="textNoShape">
-              <a:avLst/>
-            </a:prstTxWarp>
-          </a:bodyPr>
-          <a:lstStyle/>
-          <a:p>
-            <a:pPr marL="0" marR="0" indent="0" algn="l" defTabSz="914400" rtl="0" eaLnBrk="0" fontAlgn="base" latinLnBrk="0" hangingPunct="0">
-              <a:lnSpc>
-                <a:spcPct val="100000"/>
-              </a:lnSpc>
-              <a:spcBef>
-                <a:spcPct val="0"/>
-              </a:spcBef>
-              <a:spcAft>
-                <a:spcPct val="0"/>
-              </a:spcAft>
-              <a:buClrTx/>
-              <a:buSzTx/>
-              <a:buFontTx/>
-              <a:buNone/>
-              <a:tabLst/>
-            </a:pPr>
-            <a:endParaRPr kumimoji="0" lang="fr-FR" sz="2400" b="0" i="0" u="none" strike="noStrike" cap="none" normalizeH="0" baseline="0">
-              <a:ln>
-                <a:noFill/>
-              </a:ln>
-              <a:solidFill>
-                <a:srgbClr val="000000"/>
-              </a:solidFill>
-              <a:effectLst/>
-              <a:latin typeface="Arial" charset="0"/>
-              <a:ea typeface="ＭＳ Ｐゴシック" charset="0"/>
-              <a:cs typeface="Geneva" charset="0"/>
-            </a:endParaRPr>
-          </a:p>
-        </p:txBody>
-      </p:sp>
-      <p:cxnSp>
-        <p:nvCxnSpPr>
           <p:cNvPr id="217" name="Connecteur droit 216"/>
           <p:cNvCxnSpPr/>
           <p:nvPr/>
         </p:nvCxnSpPr>
         <p:spPr>
           <a:xfrm>
-            <a:off x="3188993" y="2455176"/>
+            <a:off x="3188993" y="4744092"/>
             <a:ext cx="0" cy="432048"/>
           </a:xfrm>
           <a:prstGeom prst="line">
@@ -7301,7 +7135,7 @@
         </p:nvCxnSpPr>
         <p:spPr>
           <a:xfrm>
-            <a:off x="4339309" y="2455176"/>
+            <a:off x="4339309" y="4744092"/>
             <a:ext cx="0" cy="432048"/>
           </a:xfrm>
           <a:prstGeom prst="line">
@@ -7337,7 +7171,7 @@
         </p:nvSpPr>
         <p:spPr>
           <a:xfrm>
-            <a:off x="5748899" y="2486534"/>
+            <a:off x="5748899" y="4775450"/>
             <a:ext cx="1957587" cy="369332"/>
           </a:xfrm>
           <a:prstGeom prst="rect">
@@ -7389,7 +7223,7 @@
         </p:nvGrpSpPr>
         <p:grpSpPr>
           <a:xfrm>
-            <a:off x="2485541" y="3497582"/>
+            <a:off x="2485541" y="5786498"/>
             <a:ext cx="1447985" cy="216024"/>
             <a:chOff x="2104849" y="3497582"/>
             <a:chExt cx="1447985" cy="216024"/>
@@ -7422,7 +7256,7 @@
             <a:effectLst/>
             <a:extLst>
               <a:ext uri="{AF507438-7753-43e0-B8FC-AC1667EBCBE1}">
-                <a14:hiddenEffects xmlns:a14="http://schemas.microsoft.com/office/drawing/2010/main" xmlns="">
+                <a14:hiddenEffects xmlns="" xmlns:a14="http://schemas.microsoft.com/office/drawing/2010/main">
                   <a:effectLst>
                     <a:outerShdw blurRad="63500" dist="38099" dir="2700000" algn="ctr" rotWithShape="0">
                       <a:schemeClr val="bg2">
@@ -7500,7 +7334,7 @@
             <a:effectLst/>
             <a:extLst>
               <a:ext uri="{AF507438-7753-43e0-B8FC-AC1667EBCBE1}">
-                <a14:hiddenEffects xmlns:a14="http://schemas.microsoft.com/office/drawing/2010/main" xmlns="">
+                <a14:hiddenEffects xmlns="" xmlns:a14="http://schemas.microsoft.com/office/drawing/2010/main">
                   <a:effectLst>
                     <a:outerShdw blurRad="63500" dist="38099" dir="2700000" algn="ctr" rotWithShape="0">
                       <a:schemeClr val="bg2">
@@ -7578,7 +7412,7 @@
             <a:effectLst/>
             <a:extLst>
               <a:ext uri="{AF507438-7753-43e0-B8FC-AC1667EBCBE1}">
-                <a14:hiddenEffects xmlns:a14="http://schemas.microsoft.com/office/drawing/2010/main" xmlns="">
+                <a14:hiddenEffects xmlns="" xmlns:a14="http://schemas.microsoft.com/office/drawing/2010/main">
                   <a:effectLst>
                     <a:outerShdw blurRad="63500" dist="38099" dir="2700000" algn="ctr" rotWithShape="0">
                       <a:schemeClr val="bg2">
@@ -7656,7 +7490,7 @@
             <a:effectLst/>
             <a:extLst>
               <a:ext uri="{AF507438-7753-43e0-B8FC-AC1667EBCBE1}">
-                <a14:hiddenEffects xmlns:a14="http://schemas.microsoft.com/office/drawing/2010/main" xmlns="">
+                <a14:hiddenEffects xmlns="" xmlns:a14="http://schemas.microsoft.com/office/drawing/2010/main">
                   <a:effectLst>
                     <a:outerShdw blurRad="63500" dist="38099" dir="2700000" algn="ctr" rotWithShape="0">
                       <a:schemeClr val="bg2">
@@ -7716,7 +7550,7 @@
         </p:nvGrpSpPr>
         <p:grpSpPr>
           <a:xfrm>
-            <a:off x="4890832" y="3497582"/>
+            <a:off x="4890832" y="5786498"/>
             <a:ext cx="940641" cy="216024"/>
             <a:chOff x="4564684" y="3497582"/>
             <a:chExt cx="940641" cy="216024"/>
@@ -7749,7 +7583,7 @@
             <a:effectLst/>
             <a:extLst>
               <a:ext uri="{AF507438-7753-43e0-B8FC-AC1667EBCBE1}">
-                <a14:hiddenEffects xmlns:a14="http://schemas.microsoft.com/office/drawing/2010/main" xmlns="">
+                <a14:hiddenEffects xmlns="" xmlns:a14="http://schemas.microsoft.com/office/drawing/2010/main">
                   <a:effectLst>
                     <a:outerShdw blurRad="63500" dist="38099" dir="2700000" algn="ctr" rotWithShape="0">
                       <a:schemeClr val="bg2">
@@ -7827,7 +7661,7 @@
             <a:effectLst/>
             <a:extLst>
               <a:ext uri="{AF507438-7753-43e0-B8FC-AC1667EBCBE1}">
-                <a14:hiddenEffects xmlns:a14="http://schemas.microsoft.com/office/drawing/2010/main" xmlns="">
+                <a14:hiddenEffects xmlns="" xmlns:a14="http://schemas.microsoft.com/office/drawing/2010/main">
                   <a:effectLst>
                     <a:outerShdw blurRad="63500" dist="38099" dir="2700000" algn="ctr" rotWithShape="0">
                       <a:schemeClr val="bg2">
@@ -7905,7 +7739,7 @@
             <a:effectLst/>
             <a:extLst>
               <a:ext uri="{AF507438-7753-43e0-B8FC-AC1667EBCBE1}">
-                <a14:hiddenEffects xmlns:a14="http://schemas.microsoft.com/office/drawing/2010/main" xmlns="">
+                <a14:hiddenEffects xmlns="" xmlns:a14="http://schemas.microsoft.com/office/drawing/2010/main">
                   <a:effectLst>
                     <a:outerShdw blurRad="63500" dist="38099" dir="2700000" algn="ctr" rotWithShape="0">
                       <a:schemeClr val="bg2">
@@ -7965,7 +7799,7 @@
         </p:nvCxnSpPr>
         <p:spPr>
           <a:xfrm>
-            <a:off x="4343553" y="3389570"/>
+            <a:off x="4343553" y="5678486"/>
             <a:ext cx="0" cy="432048"/>
           </a:xfrm>
           <a:prstGeom prst="line">
@@ -8001,7 +7835,7 @@
         </p:nvCxnSpPr>
         <p:spPr>
           <a:xfrm>
-            <a:off x="6329775" y="3389570"/>
+            <a:off x="6329775" y="5678486"/>
             <a:ext cx="0" cy="432048"/>
           </a:xfrm>
           <a:prstGeom prst="line">
@@ -8037,7 +7871,7 @@
         </p:nvGrpSpPr>
         <p:grpSpPr>
           <a:xfrm>
-            <a:off x="6921591" y="3497582"/>
+            <a:off x="6921591" y="5786498"/>
             <a:ext cx="601992" cy="216024"/>
             <a:chOff x="6490288" y="3497582"/>
             <a:chExt cx="601992" cy="216024"/>
@@ -8070,7 +7904,7 @@
             <a:effectLst/>
             <a:extLst>
               <a:ext uri="{AF507438-7753-43e0-B8FC-AC1667EBCBE1}">
-                <a14:hiddenEffects xmlns:a14="http://schemas.microsoft.com/office/drawing/2010/main" xmlns="">
+                <a14:hiddenEffects xmlns="" xmlns:a14="http://schemas.microsoft.com/office/drawing/2010/main">
                   <a:effectLst>
                     <a:outerShdw blurRad="63500" dist="38099" dir="2700000" algn="ctr" rotWithShape="0">
                       <a:schemeClr val="bg2">
@@ -8148,7 +7982,7 @@
             <a:effectLst/>
             <a:extLst>
               <a:ext uri="{AF507438-7753-43e0-B8FC-AC1667EBCBE1}">
-                <a14:hiddenEffects xmlns:a14="http://schemas.microsoft.com/office/drawing/2010/main" xmlns="">
+                <a14:hiddenEffects xmlns="" xmlns:a14="http://schemas.microsoft.com/office/drawing/2010/main">
                   <a:effectLst>
                     <a:outerShdw blurRad="63500" dist="38099" dir="2700000" algn="ctr" rotWithShape="0">
                       <a:schemeClr val="bg2">
@@ -8208,7 +8042,7 @@
         </p:nvSpPr>
         <p:spPr>
           <a:xfrm>
-            <a:off x="304026" y="3371547"/>
+            <a:off x="304026" y="5660463"/>
             <a:ext cx="1726114" cy="369332"/>
           </a:xfrm>
           <a:prstGeom prst="rect">
@@ -8238,7 +8072,7 @@
         </p:nvSpPr>
         <p:spPr>
           <a:xfrm>
-            <a:off x="2107308" y="3750403"/>
+            <a:off x="2107308" y="6039319"/>
             <a:ext cx="2204450" cy="338554"/>
           </a:xfrm>
           <a:prstGeom prst="rect">
@@ -8262,25 +8096,7 @@
               <a:rPr lang="fr-FR" sz="1600" dirty="0" smtClean="0">
                 <a:latin typeface="Consolas" panose="020B0609020204030204" pitchFamily="49" charset="0"/>
               </a:rPr>
-              <a:t>=</a:t>
-            </a:r>
-            <a:r>
-              <a:rPr lang="fr-FR" sz="1600" dirty="0" smtClean="0">
-                <a:latin typeface="Consolas" panose="020B0609020204030204" pitchFamily="49" charset="0"/>
-              </a:rPr>
-              <a:t>[</a:t>
-            </a:r>
-            <a:r>
-              <a:rPr lang="fr-FR" sz="1600" dirty="0" smtClean="0">
-                <a:latin typeface="Consolas" panose="020B0609020204030204" pitchFamily="49" charset="0"/>
-              </a:rPr>
-              <a:t>1</a:t>
-            </a:r>
-            <a:r>
-              <a:rPr lang="fr-FR" sz="1600" dirty="0" smtClean="0">
-                <a:latin typeface="Consolas" panose="020B0609020204030204" pitchFamily="49" charset="0"/>
-              </a:rPr>
-              <a:t>,6,4,3]</a:t>
+              <a:t>=[1,6,4,3]</a:t>
             </a:r>
             <a:endParaRPr lang="fr-FR" sz="1600" dirty="0">
               <a:latin typeface="Consolas" panose="020B0609020204030204" pitchFamily="49" charset="0"/>
@@ -8296,7 +8112,7 @@
         </p:nvSpPr>
         <p:spPr>
           <a:xfrm>
-            <a:off x="4371138" y="3750403"/>
+            <a:off x="4371138" y="6039319"/>
             <a:ext cx="1980029" cy="338554"/>
           </a:xfrm>
           <a:prstGeom prst="rect">
@@ -8320,13 +8136,7 @@
               <a:rPr lang="fr-FR" sz="1600" dirty="0" smtClean="0">
                 <a:latin typeface="Consolas" panose="020B0609020204030204" pitchFamily="49" charset="0"/>
               </a:rPr>
-              <a:t>=</a:t>
-            </a:r>
-            <a:r>
-              <a:rPr lang="fr-FR" sz="1600" dirty="0" smtClean="0">
-                <a:latin typeface="Consolas" panose="020B0609020204030204" pitchFamily="49" charset="0"/>
-              </a:rPr>
-              <a:t>[2,7,5]</a:t>
+              <a:t>=[2,7,5]</a:t>
             </a:r>
             <a:endParaRPr lang="fr-FR" sz="1600" dirty="0">
               <a:latin typeface="Consolas" panose="020B0609020204030204" pitchFamily="49" charset="0"/>
@@ -8342,7 +8152,7 @@
         </p:nvSpPr>
         <p:spPr>
           <a:xfrm>
-            <a:off x="6344783" y="3753858"/>
+            <a:off x="6344783" y="6042774"/>
             <a:ext cx="1755609" cy="338554"/>
           </a:xfrm>
           <a:prstGeom prst="rect">
@@ -8366,15 +8176,2111 @@
               <a:rPr lang="fr-FR" sz="1600" dirty="0" smtClean="0">
                 <a:latin typeface="Consolas" panose="020B0609020204030204" pitchFamily="49" charset="0"/>
               </a:rPr>
-              <a:t>=</a:t>
+              <a:t>=[3,5]</a:t>
             </a:r>
+            <a:endParaRPr lang="fr-FR" sz="1600" dirty="0">
+              <a:latin typeface="Consolas" panose="020B0609020204030204" pitchFamily="49" charset="0"/>
+            </a:endParaRPr>
+          </a:p>
+        </p:txBody>
+      </p:sp>
+      <p:sp>
+        <p:nvSpPr>
+          <p:cNvPr id="70" name="Rectangle 69"/>
+          <p:cNvSpPr/>
+          <p:nvPr/>
+        </p:nvSpPr>
+        <p:spPr bwMode="auto">
+          <a:xfrm>
+            <a:off x="1889084" y="1736853"/>
+            <a:ext cx="216024" cy="216024"/>
+          </a:xfrm>
+          <a:prstGeom prst="rect">
+            <a:avLst/>
+          </a:prstGeom>
+          <a:solidFill>
+            <a:srgbClr val="C0392B"/>
+          </a:solidFill>
+          <a:ln w="9525" cap="flat" cmpd="sng" algn="ctr">
+            <a:noFill/>
+            <a:prstDash val="solid"/>
+            <a:round/>
+            <a:headEnd type="none" w="med" len="med"/>
+            <a:tailEnd type="none" w="med" len="med"/>
+          </a:ln>
+          <a:effectLst/>
+          <a:extLst>
+            <a:ext uri="{AF507438-7753-43e0-B8FC-AC1667EBCBE1}">
+              <a14:hiddenEffects xmlns="" xmlns:a14="http://schemas.microsoft.com/office/drawing/2010/main">
+                <a:effectLst>
+                  <a:outerShdw blurRad="63500" dist="38099" dir="2700000" algn="ctr" rotWithShape="0">
+                    <a:schemeClr val="bg2">
+                      <a:alpha val="74998"/>
+                    </a:schemeClr>
+                  </a:outerShdw>
+                </a:effectLst>
+              </a14:hiddenEffects>
+            </a:ext>
+          </a:extLst>
+        </p:spPr>
+        <p:txBody>
+          <a:bodyPr vert="horz" wrap="square" lIns="91440" tIns="45720" rIns="91440" bIns="45720" numCol="1" rtlCol="0" anchor="t" anchorCtr="0" compatLnSpc="1">
+            <a:prstTxWarp prst="textNoShape">
+              <a:avLst/>
+            </a:prstTxWarp>
+          </a:bodyPr>
+          <a:lstStyle/>
+          <a:p>
+            <a:pPr marL="0" marR="0" indent="0" algn="l" defTabSz="914400" rtl="0" eaLnBrk="0" fontAlgn="base" latinLnBrk="0" hangingPunct="0">
+              <a:lnSpc>
+                <a:spcPct val="100000"/>
+              </a:lnSpc>
+              <a:spcBef>
+                <a:spcPct val="0"/>
+              </a:spcBef>
+              <a:spcAft>
+                <a:spcPct val="0"/>
+              </a:spcAft>
+              <a:buClrTx/>
+              <a:buSzTx/>
+              <a:buFontTx/>
+              <a:buNone/>
+              <a:tabLst/>
+            </a:pPr>
+            <a:endParaRPr kumimoji="0" lang="fr-FR" sz="2400" b="0" i="0" u="none" strike="noStrike" cap="none" normalizeH="0" baseline="0">
+              <a:ln>
+                <a:noFill/>
+              </a:ln>
+              <a:solidFill>
+                <a:srgbClr val="C00000"/>
+              </a:solidFill>
+              <a:effectLst/>
+              <a:latin typeface="Arial" charset="0"/>
+              <a:ea typeface="ＭＳ Ｐゴシック" charset="0"/>
+              <a:cs typeface="Geneva" charset="0"/>
+            </a:endParaRPr>
+          </a:p>
+        </p:txBody>
+      </p:sp>
+      <p:sp>
+        <p:nvSpPr>
+          <p:cNvPr id="71" name="Rectangle 70"/>
+          <p:cNvSpPr/>
+          <p:nvPr/>
+        </p:nvSpPr>
+        <p:spPr bwMode="auto">
+          <a:xfrm>
+            <a:off x="3707904" y="1736853"/>
+            <a:ext cx="216024" cy="216024"/>
+          </a:xfrm>
+          <a:prstGeom prst="rect">
+            <a:avLst/>
+          </a:prstGeom>
+          <a:solidFill>
+            <a:srgbClr val="27AE60"/>
+          </a:solidFill>
+          <a:ln w="9525" cap="flat" cmpd="sng" algn="ctr">
+            <a:noFill/>
+            <a:prstDash val="solid"/>
+            <a:round/>
+            <a:headEnd type="none" w="med" len="med"/>
+            <a:tailEnd type="none" w="med" len="med"/>
+          </a:ln>
+          <a:effectLst/>
+          <a:extLst>
+            <a:ext uri="{AF507438-7753-43e0-B8FC-AC1667EBCBE1}">
+              <a14:hiddenEffects xmlns="" xmlns:a14="http://schemas.microsoft.com/office/drawing/2010/main">
+                <a:effectLst>
+                  <a:outerShdw blurRad="63500" dist="38099" dir="2700000" algn="ctr" rotWithShape="0">
+                    <a:schemeClr val="bg2">
+                      <a:alpha val="74998"/>
+                    </a:schemeClr>
+                  </a:outerShdw>
+                </a:effectLst>
+              </a14:hiddenEffects>
+            </a:ext>
+          </a:extLst>
+        </p:spPr>
+        <p:txBody>
+          <a:bodyPr vert="horz" wrap="square" lIns="91440" tIns="45720" rIns="91440" bIns="45720" numCol="1" rtlCol="0" anchor="t" anchorCtr="0" compatLnSpc="1">
+            <a:prstTxWarp prst="textNoShape">
+              <a:avLst/>
+            </a:prstTxWarp>
+          </a:bodyPr>
+          <a:lstStyle/>
+          <a:p>
+            <a:pPr marL="0" marR="0" indent="0" algn="l" defTabSz="914400" rtl="0" eaLnBrk="0" fontAlgn="base" latinLnBrk="0" hangingPunct="0">
+              <a:lnSpc>
+                <a:spcPct val="100000"/>
+              </a:lnSpc>
+              <a:spcBef>
+                <a:spcPct val="0"/>
+              </a:spcBef>
+              <a:spcAft>
+                <a:spcPct val="0"/>
+              </a:spcAft>
+              <a:buClrTx/>
+              <a:buSzTx/>
+              <a:buFontTx/>
+              <a:buNone/>
+              <a:tabLst/>
+            </a:pPr>
+            <a:endParaRPr kumimoji="0" lang="fr-FR" sz="2400" b="0" i="0" u="none" strike="noStrike" cap="none" normalizeH="0" baseline="0">
+              <a:ln>
+                <a:noFill/>
+              </a:ln>
+              <a:solidFill>
+                <a:srgbClr val="000000"/>
+              </a:solidFill>
+              <a:effectLst/>
+              <a:latin typeface="Arial" charset="0"/>
+              <a:ea typeface="ＭＳ Ｐゴシック" charset="0"/>
+              <a:cs typeface="Geneva" charset="0"/>
+            </a:endParaRPr>
+          </a:p>
+        </p:txBody>
+      </p:sp>
+      <p:sp>
+        <p:nvSpPr>
+          <p:cNvPr id="72" name="Rectangle 71"/>
+          <p:cNvSpPr/>
+          <p:nvPr/>
+        </p:nvSpPr>
+        <p:spPr bwMode="auto">
+          <a:xfrm>
+            <a:off x="4572000" y="1736853"/>
+            <a:ext cx="216024" cy="216024"/>
+          </a:xfrm>
+          <a:prstGeom prst="rect">
+            <a:avLst/>
+          </a:prstGeom>
+          <a:solidFill>
+            <a:srgbClr val="8E44AD"/>
+          </a:solidFill>
+          <a:ln w="9525" cap="flat" cmpd="sng" algn="ctr">
+            <a:noFill/>
+            <a:prstDash val="solid"/>
+            <a:round/>
+            <a:headEnd type="none" w="med" len="med"/>
+            <a:tailEnd type="none" w="med" len="med"/>
+          </a:ln>
+          <a:effectLst/>
+          <a:extLst>
+            <a:ext uri="{AF507438-7753-43e0-B8FC-AC1667EBCBE1}">
+              <a14:hiddenEffects xmlns="" xmlns:a14="http://schemas.microsoft.com/office/drawing/2010/main">
+                <a:effectLst>
+                  <a:outerShdw blurRad="63500" dist="38099" dir="2700000" algn="ctr" rotWithShape="0">
+                    <a:schemeClr val="bg2">
+                      <a:alpha val="74998"/>
+                    </a:schemeClr>
+                  </a:outerShdw>
+                </a:effectLst>
+              </a14:hiddenEffects>
+            </a:ext>
+          </a:extLst>
+        </p:spPr>
+        <p:txBody>
+          <a:bodyPr vert="horz" wrap="square" lIns="91440" tIns="45720" rIns="91440" bIns="45720" numCol="1" rtlCol="0" anchor="t" anchorCtr="0" compatLnSpc="1">
+            <a:prstTxWarp prst="textNoShape">
+              <a:avLst/>
+            </a:prstTxWarp>
+          </a:bodyPr>
+          <a:lstStyle/>
+          <a:p>
+            <a:pPr marL="0" marR="0" indent="0" algn="l" defTabSz="914400" rtl="0" eaLnBrk="0" fontAlgn="base" latinLnBrk="0" hangingPunct="0">
+              <a:lnSpc>
+                <a:spcPct val="100000"/>
+              </a:lnSpc>
+              <a:spcBef>
+                <a:spcPct val="0"/>
+              </a:spcBef>
+              <a:spcAft>
+                <a:spcPct val="0"/>
+              </a:spcAft>
+              <a:buClrTx/>
+              <a:buSzTx/>
+              <a:buFontTx/>
+              <a:buNone/>
+              <a:tabLst/>
+            </a:pPr>
+            <a:endParaRPr kumimoji="0" lang="fr-FR" sz="2400" b="0" i="0" u="none" strike="noStrike" cap="none" normalizeH="0" baseline="0">
+              <a:ln>
+                <a:noFill/>
+              </a:ln>
+              <a:solidFill>
+                <a:srgbClr val="000000"/>
+              </a:solidFill>
+              <a:effectLst/>
+              <a:latin typeface="Arial" charset="0"/>
+              <a:ea typeface="ＭＳ Ｐゴシック" charset="0"/>
+              <a:cs typeface="Geneva" charset="0"/>
+            </a:endParaRPr>
+          </a:p>
+        </p:txBody>
+      </p:sp>
+      <p:sp>
+        <p:nvSpPr>
+          <p:cNvPr id="73" name="Rectangle 72"/>
+          <p:cNvSpPr/>
+          <p:nvPr/>
+        </p:nvSpPr>
+        <p:spPr bwMode="auto">
+          <a:xfrm>
+            <a:off x="3275856" y="1736853"/>
+            <a:ext cx="216024" cy="216024"/>
+          </a:xfrm>
+          <a:prstGeom prst="rect">
+            <a:avLst/>
+          </a:prstGeom>
+          <a:noFill/>
+          <a:ln w="19050" cap="flat" cmpd="sng" algn="ctr">
+            <a:solidFill>
+              <a:srgbClr val="F1C40F"/>
+            </a:solidFill>
+            <a:prstDash val="solid"/>
+            <a:round/>
+            <a:headEnd type="none" w="med" len="med"/>
+            <a:tailEnd type="none" w="med" len="med"/>
+          </a:ln>
+          <a:effectLst/>
+          <a:extLst>
+            <a:ext uri="{AF507438-7753-43e0-B8FC-AC1667EBCBE1}">
+              <a14:hiddenEffects xmlns="" xmlns:a14="http://schemas.microsoft.com/office/drawing/2010/main">
+                <a:effectLst>
+                  <a:outerShdw blurRad="63500" dist="38099" dir="2700000" algn="ctr" rotWithShape="0">
+                    <a:schemeClr val="bg2">
+                      <a:alpha val="74998"/>
+                    </a:schemeClr>
+                  </a:outerShdw>
+                </a:effectLst>
+              </a14:hiddenEffects>
+            </a:ext>
+          </a:extLst>
+        </p:spPr>
+        <p:txBody>
+          <a:bodyPr vert="horz" wrap="square" lIns="91440" tIns="45720" rIns="91440" bIns="45720" numCol="1" rtlCol="0" anchor="t" anchorCtr="0" compatLnSpc="1">
+            <a:prstTxWarp prst="textNoShape">
+              <a:avLst/>
+            </a:prstTxWarp>
+          </a:bodyPr>
+          <a:lstStyle/>
+          <a:p>
+            <a:pPr marL="0" marR="0" indent="0" algn="l" defTabSz="914400" rtl="0" eaLnBrk="0" fontAlgn="base" latinLnBrk="0" hangingPunct="0">
+              <a:lnSpc>
+                <a:spcPct val="100000"/>
+              </a:lnSpc>
+              <a:spcBef>
+                <a:spcPct val="0"/>
+              </a:spcBef>
+              <a:spcAft>
+                <a:spcPct val="0"/>
+              </a:spcAft>
+              <a:buClrTx/>
+              <a:buSzTx/>
+              <a:buFontTx/>
+              <a:buNone/>
+              <a:tabLst/>
+            </a:pPr>
+            <a:endParaRPr kumimoji="0" lang="fr-FR" sz="2400" b="0" i="0" u="none" strike="noStrike" cap="none" normalizeH="0" baseline="0">
+              <a:ln>
+                <a:noFill/>
+              </a:ln>
+              <a:solidFill>
+                <a:srgbClr val="000000"/>
+              </a:solidFill>
+              <a:effectLst/>
+              <a:latin typeface="Arial" charset="0"/>
+              <a:ea typeface="ＭＳ Ｐゴシック" charset="0"/>
+              <a:cs typeface="Geneva" charset="0"/>
+            </a:endParaRPr>
+          </a:p>
+        </p:txBody>
+      </p:sp>
+      <p:sp>
+        <p:nvSpPr>
+          <p:cNvPr id="74" name="Ellipse 73"/>
+          <p:cNvSpPr/>
+          <p:nvPr/>
+        </p:nvSpPr>
+        <p:spPr bwMode="auto">
+          <a:xfrm>
+            <a:off x="4139952" y="1736853"/>
+            <a:ext cx="216024" cy="216024"/>
+          </a:xfrm>
+          <a:prstGeom prst="ellipse">
+            <a:avLst/>
+          </a:prstGeom>
+          <a:noFill/>
+          <a:ln w="19050" cap="flat" cmpd="sng" algn="ctr">
+            <a:solidFill>
+              <a:srgbClr val="3498DB"/>
+            </a:solidFill>
+            <a:prstDash val="solid"/>
+            <a:round/>
+            <a:headEnd type="none" w="med" len="med"/>
+            <a:tailEnd type="none" w="med" len="med"/>
+          </a:ln>
+          <a:effectLst/>
+          <a:extLst>
+            <a:ext uri="{AF507438-7753-43e0-B8FC-AC1667EBCBE1}">
+              <a14:hiddenEffects xmlns="" xmlns:a14="http://schemas.microsoft.com/office/drawing/2010/main">
+                <a:effectLst>
+                  <a:outerShdw blurRad="63500" dist="38099" dir="2700000" algn="ctr" rotWithShape="0">
+                    <a:schemeClr val="bg2">
+                      <a:alpha val="74998"/>
+                    </a:schemeClr>
+                  </a:outerShdw>
+                </a:effectLst>
+              </a14:hiddenEffects>
+            </a:ext>
+          </a:extLst>
+        </p:spPr>
+        <p:txBody>
+          <a:bodyPr vert="horz" wrap="square" lIns="91440" tIns="45720" rIns="91440" bIns="45720" numCol="1" rtlCol="0" anchor="t" anchorCtr="0" compatLnSpc="1">
+            <a:prstTxWarp prst="textNoShape">
+              <a:avLst/>
+            </a:prstTxWarp>
+          </a:bodyPr>
+          <a:lstStyle/>
+          <a:p>
+            <a:pPr marL="0" marR="0" indent="0" algn="l" defTabSz="914400" rtl="0" eaLnBrk="0" fontAlgn="base" latinLnBrk="0" hangingPunct="0">
+              <a:lnSpc>
+                <a:spcPct val="100000"/>
+              </a:lnSpc>
+              <a:spcBef>
+                <a:spcPct val="0"/>
+              </a:spcBef>
+              <a:spcAft>
+                <a:spcPct val="0"/>
+              </a:spcAft>
+              <a:buClrTx/>
+              <a:buSzTx/>
+              <a:buFontTx/>
+              <a:buNone/>
+              <a:tabLst/>
+            </a:pPr>
+            <a:endParaRPr kumimoji="0" lang="fr-FR" sz="2400" b="0" i="0" u="none" strike="noStrike" cap="none" normalizeH="0" baseline="0">
+              <a:ln>
+                <a:noFill/>
+              </a:ln>
+              <a:solidFill>
+                <a:srgbClr val="000000"/>
+              </a:solidFill>
+              <a:effectLst/>
+              <a:latin typeface="Arial" charset="0"/>
+              <a:ea typeface="ＭＳ Ｐゴシック" charset="0"/>
+              <a:cs typeface="Geneva" charset="0"/>
+            </a:endParaRPr>
+          </a:p>
+        </p:txBody>
+      </p:sp>
+      <p:sp>
+        <p:nvSpPr>
+          <p:cNvPr id="75" name="Ellipse 74"/>
+          <p:cNvSpPr/>
+          <p:nvPr/>
+        </p:nvSpPr>
+        <p:spPr bwMode="auto">
+          <a:xfrm>
+            <a:off x="5004048" y="1736853"/>
+            <a:ext cx="216024" cy="216024"/>
+          </a:xfrm>
+          <a:prstGeom prst="ellipse">
+            <a:avLst/>
+          </a:prstGeom>
+          <a:solidFill>
+            <a:srgbClr val="343E50"/>
+          </a:solidFill>
+          <a:ln w="9525" cap="flat" cmpd="sng" algn="ctr">
+            <a:noFill/>
+            <a:prstDash val="solid"/>
+            <a:round/>
+            <a:headEnd type="none" w="med" len="med"/>
+            <a:tailEnd type="none" w="med" len="med"/>
+          </a:ln>
+          <a:effectLst/>
+          <a:extLst>
+            <a:ext uri="{AF507438-7753-43e0-B8FC-AC1667EBCBE1}">
+              <a14:hiddenEffects xmlns="" xmlns:a14="http://schemas.microsoft.com/office/drawing/2010/main">
+                <a:effectLst>
+                  <a:outerShdw blurRad="63500" dist="38099" dir="2700000" algn="ctr" rotWithShape="0">
+                    <a:schemeClr val="bg2">
+                      <a:alpha val="74998"/>
+                    </a:schemeClr>
+                  </a:outerShdw>
+                </a:effectLst>
+              </a14:hiddenEffects>
+            </a:ext>
+          </a:extLst>
+        </p:spPr>
+        <p:txBody>
+          <a:bodyPr vert="horz" wrap="square" lIns="91440" tIns="45720" rIns="91440" bIns="45720" numCol="1" rtlCol="0" anchor="t" anchorCtr="0" compatLnSpc="1">
+            <a:prstTxWarp prst="textNoShape">
+              <a:avLst/>
+            </a:prstTxWarp>
+          </a:bodyPr>
+          <a:lstStyle/>
+          <a:p>
+            <a:pPr marL="0" marR="0" indent="0" algn="l" defTabSz="914400" rtl="0" eaLnBrk="0" fontAlgn="base" latinLnBrk="0" hangingPunct="0">
+              <a:lnSpc>
+                <a:spcPct val="100000"/>
+              </a:lnSpc>
+              <a:spcBef>
+                <a:spcPct val="0"/>
+              </a:spcBef>
+              <a:spcAft>
+                <a:spcPct val="0"/>
+              </a:spcAft>
+              <a:buClrTx/>
+              <a:buSzTx/>
+              <a:buFontTx/>
+              <a:buNone/>
+              <a:tabLst/>
+            </a:pPr>
+            <a:endParaRPr kumimoji="0" lang="fr-FR" sz="2400" b="0" i="0" u="none" strike="noStrike" cap="none" normalizeH="0" baseline="0">
+              <a:ln>
+                <a:noFill/>
+              </a:ln>
+              <a:solidFill>
+                <a:srgbClr val="000000"/>
+              </a:solidFill>
+              <a:effectLst/>
+              <a:latin typeface="Arial" charset="0"/>
+              <a:ea typeface="ＭＳ Ｐゴシック" charset="0"/>
+              <a:cs typeface="Geneva" charset="0"/>
+            </a:endParaRPr>
+          </a:p>
+        </p:txBody>
+      </p:sp>
+      <p:sp>
+        <p:nvSpPr>
+          <p:cNvPr id="76" name="Ellipse 75"/>
+          <p:cNvSpPr/>
+          <p:nvPr/>
+        </p:nvSpPr>
+        <p:spPr bwMode="auto">
+          <a:xfrm>
+            <a:off x="2290109" y="1736853"/>
+            <a:ext cx="216024" cy="216024"/>
+          </a:xfrm>
+          <a:prstGeom prst="ellipse">
+            <a:avLst/>
+          </a:prstGeom>
+          <a:solidFill>
+            <a:srgbClr val="E67E22"/>
+          </a:solidFill>
+          <a:ln w="9525" cap="flat" cmpd="sng" algn="ctr">
+            <a:noFill/>
+            <a:prstDash val="solid"/>
+            <a:round/>
+            <a:headEnd type="none" w="med" len="med"/>
+            <a:tailEnd type="none" w="med" len="med"/>
+          </a:ln>
+          <a:effectLst/>
+          <a:extLst>
+            <a:ext uri="{AF507438-7753-43e0-B8FC-AC1667EBCBE1}">
+              <a14:hiddenEffects xmlns="" xmlns:a14="http://schemas.microsoft.com/office/drawing/2010/main">
+                <a:effectLst>
+                  <a:outerShdw blurRad="63500" dist="38099" dir="2700000" algn="ctr" rotWithShape="0">
+                    <a:schemeClr val="bg2">
+                      <a:alpha val="74998"/>
+                    </a:schemeClr>
+                  </a:outerShdw>
+                </a:effectLst>
+              </a14:hiddenEffects>
+            </a:ext>
+          </a:extLst>
+        </p:spPr>
+        <p:txBody>
+          <a:bodyPr vert="horz" wrap="square" lIns="91440" tIns="45720" rIns="91440" bIns="45720" numCol="1" rtlCol="0" anchor="t" anchorCtr="0" compatLnSpc="1">
+            <a:prstTxWarp prst="textNoShape">
+              <a:avLst/>
+            </a:prstTxWarp>
+          </a:bodyPr>
+          <a:lstStyle/>
+          <a:p>
+            <a:pPr marL="0" marR="0" indent="0" algn="l" defTabSz="914400" rtl="0" eaLnBrk="0" fontAlgn="base" latinLnBrk="0" hangingPunct="0">
+              <a:lnSpc>
+                <a:spcPct val="100000"/>
+              </a:lnSpc>
+              <a:spcBef>
+                <a:spcPct val="0"/>
+              </a:spcBef>
+              <a:spcAft>
+                <a:spcPct val="0"/>
+              </a:spcAft>
+              <a:buClrTx/>
+              <a:buSzTx/>
+              <a:buFontTx/>
+              <a:buNone/>
+              <a:tabLst/>
+            </a:pPr>
+            <a:endParaRPr kumimoji="0" lang="fr-FR" sz="2400" b="0" i="0" u="none" strike="noStrike" cap="none" normalizeH="0" baseline="0">
+              <a:ln>
+                <a:noFill/>
+              </a:ln>
+              <a:solidFill>
+                <a:srgbClr val="000000"/>
+              </a:solidFill>
+              <a:effectLst/>
+              <a:latin typeface="Arial" charset="0"/>
+              <a:ea typeface="ＭＳ Ｐゴシック" charset="0"/>
+              <a:cs typeface="Geneva" charset="0"/>
+            </a:endParaRPr>
+          </a:p>
+        </p:txBody>
+      </p:sp>
+      <p:cxnSp>
+        <p:nvCxnSpPr>
+          <p:cNvPr id="77" name="Connecteur droit 76"/>
+          <p:cNvCxnSpPr/>
+          <p:nvPr/>
+        </p:nvCxnSpPr>
+        <p:spPr>
+          <a:xfrm>
+            <a:off x="2746979" y="1628800"/>
+            <a:ext cx="0" cy="432048"/>
+          </a:xfrm>
+          <a:prstGeom prst="line">
+            <a:avLst/>
+          </a:prstGeom>
+          <a:ln>
+            <a:solidFill>
+              <a:srgbClr val="95A5A6"/>
+            </a:solidFill>
+            <a:prstDash val="sysDash"/>
+          </a:ln>
+        </p:spPr>
+        <p:style>
+          <a:lnRef idx="1">
+            <a:schemeClr val="accent1"/>
+          </a:lnRef>
+          <a:fillRef idx="0">
+            <a:schemeClr val="accent1"/>
+          </a:fillRef>
+          <a:effectRef idx="0">
+            <a:schemeClr val="accent1"/>
+          </a:effectRef>
+          <a:fontRef idx="minor">
+            <a:schemeClr val="tx1"/>
+          </a:fontRef>
+        </p:style>
+      </p:cxnSp>
+      <p:cxnSp>
+        <p:nvCxnSpPr>
+          <p:cNvPr id="78" name="Connecteur droit 77"/>
+          <p:cNvCxnSpPr/>
+          <p:nvPr/>
+        </p:nvCxnSpPr>
+        <p:spPr>
+          <a:xfrm>
+            <a:off x="2987824" y="1628800"/>
+            <a:ext cx="0" cy="432048"/>
+          </a:xfrm>
+          <a:prstGeom prst="line">
+            <a:avLst/>
+          </a:prstGeom>
+          <a:ln>
+            <a:solidFill>
+              <a:srgbClr val="95A5A6"/>
+            </a:solidFill>
+            <a:prstDash val="sysDash"/>
+          </a:ln>
+        </p:spPr>
+        <p:style>
+          <a:lnRef idx="1">
+            <a:schemeClr val="accent1"/>
+          </a:lnRef>
+          <a:fillRef idx="0">
+            <a:schemeClr val="accent1"/>
+          </a:fillRef>
+          <a:effectRef idx="0">
+            <a:schemeClr val="accent1"/>
+          </a:effectRef>
+          <a:fontRef idx="minor">
+            <a:schemeClr val="tx1"/>
+          </a:fontRef>
+        </p:style>
+      </p:cxnSp>
+      <p:sp>
+        <p:nvSpPr>
+          <p:cNvPr id="79" name="Rectangle 78"/>
+          <p:cNvSpPr/>
+          <p:nvPr/>
+        </p:nvSpPr>
+        <p:spPr bwMode="auto">
+          <a:xfrm>
+            <a:off x="2104849" y="2996952"/>
+            <a:ext cx="216024" cy="216024"/>
+          </a:xfrm>
+          <a:prstGeom prst="rect">
+            <a:avLst/>
+          </a:prstGeom>
+          <a:solidFill>
+            <a:srgbClr val="C0392B"/>
+          </a:solidFill>
+          <a:ln w="9525" cap="flat" cmpd="sng" algn="ctr">
+            <a:noFill/>
+            <a:prstDash val="solid"/>
+            <a:round/>
+            <a:headEnd type="none" w="med" len="med"/>
+            <a:tailEnd type="none" w="med" len="med"/>
+          </a:ln>
+          <a:effectLst/>
+          <a:extLst>
+            <a:ext uri="{AF507438-7753-43e0-B8FC-AC1667EBCBE1}">
+              <a14:hiddenEffects xmlns="" xmlns:a14="http://schemas.microsoft.com/office/drawing/2010/main">
+                <a:effectLst>
+                  <a:outerShdw blurRad="63500" dist="38099" dir="2700000" algn="ctr" rotWithShape="0">
+                    <a:schemeClr val="bg2">
+                      <a:alpha val="74998"/>
+                    </a:schemeClr>
+                  </a:outerShdw>
+                </a:effectLst>
+              </a14:hiddenEffects>
+            </a:ext>
+          </a:extLst>
+        </p:spPr>
+        <p:txBody>
+          <a:bodyPr vert="horz" wrap="square" lIns="91440" tIns="45720" rIns="91440" bIns="45720" numCol="1" rtlCol="0" anchor="t" anchorCtr="0" compatLnSpc="1">
+            <a:prstTxWarp prst="textNoShape">
+              <a:avLst/>
+            </a:prstTxWarp>
+          </a:bodyPr>
+          <a:lstStyle/>
+          <a:p>
+            <a:pPr marL="0" marR="0" indent="0" algn="l" defTabSz="914400" rtl="0" eaLnBrk="0" fontAlgn="base" latinLnBrk="0" hangingPunct="0">
+              <a:lnSpc>
+                <a:spcPct val="100000"/>
+              </a:lnSpc>
+              <a:spcBef>
+                <a:spcPct val="0"/>
+              </a:spcBef>
+              <a:spcAft>
+                <a:spcPct val="0"/>
+              </a:spcAft>
+              <a:buClrTx/>
+              <a:buSzTx/>
+              <a:buFontTx/>
+              <a:buNone/>
+              <a:tabLst/>
+            </a:pPr>
+            <a:endParaRPr kumimoji="0" lang="fr-FR" sz="2400" b="0" i="0" u="none" strike="noStrike" cap="none" normalizeH="0" baseline="0">
+              <a:ln>
+                <a:noFill/>
+              </a:ln>
+              <a:solidFill>
+                <a:srgbClr val="C00000"/>
+              </a:solidFill>
+              <a:effectLst/>
+              <a:latin typeface="Arial" charset="0"/>
+              <a:ea typeface="ＭＳ Ｐゴシック" charset="0"/>
+              <a:cs typeface="Geneva" charset="0"/>
+            </a:endParaRPr>
+          </a:p>
+        </p:txBody>
+      </p:sp>
+      <p:sp>
+        <p:nvSpPr>
+          <p:cNvPr id="80" name="Rectangle 79"/>
+          <p:cNvSpPr/>
+          <p:nvPr/>
+        </p:nvSpPr>
+        <p:spPr bwMode="auto">
+          <a:xfrm>
+            <a:off x="2926157" y="2996952"/>
+            <a:ext cx="216024" cy="216024"/>
+          </a:xfrm>
+          <a:prstGeom prst="rect">
+            <a:avLst/>
+          </a:prstGeom>
+          <a:solidFill>
+            <a:srgbClr val="27AE60"/>
+          </a:solidFill>
+          <a:ln w="9525" cap="flat" cmpd="sng" algn="ctr">
+            <a:noFill/>
+            <a:prstDash val="solid"/>
+            <a:round/>
+            <a:headEnd type="none" w="med" len="med"/>
+            <a:tailEnd type="none" w="med" len="med"/>
+          </a:ln>
+          <a:effectLst/>
+          <a:extLst>
+            <a:ext uri="{AF507438-7753-43e0-B8FC-AC1667EBCBE1}">
+              <a14:hiddenEffects xmlns="" xmlns:a14="http://schemas.microsoft.com/office/drawing/2010/main">
+                <a:effectLst>
+                  <a:outerShdw blurRad="63500" dist="38099" dir="2700000" algn="ctr" rotWithShape="0">
+                    <a:schemeClr val="bg2">
+                      <a:alpha val="74998"/>
+                    </a:schemeClr>
+                  </a:outerShdw>
+                </a:effectLst>
+              </a14:hiddenEffects>
+            </a:ext>
+          </a:extLst>
+        </p:spPr>
+        <p:txBody>
+          <a:bodyPr vert="horz" wrap="square" lIns="91440" tIns="45720" rIns="91440" bIns="45720" numCol="1" rtlCol="0" anchor="t" anchorCtr="0" compatLnSpc="1">
+            <a:prstTxWarp prst="textNoShape">
+              <a:avLst/>
+            </a:prstTxWarp>
+          </a:bodyPr>
+          <a:lstStyle/>
+          <a:p>
+            <a:pPr marL="0" marR="0" indent="0" algn="l" defTabSz="914400" rtl="0" eaLnBrk="0" fontAlgn="base" latinLnBrk="0" hangingPunct="0">
+              <a:lnSpc>
+                <a:spcPct val="100000"/>
+              </a:lnSpc>
+              <a:spcBef>
+                <a:spcPct val="0"/>
+              </a:spcBef>
+              <a:spcAft>
+                <a:spcPct val="0"/>
+              </a:spcAft>
+              <a:buClrTx/>
+              <a:buSzTx/>
+              <a:buFontTx/>
+              <a:buNone/>
+              <a:tabLst/>
+            </a:pPr>
+            <a:endParaRPr kumimoji="0" lang="fr-FR" sz="2400" b="0" i="0" u="none" strike="noStrike" cap="none" normalizeH="0" baseline="0">
+              <a:ln>
+                <a:noFill/>
+              </a:ln>
+              <a:solidFill>
+                <a:srgbClr val="000000"/>
+              </a:solidFill>
+              <a:effectLst/>
+              <a:latin typeface="Arial" charset="0"/>
+              <a:ea typeface="ＭＳ Ｐゴシック" charset="0"/>
+              <a:cs typeface="Geneva" charset="0"/>
+            </a:endParaRPr>
+          </a:p>
+        </p:txBody>
+      </p:sp>
+      <p:sp>
+        <p:nvSpPr>
+          <p:cNvPr id="81" name="Rectangle 80"/>
+          <p:cNvSpPr/>
+          <p:nvPr/>
+        </p:nvSpPr>
+        <p:spPr bwMode="auto">
+          <a:xfrm>
+            <a:off x="2515503" y="2996952"/>
+            <a:ext cx="216024" cy="216024"/>
+          </a:xfrm>
+          <a:prstGeom prst="rect">
+            <a:avLst/>
+          </a:prstGeom>
+          <a:solidFill>
+            <a:srgbClr val="8E44AD"/>
+          </a:solidFill>
+          <a:ln w="9525" cap="flat" cmpd="sng" algn="ctr">
+            <a:noFill/>
+            <a:prstDash val="solid"/>
+            <a:round/>
+            <a:headEnd type="none" w="med" len="med"/>
+            <a:tailEnd type="none" w="med" len="med"/>
+          </a:ln>
+          <a:effectLst/>
+          <a:extLst>
+            <a:ext uri="{AF507438-7753-43e0-B8FC-AC1667EBCBE1}">
+              <a14:hiddenEffects xmlns="" xmlns:a14="http://schemas.microsoft.com/office/drawing/2010/main">
+                <a:effectLst>
+                  <a:outerShdw blurRad="63500" dist="38099" dir="2700000" algn="ctr" rotWithShape="0">
+                    <a:schemeClr val="bg2">
+                      <a:alpha val="74998"/>
+                    </a:schemeClr>
+                  </a:outerShdw>
+                </a:effectLst>
+              </a14:hiddenEffects>
+            </a:ext>
+          </a:extLst>
+        </p:spPr>
+        <p:txBody>
+          <a:bodyPr vert="horz" wrap="square" lIns="91440" tIns="45720" rIns="91440" bIns="45720" numCol="1" rtlCol="0" anchor="t" anchorCtr="0" compatLnSpc="1">
+            <a:prstTxWarp prst="textNoShape">
+              <a:avLst/>
+            </a:prstTxWarp>
+          </a:bodyPr>
+          <a:lstStyle/>
+          <a:p>
+            <a:pPr marL="0" marR="0" indent="0" algn="l" defTabSz="914400" rtl="0" eaLnBrk="0" fontAlgn="base" latinLnBrk="0" hangingPunct="0">
+              <a:lnSpc>
+                <a:spcPct val="100000"/>
+              </a:lnSpc>
+              <a:spcBef>
+                <a:spcPct val="0"/>
+              </a:spcBef>
+              <a:spcAft>
+                <a:spcPct val="0"/>
+              </a:spcAft>
+              <a:buClrTx/>
+              <a:buSzTx/>
+              <a:buFontTx/>
+              <a:buNone/>
+              <a:tabLst/>
+            </a:pPr>
+            <a:endParaRPr kumimoji="0" lang="fr-FR" sz="2400" b="0" i="0" u="none" strike="noStrike" cap="none" normalizeH="0" baseline="0">
+              <a:ln>
+                <a:noFill/>
+              </a:ln>
+              <a:solidFill>
+                <a:srgbClr val="000000"/>
+              </a:solidFill>
+              <a:effectLst/>
+              <a:latin typeface="Arial" charset="0"/>
+              <a:ea typeface="ＭＳ Ｐゴシック" charset="0"/>
+              <a:cs typeface="Geneva" charset="0"/>
+            </a:endParaRPr>
+          </a:p>
+        </p:txBody>
+      </p:sp>
+      <p:sp>
+        <p:nvSpPr>
+          <p:cNvPr id="82" name="Rectangle 81"/>
+          <p:cNvSpPr/>
+          <p:nvPr/>
+        </p:nvSpPr>
+        <p:spPr bwMode="auto">
+          <a:xfrm>
+            <a:off x="3336810" y="2996952"/>
+            <a:ext cx="216024" cy="216024"/>
+          </a:xfrm>
+          <a:prstGeom prst="rect">
+            <a:avLst/>
+          </a:prstGeom>
+          <a:noFill/>
+          <a:ln w="19050" cap="flat" cmpd="sng" algn="ctr">
+            <a:solidFill>
+              <a:srgbClr val="F1C40F"/>
+            </a:solidFill>
+            <a:prstDash val="solid"/>
+            <a:round/>
+            <a:headEnd type="none" w="med" len="med"/>
+            <a:tailEnd type="none" w="med" len="med"/>
+          </a:ln>
+          <a:effectLst/>
+          <a:extLst>
+            <a:ext uri="{AF507438-7753-43e0-B8FC-AC1667EBCBE1}">
+              <a14:hiddenEffects xmlns="" xmlns:a14="http://schemas.microsoft.com/office/drawing/2010/main">
+                <a:effectLst>
+                  <a:outerShdw blurRad="63500" dist="38099" dir="2700000" algn="ctr" rotWithShape="0">
+                    <a:schemeClr val="bg2">
+                      <a:alpha val="74998"/>
+                    </a:schemeClr>
+                  </a:outerShdw>
+                </a:effectLst>
+              </a14:hiddenEffects>
+            </a:ext>
+          </a:extLst>
+        </p:spPr>
+        <p:txBody>
+          <a:bodyPr vert="horz" wrap="square" lIns="91440" tIns="45720" rIns="91440" bIns="45720" numCol="1" rtlCol="0" anchor="t" anchorCtr="0" compatLnSpc="1">
+            <a:prstTxWarp prst="textNoShape">
+              <a:avLst/>
+            </a:prstTxWarp>
+          </a:bodyPr>
+          <a:lstStyle/>
+          <a:p>
+            <a:pPr marL="0" marR="0" indent="0" algn="l" defTabSz="914400" rtl="0" eaLnBrk="0" fontAlgn="base" latinLnBrk="0" hangingPunct="0">
+              <a:lnSpc>
+                <a:spcPct val="100000"/>
+              </a:lnSpc>
+              <a:spcBef>
+                <a:spcPct val="0"/>
+              </a:spcBef>
+              <a:spcAft>
+                <a:spcPct val="0"/>
+              </a:spcAft>
+              <a:buClrTx/>
+              <a:buSzTx/>
+              <a:buFontTx/>
+              <a:buNone/>
+              <a:tabLst/>
+            </a:pPr>
+            <a:endParaRPr kumimoji="0" lang="fr-FR" sz="2400" b="0" i="0" u="none" strike="noStrike" cap="none" normalizeH="0" baseline="0">
+              <a:ln>
+                <a:noFill/>
+              </a:ln>
+              <a:solidFill>
+                <a:srgbClr val="000000"/>
+              </a:solidFill>
+              <a:effectLst/>
+              <a:latin typeface="Arial" charset="0"/>
+              <a:ea typeface="ＭＳ Ｐゴシック" charset="0"/>
+              <a:cs typeface="Geneva" charset="0"/>
+            </a:endParaRPr>
+          </a:p>
+        </p:txBody>
+      </p:sp>
+      <p:sp>
+        <p:nvSpPr>
+          <p:cNvPr id="83" name="Ellipse 82"/>
+          <p:cNvSpPr/>
+          <p:nvPr/>
+        </p:nvSpPr>
+        <p:spPr bwMode="auto">
+          <a:xfrm>
+            <a:off x="4871948" y="2996952"/>
+            <a:ext cx="216024" cy="216024"/>
+          </a:xfrm>
+          <a:prstGeom prst="ellipse">
+            <a:avLst/>
+          </a:prstGeom>
+          <a:noFill/>
+          <a:ln w="19050" cap="flat" cmpd="sng" algn="ctr">
+            <a:solidFill>
+              <a:srgbClr val="3498DB"/>
+            </a:solidFill>
+            <a:prstDash val="solid"/>
+            <a:round/>
+            <a:headEnd type="none" w="med" len="med"/>
+            <a:tailEnd type="none" w="med" len="med"/>
+          </a:ln>
+          <a:effectLst/>
+          <a:extLst>
+            <a:ext uri="{AF507438-7753-43e0-B8FC-AC1667EBCBE1}">
+              <a14:hiddenEffects xmlns="" xmlns:a14="http://schemas.microsoft.com/office/drawing/2010/main">
+                <a:effectLst>
+                  <a:outerShdw blurRad="63500" dist="38099" dir="2700000" algn="ctr" rotWithShape="0">
+                    <a:schemeClr val="bg2">
+                      <a:alpha val="74998"/>
+                    </a:schemeClr>
+                  </a:outerShdw>
+                </a:effectLst>
+              </a14:hiddenEffects>
+            </a:ext>
+          </a:extLst>
+        </p:spPr>
+        <p:txBody>
+          <a:bodyPr vert="horz" wrap="square" lIns="91440" tIns="45720" rIns="91440" bIns="45720" numCol="1" rtlCol="0" anchor="t" anchorCtr="0" compatLnSpc="1">
+            <a:prstTxWarp prst="textNoShape">
+              <a:avLst/>
+            </a:prstTxWarp>
+          </a:bodyPr>
+          <a:lstStyle/>
+          <a:p>
+            <a:pPr marL="0" marR="0" indent="0" algn="l" defTabSz="914400" rtl="0" eaLnBrk="0" fontAlgn="base" latinLnBrk="0" hangingPunct="0">
+              <a:lnSpc>
+                <a:spcPct val="100000"/>
+              </a:lnSpc>
+              <a:spcBef>
+                <a:spcPct val="0"/>
+              </a:spcBef>
+              <a:spcAft>
+                <a:spcPct val="0"/>
+              </a:spcAft>
+              <a:buClrTx/>
+              <a:buSzTx/>
+              <a:buFontTx/>
+              <a:buNone/>
+              <a:tabLst/>
+            </a:pPr>
+            <a:endParaRPr kumimoji="0" lang="fr-FR" sz="2400" b="0" i="0" u="none" strike="noStrike" cap="none" normalizeH="0" baseline="0">
+              <a:ln>
+                <a:noFill/>
+              </a:ln>
+              <a:solidFill>
+                <a:srgbClr val="000000"/>
+              </a:solidFill>
+              <a:effectLst/>
+              <a:latin typeface="Arial" charset="0"/>
+              <a:ea typeface="ＭＳ Ｐゴシック" charset="0"/>
+              <a:cs typeface="Geneva" charset="0"/>
+            </a:endParaRPr>
+          </a:p>
+        </p:txBody>
+      </p:sp>
+      <p:sp>
+        <p:nvSpPr>
+          <p:cNvPr id="84" name="Ellipse 83"/>
+          <p:cNvSpPr/>
+          <p:nvPr/>
+        </p:nvSpPr>
+        <p:spPr bwMode="auto">
+          <a:xfrm>
+            <a:off x="4509640" y="2996952"/>
+            <a:ext cx="216024" cy="216024"/>
+          </a:xfrm>
+          <a:prstGeom prst="ellipse">
+            <a:avLst/>
+          </a:prstGeom>
+          <a:solidFill>
+            <a:srgbClr val="343E50"/>
+          </a:solidFill>
+          <a:ln w="9525" cap="flat" cmpd="sng" algn="ctr">
+            <a:noFill/>
+            <a:prstDash val="solid"/>
+            <a:round/>
+            <a:headEnd type="none" w="med" len="med"/>
+            <a:tailEnd type="none" w="med" len="med"/>
+          </a:ln>
+          <a:effectLst/>
+          <a:extLst>
+            <a:ext uri="{AF507438-7753-43e0-B8FC-AC1667EBCBE1}">
+              <a14:hiddenEffects xmlns="" xmlns:a14="http://schemas.microsoft.com/office/drawing/2010/main">
+                <a:effectLst>
+                  <a:outerShdw blurRad="63500" dist="38099" dir="2700000" algn="ctr" rotWithShape="0">
+                    <a:schemeClr val="bg2">
+                      <a:alpha val="74998"/>
+                    </a:schemeClr>
+                  </a:outerShdw>
+                </a:effectLst>
+              </a14:hiddenEffects>
+            </a:ext>
+          </a:extLst>
+        </p:spPr>
+        <p:txBody>
+          <a:bodyPr vert="horz" wrap="square" lIns="91440" tIns="45720" rIns="91440" bIns="45720" numCol="1" rtlCol="0" anchor="t" anchorCtr="0" compatLnSpc="1">
+            <a:prstTxWarp prst="textNoShape">
+              <a:avLst/>
+            </a:prstTxWarp>
+          </a:bodyPr>
+          <a:lstStyle/>
+          <a:p>
+            <a:pPr marL="0" marR="0" indent="0" algn="l" defTabSz="914400" rtl="0" eaLnBrk="0" fontAlgn="base" latinLnBrk="0" hangingPunct="0">
+              <a:lnSpc>
+                <a:spcPct val="100000"/>
+              </a:lnSpc>
+              <a:spcBef>
+                <a:spcPct val="0"/>
+              </a:spcBef>
+              <a:spcAft>
+                <a:spcPct val="0"/>
+              </a:spcAft>
+              <a:buClrTx/>
+              <a:buSzTx/>
+              <a:buFontTx/>
+              <a:buNone/>
+              <a:tabLst/>
+            </a:pPr>
+            <a:endParaRPr kumimoji="0" lang="fr-FR" sz="2400" b="0" i="0" u="none" strike="noStrike" cap="none" normalizeH="0" baseline="0">
+              <a:ln>
+                <a:noFill/>
+              </a:ln>
+              <a:solidFill>
+                <a:srgbClr val="000000"/>
+              </a:solidFill>
+              <a:effectLst/>
+              <a:latin typeface="Arial" charset="0"/>
+              <a:ea typeface="ＭＳ Ｐゴシック" charset="0"/>
+              <a:cs typeface="Geneva" charset="0"/>
+            </a:endParaRPr>
+          </a:p>
+        </p:txBody>
+      </p:sp>
+      <p:sp>
+        <p:nvSpPr>
+          <p:cNvPr id="85" name="Ellipse 84"/>
+          <p:cNvSpPr/>
+          <p:nvPr/>
+        </p:nvSpPr>
+        <p:spPr bwMode="auto">
+          <a:xfrm>
+            <a:off x="4147331" y="2996952"/>
+            <a:ext cx="216024" cy="216024"/>
+          </a:xfrm>
+          <a:prstGeom prst="ellipse">
+            <a:avLst/>
+          </a:prstGeom>
+          <a:solidFill>
+            <a:srgbClr val="E67E22"/>
+          </a:solidFill>
+          <a:ln w="9525" cap="flat" cmpd="sng" algn="ctr">
+            <a:noFill/>
+            <a:prstDash val="solid"/>
+            <a:round/>
+            <a:headEnd type="none" w="med" len="med"/>
+            <a:tailEnd type="none" w="med" len="med"/>
+          </a:ln>
+          <a:effectLst/>
+          <a:extLst>
+            <a:ext uri="{AF507438-7753-43e0-B8FC-AC1667EBCBE1}">
+              <a14:hiddenEffects xmlns="" xmlns:a14="http://schemas.microsoft.com/office/drawing/2010/main">
+                <a:effectLst>
+                  <a:outerShdw blurRad="63500" dist="38099" dir="2700000" algn="ctr" rotWithShape="0">
+                    <a:schemeClr val="bg2">
+                      <a:alpha val="74998"/>
+                    </a:schemeClr>
+                  </a:outerShdw>
+                </a:effectLst>
+              </a14:hiddenEffects>
+            </a:ext>
+          </a:extLst>
+        </p:spPr>
+        <p:txBody>
+          <a:bodyPr vert="horz" wrap="square" lIns="91440" tIns="45720" rIns="91440" bIns="45720" numCol="1" rtlCol="0" anchor="t" anchorCtr="0" compatLnSpc="1">
+            <a:prstTxWarp prst="textNoShape">
+              <a:avLst/>
+            </a:prstTxWarp>
+          </a:bodyPr>
+          <a:lstStyle/>
+          <a:p>
+            <a:pPr marL="0" marR="0" indent="0" algn="l" defTabSz="914400" rtl="0" eaLnBrk="0" fontAlgn="base" latinLnBrk="0" hangingPunct="0">
+              <a:lnSpc>
+                <a:spcPct val="100000"/>
+              </a:lnSpc>
+              <a:spcBef>
+                <a:spcPct val="0"/>
+              </a:spcBef>
+              <a:spcAft>
+                <a:spcPct val="0"/>
+              </a:spcAft>
+              <a:buClrTx/>
+              <a:buSzTx/>
+              <a:buFontTx/>
+              <a:buNone/>
+              <a:tabLst/>
+            </a:pPr>
+            <a:endParaRPr kumimoji="0" lang="fr-FR" sz="2400" b="0" i="0" u="none" strike="noStrike" cap="none" normalizeH="0" baseline="0">
+              <a:ln>
+                <a:noFill/>
+              </a:ln>
+              <a:solidFill>
+                <a:srgbClr val="000000"/>
+              </a:solidFill>
+              <a:effectLst/>
+              <a:latin typeface="Arial" charset="0"/>
+              <a:ea typeface="ＭＳ Ｐゴシック" charset="0"/>
+              <a:cs typeface="Geneva" charset="0"/>
+            </a:endParaRPr>
+          </a:p>
+        </p:txBody>
+      </p:sp>
+      <p:cxnSp>
+        <p:nvCxnSpPr>
+          <p:cNvPr id="86" name="Connecteur droit 85"/>
+          <p:cNvCxnSpPr/>
+          <p:nvPr/>
+        </p:nvCxnSpPr>
+        <p:spPr>
+          <a:xfrm>
+            <a:off x="3851661" y="2888940"/>
+            <a:ext cx="0" cy="432048"/>
+          </a:xfrm>
+          <a:prstGeom prst="line">
+            <a:avLst/>
+          </a:prstGeom>
+          <a:ln>
+            <a:solidFill>
+              <a:srgbClr val="95A5A6"/>
+            </a:solidFill>
+            <a:prstDash val="sysDash"/>
+          </a:ln>
+        </p:spPr>
+        <p:style>
+          <a:lnRef idx="1">
+            <a:schemeClr val="accent1"/>
+          </a:lnRef>
+          <a:fillRef idx="0">
+            <a:schemeClr val="accent1"/>
+          </a:fillRef>
+          <a:effectRef idx="0">
+            <a:schemeClr val="accent1"/>
+          </a:effectRef>
+          <a:fontRef idx="minor">
+            <a:schemeClr val="tx1"/>
+          </a:fontRef>
+        </p:style>
+      </p:cxnSp>
+      <p:cxnSp>
+        <p:nvCxnSpPr>
+          <p:cNvPr id="87" name="Connecteur droit 86"/>
+          <p:cNvCxnSpPr/>
+          <p:nvPr/>
+        </p:nvCxnSpPr>
+        <p:spPr>
+          <a:xfrm>
+            <a:off x="5363829" y="2888940"/>
+            <a:ext cx="0" cy="432048"/>
+          </a:xfrm>
+          <a:prstGeom prst="line">
+            <a:avLst/>
+          </a:prstGeom>
+          <a:ln>
+            <a:solidFill>
+              <a:srgbClr val="95A5A6"/>
+            </a:solidFill>
+            <a:prstDash val="sysDash"/>
+          </a:ln>
+        </p:spPr>
+        <p:style>
+          <a:lnRef idx="1">
+            <a:schemeClr val="accent1"/>
+          </a:lnRef>
+          <a:fillRef idx="0">
+            <a:schemeClr val="accent1"/>
+          </a:fillRef>
+          <a:effectRef idx="0">
+            <a:schemeClr val="accent1"/>
+          </a:effectRef>
+          <a:fontRef idx="minor">
+            <a:schemeClr val="tx1"/>
+          </a:fontRef>
+        </p:style>
+      </p:cxnSp>
+      <p:sp>
+        <p:nvSpPr>
+          <p:cNvPr id="88" name="Rectangle 87"/>
+          <p:cNvSpPr/>
+          <p:nvPr/>
+        </p:nvSpPr>
+        <p:spPr bwMode="auto">
+          <a:xfrm>
+            <a:off x="5640887" y="2996952"/>
+            <a:ext cx="216024" cy="216024"/>
+          </a:xfrm>
+          <a:prstGeom prst="rect">
+            <a:avLst/>
+          </a:prstGeom>
+          <a:noFill/>
+          <a:ln w="19050" cap="flat" cmpd="sng" algn="ctr">
+            <a:solidFill>
+              <a:srgbClr val="F1C40F"/>
+            </a:solidFill>
+            <a:prstDash val="solid"/>
+            <a:round/>
+            <a:headEnd type="none" w="med" len="med"/>
+            <a:tailEnd type="none" w="med" len="med"/>
+          </a:ln>
+          <a:effectLst/>
+          <a:extLst>
+            <a:ext uri="{AF507438-7753-43e0-B8FC-AC1667EBCBE1}">
+              <a14:hiddenEffects xmlns="" xmlns:a14="http://schemas.microsoft.com/office/drawing/2010/main">
+                <a:effectLst>
+                  <a:outerShdw blurRad="63500" dist="38099" dir="2700000" algn="ctr" rotWithShape="0">
+                    <a:schemeClr val="bg2">
+                      <a:alpha val="74998"/>
+                    </a:schemeClr>
+                  </a:outerShdw>
+                </a:effectLst>
+              </a14:hiddenEffects>
+            </a:ext>
+          </a:extLst>
+        </p:spPr>
+        <p:txBody>
+          <a:bodyPr vert="horz" wrap="square" lIns="91440" tIns="45720" rIns="91440" bIns="45720" numCol="1" rtlCol="0" anchor="t" anchorCtr="0" compatLnSpc="1">
+            <a:prstTxWarp prst="textNoShape">
+              <a:avLst/>
+            </a:prstTxWarp>
+          </a:bodyPr>
+          <a:lstStyle/>
+          <a:p>
+            <a:pPr marL="0" marR="0" indent="0" algn="l" defTabSz="914400" rtl="0" eaLnBrk="0" fontAlgn="base" latinLnBrk="0" hangingPunct="0">
+              <a:lnSpc>
+                <a:spcPct val="100000"/>
+              </a:lnSpc>
+              <a:spcBef>
+                <a:spcPct val="0"/>
+              </a:spcBef>
+              <a:spcAft>
+                <a:spcPct val="0"/>
+              </a:spcAft>
+              <a:buClrTx/>
+              <a:buSzTx/>
+              <a:buFontTx/>
+              <a:buNone/>
+              <a:tabLst/>
+            </a:pPr>
+            <a:endParaRPr kumimoji="0" lang="fr-FR" sz="2400" b="0" i="0" u="none" strike="noStrike" cap="none" normalizeH="0" baseline="0">
+              <a:ln>
+                <a:noFill/>
+              </a:ln>
+              <a:solidFill>
+                <a:srgbClr val="000000"/>
+              </a:solidFill>
+              <a:effectLst/>
+              <a:latin typeface="Arial" charset="0"/>
+              <a:ea typeface="ＭＳ Ｐゴシック" charset="0"/>
+              <a:cs typeface="Geneva" charset="0"/>
+            </a:endParaRPr>
+          </a:p>
+        </p:txBody>
+      </p:sp>
+      <p:sp>
+        <p:nvSpPr>
+          <p:cNvPr id="89" name="Ellipse 88"/>
+          <p:cNvSpPr/>
+          <p:nvPr/>
+        </p:nvSpPr>
+        <p:spPr bwMode="auto">
+          <a:xfrm>
+            <a:off x="6026855" y="2996952"/>
+            <a:ext cx="216024" cy="216024"/>
+          </a:xfrm>
+          <a:prstGeom prst="ellipse">
+            <a:avLst/>
+          </a:prstGeom>
+          <a:noFill/>
+          <a:ln w="19050" cap="flat" cmpd="sng" algn="ctr">
+            <a:solidFill>
+              <a:srgbClr val="3498DB"/>
+            </a:solidFill>
+            <a:prstDash val="solid"/>
+            <a:round/>
+            <a:headEnd type="none" w="med" len="med"/>
+            <a:tailEnd type="none" w="med" len="med"/>
+          </a:ln>
+          <a:effectLst/>
+          <a:extLst>
+            <a:ext uri="{AF507438-7753-43e0-B8FC-AC1667EBCBE1}">
+              <a14:hiddenEffects xmlns="" xmlns:a14="http://schemas.microsoft.com/office/drawing/2010/main">
+                <a:effectLst>
+                  <a:outerShdw blurRad="63500" dist="38099" dir="2700000" algn="ctr" rotWithShape="0">
+                    <a:schemeClr val="bg2">
+                      <a:alpha val="74998"/>
+                    </a:schemeClr>
+                  </a:outerShdw>
+                </a:effectLst>
+              </a14:hiddenEffects>
+            </a:ext>
+          </a:extLst>
+        </p:spPr>
+        <p:txBody>
+          <a:bodyPr vert="horz" wrap="square" lIns="91440" tIns="45720" rIns="91440" bIns="45720" numCol="1" rtlCol="0" anchor="t" anchorCtr="0" compatLnSpc="1">
+            <a:prstTxWarp prst="textNoShape">
+              <a:avLst/>
+            </a:prstTxWarp>
+          </a:bodyPr>
+          <a:lstStyle/>
+          <a:p>
+            <a:pPr marL="0" marR="0" indent="0" algn="l" defTabSz="914400" rtl="0" eaLnBrk="0" fontAlgn="base" latinLnBrk="0" hangingPunct="0">
+              <a:lnSpc>
+                <a:spcPct val="100000"/>
+              </a:lnSpc>
+              <a:spcBef>
+                <a:spcPct val="0"/>
+              </a:spcBef>
+              <a:spcAft>
+                <a:spcPct val="0"/>
+              </a:spcAft>
+              <a:buClrTx/>
+              <a:buSzTx/>
+              <a:buFontTx/>
+              <a:buNone/>
+              <a:tabLst/>
+            </a:pPr>
+            <a:endParaRPr kumimoji="0" lang="fr-FR" sz="2400" b="0" i="0" u="none" strike="noStrike" cap="none" normalizeH="0" baseline="0">
+              <a:ln>
+                <a:noFill/>
+              </a:ln>
+              <a:solidFill>
+                <a:srgbClr val="000000"/>
+              </a:solidFill>
+              <a:effectLst/>
+              <a:latin typeface="Arial" charset="0"/>
+              <a:ea typeface="ＭＳ Ｐゴシック" charset="0"/>
+              <a:cs typeface="Geneva" charset="0"/>
+            </a:endParaRPr>
+          </a:p>
+        </p:txBody>
+      </p:sp>
+      <p:sp>
+        <p:nvSpPr>
+          <p:cNvPr id="90" name="Rectangle 89"/>
+          <p:cNvSpPr/>
+          <p:nvPr/>
+        </p:nvSpPr>
+        <p:spPr bwMode="auto">
+          <a:xfrm>
+            <a:off x="2104849" y="3544310"/>
+            <a:ext cx="216024" cy="216024"/>
+          </a:xfrm>
+          <a:prstGeom prst="rect">
+            <a:avLst/>
+          </a:prstGeom>
+          <a:solidFill>
+            <a:srgbClr val="C0392B"/>
+          </a:solidFill>
+          <a:ln w="9525" cap="flat" cmpd="sng" algn="ctr">
+            <a:noFill/>
+            <a:prstDash val="solid"/>
+            <a:round/>
+            <a:headEnd type="none" w="med" len="med"/>
+            <a:tailEnd type="none" w="med" len="med"/>
+          </a:ln>
+          <a:effectLst/>
+          <a:extLst>
+            <a:ext uri="{AF507438-7753-43e0-B8FC-AC1667EBCBE1}">
+              <a14:hiddenEffects xmlns="" xmlns:a14="http://schemas.microsoft.com/office/drawing/2010/main">
+                <a:effectLst>
+                  <a:outerShdw blurRad="63500" dist="38099" dir="2700000" algn="ctr" rotWithShape="0">
+                    <a:schemeClr val="bg2">
+                      <a:alpha val="74998"/>
+                    </a:schemeClr>
+                  </a:outerShdw>
+                </a:effectLst>
+              </a14:hiddenEffects>
+            </a:ext>
+          </a:extLst>
+        </p:spPr>
+        <p:txBody>
+          <a:bodyPr vert="horz" wrap="square" lIns="91440" tIns="45720" rIns="91440" bIns="45720" numCol="1" rtlCol="0" anchor="t" anchorCtr="0" compatLnSpc="1">
+            <a:prstTxWarp prst="textNoShape">
+              <a:avLst/>
+            </a:prstTxWarp>
+          </a:bodyPr>
+          <a:lstStyle/>
+          <a:p>
+            <a:pPr marL="0" marR="0" indent="0" algn="l" defTabSz="914400" rtl="0" eaLnBrk="0" fontAlgn="base" latinLnBrk="0" hangingPunct="0">
+              <a:lnSpc>
+                <a:spcPct val="100000"/>
+              </a:lnSpc>
+              <a:spcBef>
+                <a:spcPct val="0"/>
+              </a:spcBef>
+              <a:spcAft>
+                <a:spcPct val="0"/>
+              </a:spcAft>
+              <a:buClrTx/>
+              <a:buSzTx/>
+              <a:buFontTx/>
+              <a:buNone/>
+              <a:tabLst/>
+            </a:pPr>
+            <a:endParaRPr kumimoji="0" lang="fr-FR" sz="2400" b="0" i="0" u="none" strike="noStrike" cap="none" normalizeH="0" baseline="0">
+              <a:ln>
+                <a:noFill/>
+              </a:ln>
+              <a:solidFill>
+                <a:srgbClr val="C00000"/>
+              </a:solidFill>
+              <a:effectLst/>
+              <a:latin typeface="Arial" charset="0"/>
+              <a:ea typeface="ＭＳ Ｐゴシック" charset="0"/>
+              <a:cs typeface="Geneva" charset="0"/>
+            </a:endParaRPr>
+          </a:p>
+        </p:txBody>
+      </p:sp>
+      <p:sp>
+        <p:nvSpPr>
+          <p:cNvPr id="91" name="Rectangle 90"/>
+          <p:cNvSpPr/>
+          <p:nvPr/>
+        </p:nvSpPr>
+        <p:spPr bwMode="auto">
+          <a:xfrm>
+            <a:off x="2926157" y="3544310"/>
+            <a:ext cx="216024" cy="216024"/>
+          </a:xfrm>
+          <a:prstGeom prst="rect">
+            <a:avLst/>
+          </a:prstGeom>
+          <a:solidFill>
+            <a:srgbClr val="27AE60"/>
+          </a:solidFill>
+          <a:ln w="9525" cap="flat" cmpd="sng" algn="ctr">
+            <a:noFill/>
+            <a:prstDash val="solid"/>
+            <a:round/>
+            <a:headEnd type="none" w="med" len="med"/>
+            <a:tailEnd type="none" w="med" len="med"/>
+          </a:ln>
+          <a:effectLst/>
+          <a:extLst>
+            <a:ext uri="{AF507438-7753-43e0-B8FC-AC1667EBCBE1}">
+              <a14:hiddenEffects xmlns="" xmlns:a14="http://schemas.microsoft.com/office/drawing/2010/main">
+                <a:effectLst>
+                  <a:outerShdw blurRad="63500" dist="38099" dir="2700000" algn="ctr" rotWithShape="0">
+                    <a:schemeClr val="bg2">
+                      <a:alpha val="74998"/>
+                    </a:schemeClr>
+                  </a:outerShdw>
+                </a:effectLst>
+              </a14:hiddenEffects>
+            </a:ext>
+          </a:extLst>
+        </p:spPr>
+        <p:txBody>
+          <a:bodyPr vert="horz" wrap="square" lIns="91440" tIns="45720" rIns="91440" bIns="45720" numCol="1" rtlCol="0" anchor="t" anchorCtr="0" compatLnSpc="1">
+            <a:prstTxWarp prst="textNoShape">
+              <a:avLst/>
+            </a:prstTxWarp>
+          </a:bodyPr>
+          <a:lstStyle/>
+          <a:p>
+            <a:pPr marL="0" marR="0" indent="0" algn="l" defTabSz="914400" rtl="0" eaLnBrk="0" fontAlgn="base" latinLnBrk="0" hangingPunct="0">
+              <a:lnSpc>
+                <a:spcPct val="100000"/>
+              </a:lnSpc>
+              <a:spcBef>
+                <a:spcPct val="0"/>
+              </a:spcBef>
+              <a:spcAft>
+                <a:spcPct val="0"/>
+              </a:spcAft>
+              <a:buClrTx/>
+              <a:buSzTx/>
+              <a:buFontTx/>
+              <a:buNone/>
+              <a:tabLst/>
+            </a:pPr>
+            <a:endParaRPr kumimoji="0" lang="fr-FR" sz="2400" b="0" i="0" u="none" strike="noStrike" cap="none" normalizeH="0" baseline="0">
+              <a:ln>
+                <a:noFill/>
+              </a:ln>
+              <a:solidFill>
+                <a:srgbClr val="000000"/>
+              </a:solidFill>
+              <a:effectLst/>
+              <a:latin typeface="Arial" charset="0"/>
+              <a:ea typeface="ＭＳ Ｐゴシック" charset="0"/>
+              <a:cs typeface="Geneva" charset="0"/>
+            </a:endParaRPr>
+          </a:p>
+        </p:txBody>
+      </p:sp>
+      <p:sp>
+        <p:nvSpPr>
+          <p:cNvPr id="92" name="Rectangle 91"/>
+          <p:cNvSpPr/>
+          <p:nvPr/>
+        </p:nvSpPr>
+        <p:spPr bwMode="auto">
+          <a:xfrm>
+            <a:off x="2515503" y="3544310"/>
+            <a:ext cx="216024" cy="216024"/>
+          </a:xfrm>
+          <a:prstGeom prst="rect">
+            <a:avLst/>
+          </a:prstGeom>
+          <a:solidFill>
+            <a:srgbClr val="8E44AD"/>
+          </a:solidFill>
+          <a:ln w="9525" cap="flat" cmpd="sng" algn="ctr">
+            <a:noFill/>
+            <a:prstDash val="solid"/>
+            <a:round/>
+            <a:headEnd type="none" w="med" len="med"/>
+            <a:tailEnd type="none" w="med" len="med"/>
+          </a:ln>
+          <a:effectLst/>
+          <a:extLst>
+            <a:ext uri="{AF507438-7753-43e0-B8FC-AC1667EBCBE1}">
+              <a14:hiddenEffects xmlns="" xmlns:a14="http://schemas.microsoft.com/office/drawing/2010/main">
+                <a:effectLst>
+                  <a:outerShdw blurRad="63500" dist="38099" dir="2700000" algn="ctr" rotWithShape="0">
+                    <a:schemeClr val="bg2">
+                      <a:alpha val="74998"/>
+                    </a:schemeClr>
+                  </a:outerShdw>
+                </a:effectLst>
+              </a14:hiddenEffects>
+            </a:ext>
+          </a:extLst>
+        </p:spPr>
+        <p:txBody>
+          <a:bodyPr vert="horz" wrap="square" lIns="91440" tIns="45720" rIns="91440" bIns="45720" numCol="1" rtlCol="0" anchor="t" anchorCtr="0" compatLnSpc="1">
+            <a:prstTxWarp prst="textNoShape">
+              <a:avLst/>
+            </a:prstTxWarp>
+          </a:bodyPr>
+          <a:lstStyle/>
+          <a:p>
+            <a:pPr marL="0" marR="0" indent="0" algn="l" defTabSz="914400" rtl="0" eaLnBrk="0" fontAlgn="base" latinLnBrk="0" hangingPunct="0">
+              <a:lnSpc>
+                <a:spcPct val="100000"/>
+              </a:lnSpc>
+              <a:spcBef>
+                <a:spcPct val="0"/>
+              </a:spcBef>
+              <a:spcAft>
+                <a:spcPct val="0"/>
+              </a:spcAft>
+              <a:buClrTx/>
+              <a:buSzTx/>
+              <a:buFontTx/>
+              <a:buNone/>
+              <a:tabLst/>
+            </a:pPr>
+            <a:endParaRPr kumimoji="0" lang="fr-FR" sz="2400" b="0" i="0" u="none" strike="noStrike" cap="none" normalizeH="0" baseline="0">
+              <a:ln>
+                <a:noFill/>
+              </a:ln>
+              <a:solidFill>
+                <a:srgbClr val="000000"/>
+              </a:solidFill>
+              <a:effectLst/>
+              <a:latin typeface="Arial" charset="0"/>
+              <a:ea typeface="ＭＳ Ｐゴシック" charset="0"/>
+              <a:cs typeface="Geneva" charset="0"/>
+            </a:endParaRPr>
+          </a:p>
+        </p:txBody>
+      </p:sp>
+      <p:sp>
+        <p:nvSpPr>
+          <p:cNvPr id="95" name="Ellipse 94"/>
+          <p:cNvSpPr/>
+          <p:nvPr/>
+        </p:nvSpPr>
+        <p:spPr bwMode="auto">
+          <a:xfrm>
+            <a:off x="6012160" y="3544310"/>
+            <a:ext cx="216024" cy="216024"/>
+          </a:xfrm>
+          <a:prstGeom prst="ellipse">
+            <a:avLst/>
+          </a:prstGeom>
+          <a:solidFill>
+            <a:srgbClr val="343E50"/>
+          </a:solidFill>
+          <a:ln w="9525" cap="flat" cmpd="sng" algn="ctr">
+            <a:noFill/>
+            <a:prstDash val="solid"/>
+            <a:round/>
+            <a:headEnd type="none" w="med" len="med"/>
+            <a:tailEnd type="none" w="med" len="med"/>
+          </a:ln>
+          <a:effectLst/>
+          <a:extLst>
+            <a:ext uri="{AF507438-7753-43e0-B8FC-AC1667EBCBE1}">
+              <a14:hiddenEffects xmlns="" xmlns:a14="http://schemas.microsoft.com/office/drawing/2010/main">
+                <a:effectLst>
+                  <a:outerShdw blurRad="63500" dist="38099" dir="2700000" algn="ctr" rotWithShape="0">
+                    <a:schemeClr val="bg2">
+                      <a:alpha val="74998"/>
+                    </a:schemeClr>
+                  </a:outerShdw>
+                </a:effectLst>
+              </a14:hiddenEffects>
+            </a:ext>
+          </a:extLst>
+        </p:spPr>
+        <p:txBody>
+          <a:bodyPr vert="horz" wrap="square" lIns="91440" tIns="45720" rIns="91440" bIns="45720" numCol="1" rtlCol="0" anchor="t" anchorCtr="0" compatLnSpc="1">
+            <a:prstTxWarp prst="textNoShape">
+              <a:avLst/>
+            </a:prstTxWarp>
+          </a:bodyPr>
+          <a:lstStyle/>
+          <a:p>
+            <a:pPr marL="0" marR="0" indent="0" algn="l" defTabSz="914400" rtl="0" eaLnBrk="0" fontAlgn="base" latinLnBrk="0" hangingPunct="0">
+              <a:lnSpc>
+                <a:spcPct val="100000"/>
+              </a:lnSpc>
+              <a:spcBef>
+                <a:spcPct val="0"/>
+              </a:spcBef>
+              <a:spcAft>
+                <a:spcPct val="0"/>
+              </a:spcAft>
+              <a:buClrTx/>
+              <a:buSzTx/>
+              <a:buFontTx/>
+              <a:buNone/>
+              <a:tabLst/>
+            </a:pPr>
+            <a:endParaRPr kumimoji="0" lang="fr-FR" sz="2400" b="0" i="0" u="none" strike="noStrike" cap="none" normalizeH="0" baseline="0">
+              <a:ln>
+                <a:noFill/>
+              </a:ln>
+              <a:solidFill>
+                <a:srgbClr val="000000"/>
+              </a:solidFill>
+              <a:effectLst/>
+              <a:latin typeface="Arial" charset="0"/>
+              <a:ea typeface="ＭＳ Ｐゴシック" charset="0"/>
+              <a:cs typeface="Geneva" charset="0"/>
+            </a:endParaRPr>
+          </a:p>
+        </p:txBody>
+      </p:sp>
+      <p:sp>
+        <p:nvSpPr>
+          <p:cNvPr id="96" name="Ellipse 95"/>
+          <p:cNvSpPr/>
+          <p:nvPr/>
+        </p:nvSpPr>
+        <p:spPr bwMode="auto">
+          <a:xfrm>
+            <a:off x="5649851" y="3544310"/>
+            <a:ext cx="216024" cy="216024"/>
+          </a:xfrm>
+          <a:prstGeom prst="ellipse">
+            <a:avLst/>
+          </a:prstGeom>
+          <a:solidFill>
+            <a:srgbClr val="E67E22"/>
+          </a:solidFill>
+          <a:ln w="9525" cap="flat" cmpd="sng" algn="ctr">
+            <a:noFill/>
+            <a:prstDash val="solid"/>
+            <a:round/>
+            <a:headEnd type="none" w="med" len="med"/>
+            <a:tailEnd type="none" w="med" len="med"/>
+          </a:ln>
+          <a:effectLst/>
+          <a:extLst>
+            <a:ext uri="{AF507438-7753-43e0-B8FC-AC1667EBCBE1}">
+              <a14:hiddenEffects xmlns="" xmlns:a14="http://schemas.microsoft.com/office/drawing/2010/main">
+                <a:effectLst>
+                  <a:outerShdw blurRad="63500" dist="38099" dir="2700000" algn="ctr" rotWithShape="0">
+                    <a:schemeClr val="bg2">
+                      <a:alpha val="74998"/>
+                    </a:schemeClr>
+                  </a:outerShdw>
+                </a:effectLst>
+              </a14:hiddenEffects>
+            </a:ext>
+          </a:extLst>
+        </p:spPr>
+        <p:txBody>
+          <a:bodyPr vert="horz" wrap="square" lIns="91440" tIns="45720" rIns="91440" bIns="45720" numCol="1" rtlCol="0" anchor="t" anchorCtr="0" compatLnSpc="1">
+            <a:prstTxWarp prst="textNoShape">
+              <a:avLst/>
+            </a:prstTxWarp>
+          </a:bodyPr>
+          <a:lstStyle/>
+          <a:p>
+            <a:pPr marL="0" marR="0" indent="0" algn="l" defTabSz="914400" rtl="0" eaLnBrk="0" fontAlgn="base" latinLnBrk="0" hangingPunct="0">
+              <a:lnSpc>
+                <a:spcPct val="100000"/>
+              </a:lnSpc>
+              <a:spcBef>
+                <a:spcPct val="0"/>
+              </a:spcBef>
+              <a:spcAft>
+                <a:spcPct val="0"/>
+              </a:spcAft>
+              <a:buClrTx/>
+              <a:buSzTx/>
+              <a:buFontTx/>
+              <a:buNone/>
+              <a:tabLst/>
+            </a:pPr>
+            <a:endParaRPr kumimoji="0" lang="fr-FR" sz="2400" b="0" i="0" u="none" strike="noStrike" cap="none" normalizeH="0" baseline="0">
+              <a:ln>
+                <a:noFill/>
+              </a:ln>
+              <a:solidFill>
+                <a:srgbClr val="000000"/>
+              </a:solidFill>
+              <a:effectLst/>
+              <a:latin typeface="Arial" charset="0"/>
+              <a:ea typeface="ＭＳ Ｐゴシック" charset="0"/>
+              <a:cs typeface="Geneva" charset="0"/>
+            </a:endParaRPr>
+          </a:p>
+        </p:txBody>
+      </p:sp>
+      <p:cxnSp>
+        <p:nvCxnSpPr>
+          <p:cNvPr id="97" name="Connecteur droit 96"/>
+          <p:cNvCxnSpPr/>
+          <p:nvPr/>
+        </p:nvCxnSpPr>
+        <p:spPr>
+          <a:xfrm>
+            <a:off x="3851661" y="3436298"/>
+            <a:ext cx="0" cy="432048"/>
+          </a:xfrm>
+          <a:prstGeom prst="line">
+            <a:avLst/>
+          </a:prstGeom>
+          <a:ln>
+            <a:solidFill>
+              <a:srgbClr val="95A5A6"/>
+            </a:solidFill>
+            <a:prstDash val="sysDash"/>
+          </a:ln>
+        </p:spPr>
+        <p:style>
+          <a:lnRef idx="1">
+            <a:schemeClr val="accent1"/>
+          </a:lnRef>
+          <a:fillRef idx="0">
+            <a:schemeClr val="accent1"/>
+          </a:fillRef>
+          <a:effectRef idx="0">
+            <a:schemeClr val="accent1"/>
+          </a:effectRef>
+          <a:fontRef idx="minor">
+            <a:schemeClr val="tx1"/>
+          </a:fontRef>
+        </p:style>
+      </p:cxnSp>
+      <p:cxnSp>
+        <p:nvCxnSpPr>
+          <p:cNvPr id="98" name="Connecteur droit 97"/>
+          <p:cNvCxnSpPr/>
+          <p:nvPr/>
+        </p:nvCxnSpPr>
+        <p:spPr>
+          <a:xfrm>
+            <a:off x="5363829" y="3436298"/>
+            <a:ext cx="0" cy="432048"/>
+          </a:xfrm>
+          <a:prstGeom prst="line">
+            <a:avLst/>
+          </a:prstGeom>
+          <a:ln>
+            <a:solidFill>
+              <a:srgbClr val="95A5A6"/>
+            </a:solidFill>
+            <a:prstDash val="sysDash"/>
+          </a:ln>
+        </p:spPr>
+        <p:style>
+          <a:lnRef idx="1">
+            <a:schemeClr val="accent1"/>
+          </a:lnRef>
+          <a:fillRef idx="0">
+            <a:schemeClr val="accent1"/>
+          </a:fillRef>
+          <a:effectRef idx="0">
+            <a:schemeClr val="accent1"/>
+          </a:effectRef>
+          <a:fontRef idx="minor">
+            <a:schemeClr val="tx1"/>
+          </a:fontRef>
+        </p:style>
+      </p:cxnSp>
+      <p:sp>
+        <p:nvSpPr>
+          <p:cNvPr id="99" name="Rectangle 98"/>
+          <p:cNvSpPr/>
+          <p:nvPr/>
+        </p:nvSpPr>
+        <p:spPr bwMode="auto">
+          <a:xfrm>
+            <a:off x="4157536" y="3544310"/>
+            <a:ext cx="216024" cy="216024"/>
+          </a:xfrm>
+          <a:prstGeom prst="rect">
+            <a:avLst/>
+          </a:prstGeom>
+          <a:noFill/>
+          <a:ln w="19050" cap="flat" cmpd="sng" algn="ctr">
+            <a:solidFill>
+              <a:srgbClr val="F1C40F"/>
+            </a:solidFill>
+            <a:prstDash val="solid"/>
+            <a:round/>
+            <a:headEnd type="none" w="med" len="med"/>
+            <a:tailEnd type="none" w="med" len="med"/>
+          </a:ln>
+          <a:effectLst/>
+          <a:extLst>
+            <a:ext uri="{AF507438-7753-43e0-B8FC-AC1667EBCBE1}">
+              <a14:hiddenEffects xmlns="" xmlns:a14="http://schemas.microsoft.com/office/drawing/2010/main">
+                <a:effectLst>
+                  <a:outerShdw blurRad="63500" dist="38099" dir="2700000" algn="ctr" rotWithShape="0">
+                    <a:schemeClr val="bg2">
+                      <a:alpha val="74998"/>
+                    </a:schemeClr>
+                  </a:outerShdw>
+                </a:effectLst>
+              </a14:hiddenEffects>
+            </a:ext>
+          </a:extLst>
+        </p:spPr>
+        <p:txBody>
+          <a:bodyPr vert="horz" wrap="square" lIns="91440" tIns="45720" rIns="91440" bIns="45720" numCol="1" rtlCol="0" anchor="t" anchorCtr="0" compatLnSpc="1">
+            <a:prstTxWarp prst="textNoShape">
+              <a:avLst/>
+            </a:prstTxWarp>
+          </a:bodyPr>
+          <a:lstStyle/>
+          <a:p>
+            <a:pPr marL="0" marR="0" indent="0" algn="l" defTabSz="914400" rtl="0" eaLnBrk="0" fontAlgn="base" latinLnBrk="0" hangingPunct="0">
+              <a:lnSpc>
+                <a:spcPct val="100000"/>
+              </a:lnSpc>
+              <a:spcBef>
+                <a:spcPct val="0"/>
+              </a:spcBef>
+              <a:spcAft>
+                <a:spcPct val="0"/>
+              </a:spcAft>
+              <a:buClrTx/>
+              <a:buSzTx/>
+              <a:buFontTx/>
+              <a:buNone/>
+              <a:tabLst/>
+            </a:pPr>
+            <a:endParaRPr kumimoji="0" lang="fr-FR" sz="2400" b="0" i="0" u="none" strike="noStrike" cap="none" normalizeH="0" baseline="0">
+              <a:ln>
+                <a:noFill/>
+              </a:ln>
+              <a:solidFill>
+                <a:srgbClr val="000000"/>
+              </a:solidFill>
+              <a:effectLst/>
+              <a:latin typeface="Arial" charset="0"/>
+              <a:ea typeface="ＭＳ Ｐゴシック" charset="0"/>
+              <a:cs typeface="Geneva" charset="0"/>
+            </a:endParaRPr>
+          </a:p>
+        </p:txBody>
+      </p:sp>
+      <p:sp>
+        <p:nvSpPr>
+          <p:cNvPr id="101" name="ZoneTexte 100"/>
+          <p:cNvSpPr txBox="1"/>
+          <p:nvPr/>
+        </p:nvSpPr>
+        <p:spPr>
+          <a:xfrm>
+            <a:off x="5489625" y="1110857"/>
+            <a:ext cx="564578" cy="369332"/>
+          </a:xfrm>
+          <a:prstGeom prst="rect">
+            <a:avLst/>
+          </a:prstGeom>
+          <a:noFill/>
+        </p:spPr>
+        <p:txBody>
+          <a:bodyPr wrap="none" rtlCol="0">
+            <a:spAutoFit/>
+          </a:bodyPr>
+          <a:lstStyle/>
+          <a:p>
             <a:r>
-              <a:rPr lang="fr-FR" sz="1600" dirty="0" smtClean="0">
+              <a:rPr lang="fr-FR" dirty="0" smtClean="0">
                 <a:latin typeface="Consolas" panose="020B0609020204030204" pitchFamily="49" charset="0"/>
               </a:rPr>
-              <a:t>[3,5]</a:t>
+              <a:t>(a)</a:t>
             </a:r>
-            <a:endParaRPr lang="fr-FR" sz="1600" dirty="0">
+            <a:endParaRPr lang="fr-FR" dirty="0">
+              <a:latin typeface="Consolas" panose="020B0609020204030204" pitchFamily="49" charset="0"/>
+            </a:endParaRPr>
+          </a:p>
+        </p:txBody>
+      </p:sp>
+      <p:sp>
+        <p:nvSpPr>
+          <p:cNvPr id="102" name="ZoneTexte 101"/>
+          <p:cNvSpPr txBox="1"/>
+          <p:nvPr/>
+        </p:nvSpPr>
+        <p:spPr>
+          <a:xfrm>
+            <a:off x="5489625" y="1641182"/>
+            <a:ext cx="564578" cy="369332"/>
+          </a:xfrm>
+          <a:prstGeom prst="rect">
+            <a:avLst/>
+          </a:prstGeom>
+          <a:noFill/>
+        </p:spPr>
+        <p:txBody>
+          <a:bodyPr wrap="none" rtlCol="0">
+            <a:spAutoFit/>
+          </a:bodyPr>
+          <a:lstStyle/>
+          <a:p>
+            <a:r>
+              <a:rPr lang="fr-FR" dirty="0" smtClean="0">
+                <a:latin typeface="Consolas" panose="020B0609020204030204" pitchFamily="49" charset="0"/>
+              </a:rPr>
+              <a:t>(b)</a:t>
+            </a:r>
+            <a:endParaRPr lang="fr-FR" dirty="0">
+              <a:latin typeface="Consolas" panose="020B0609020204030204" pitchFamily="49" charset="0"/>
+            </a:endParaRPr>
+          </a:p>
+        </p:txBody>
+      </p:sp>
+      <p:sp>
+        <p:nvSpPr>
+          <p:cNvPr id="103" name="ZoneTexte 102"/>
+          <p:cNvSpPr txBox="1"/>
+          <p:nvPr/>
+        </p:nvSpPr>
+        <p:spPr>
+          <a:xfrm>
+            <a:off x="6573037" y="2385826"/>
+            <a:ext cx="564578" cy="369332"/>
+          </a:xfrm>
+          <a:prstGeom prst="rect">
+            <a:avLst/>
+          </a:prstGeom>
+          <a:noFill/>
+        </p:spPr>
+        <p:txBody>
+          <a:bodyPr wrap="none" rtlCol="0">
+            <a:spAutoFit/>
+          </a:bodyPr>
+          <a:lstStyle/>
+          <a:p>
+            <a:r>
+              <a:rPr lang="fr-FR" dirty="0" smtClean="0">
+                <a:latin typeface="Consolas" panose="020B0609020204030204" pitchFamily="49" charset="0"/>
+              </a:rPr>
+              <a:t>(a)</a:t>
+            </a:r>
+            <a:endParaRPr lang="fr-FR" dirty="0">
+              <a:latin typeface="Consolas" panose="020B0609020204030204" pitchFamily="49" charset="0"/>
+            </a:endParaRPr>
+          </a:p>
+        </p:txBody>
+      </p:sp>
+      <p:sp>
+        <p:nvSpPr>
+          <p:cNvPr id="104" name="ZoneTexte 103"/>
+          <p:cNvSpPr txBox="1"/>
+          <p:nvPr/>
+        </p:nvSpPr>
+        <p:spPr>
+          <a:xfrm>
+            <a:off x="6573037" y="2915580"/>
+            <a:ext cx="564578" cy="369332"/>
+          </a:xfrm>
+          <a:prstGeom prst="rect">
+            <a:avLst/>
+          </a:prstGeom>
+          <a:noFill/>
+        </p:spPr>
+        <p:txBody>
+          <a:bodyPr wrap="none" rtlCol="0">
+            <a:spAutoFit/>
+          </a:bodyPr>
+          <a:lstStyle/>
+          <a:p>
+            <a:r>
+              <a:rPr lang="fr-FR" dirty="0" smtClean="0">
+                <a:latin typeface="Consolas" panose="020B0609020204030204" pitchFamily="49" charset="0"/>
+              </a:rPr>
+              <a:t>(b)</a:t>
+            </a:r>
+            <a:endParaRPr lang="fr-FR" dirty="0">
+              <a:latin typeface="Consolas" panose="020B0609020204030204" pitchFamily="49" charset="0"/>
+            </a:endParaRPr>
+          </a:p>
+        </p:txBody>
+      </p:sp>
+      <p:sp>
+        <p:nvSpPr>
+          <p:cNvPr id="105" name="ZoneTexte 104"/>
+          <p:cNvSpPr txBox="1"/>
+          <p:nvPr/>
+        </p:nvSpPr>
+        <p:spPr>
+          <a:xfrm>
+            <a:off x="6573037" y="3463786"/>
+            <a:ext cx="564578" cy="369332"/>
+          </a:xfrm>
+          <a:prstGeom prst="rect">
+            <a:avLst/>
+          </a:prstGeom>
+          <a:noFill/>
+        </p:spPr>
+        <p:txBody>
+          <a:bodyPr wrap="none" rtlCol="0">
+            <a:spAutoFit/>
+          </a:bodyPr>
+          <a:lstStyle/>
+          <a:p>
+            <a:r>
+              <a:rPr lang="fr-FR" dirty="0" smtClean="0">
+                <a:latin typeface="Consolas" panose="020B0609020204030204" pitchFamily="49" charset="0"/>
+              </a:rPr>
+              <a:t>(c)</a:t>
+            </a:r>
+            <a:endParaRPr lang="fr-FR" dirty="0">
               <a:latin typeface="Consolas" panose="020B0609020204030204" pitchFamily="49" charset="0"/>
             </a:endParaRPr>
           </a:p>
